--- a/Reversal New Highs.pptx
+++ b/Reversal New Highs.pptx
@@ -2,7 +2,7 @@
 <file path=ppt/presentation.xml><?xml version="1.0" encoding="utf-8"?>
 <p:presentation xmlns:a="http://schemas.openxmlformats.org/drawingml/2006/main" xmlns:r="http://schemas.openxmlformats.org/officeDocument/2006/relationships" xmlns:p="http://schemas.openxmlformats.org/presentationml/2006/main" saveSubsetFonts="1">
   <p:sldMasterIdLst>
-    <p:sldMasterId id="2147483648" r:id="rId1"/>
+    <p:sldMasterId id="2147483725" r:id="rId1"/>
   </p:sldMasterIdLst>
   <p:sldIdLst>
     <p:sldId id="256" r:id="rId2"/>
@@ -13,6 +13,7 @@
     <p:sldId id="259" r:id="rId7"/>
     <p:sldId id="260" r:id="rId8"/>
     <p:sldId id="262" r:id="rId9"/>
+    <p:sldId id="264" r:id="rId10"/>
   </p:sldIdLst>
   <p:sldSz cx="12192000" cy="6858000"/>
   <p:notesSz cx="6858000" cy="9144000"/>
@@ -111,11 +112,16 @@
       </a:defRPr>
     </a:lvl9pPr>
   </p:defaultTextStyle>
+  <p:extLst>
+    <p:ext uri="{EFAFB233-063F-42B5-8137-9DF3F51BA10A}">
+      <p15:sldGuideLst xmlns:p15="http://schemas.microsoft.com/office/powerpoint/2012/main"/>
+    </p:ext>
+  </p:extLst>
 </p:presentation>
 </file>
 
 <file path=ppt/slideLayouts/slideLayout1.xml><?xml version="1.0" encoding="utf-8"?>
-<p:sldLayout xmlns:a="http://schemas.openxmlformats.org/drawingml/2006/main" xmlns:r="http://schemas.openxmlformats.org/officeDocument/2006/relationships" xmlns:p="http://schemas.openxmlformats.org/presentationml/2006/main" type="title" preserve="1">
+<p:sldLayout xmlns:a="http://schemas.openxmlformats.org/drawingml/2006/main" xmlns:r="http://schemas.openxmlformats.org/officeDocument/2006/relationships" xmlns:p="http://schemas.openxmlformats.org/presentationml/2006/main" showMasterSp="0" type="title" preserve="1">
   <p:cSld name="Title Slide">
     <p:spTree>
       <p:nvGrpSpPr>
@@ -133,6 +139,82 @@
       </p:grpSpPr>
       <p:sp>
         <p:nvSpPr>
+          <p:cNvPr id="7" name="Rectangle 6"/>
+          <p:cNvSpPr/>
+          <p:nvPr/>
+        </p:nvSpPr>
+        <p:spPr>
+          <a:xfrm>
+            <a:off x="3175" y="6400800"/>
+            <a:ext cx="12188825" cy="457200"/>
+          </a:xfrm>
+          <a:prstGeom prst="rect">
+            <a:avLst/>
+          </a:prstGeom>
+          <a:solidFill>
+            <a:schemeClr val="accent2"/>
+          </a:solidFill>
+          <a:ln>
+            <a:noFill/>
+          </a:ln>
+        </p:spPr>
+        <p:style>
+          <a:lnRef idx="2">
+            <a:schemeClr val="accent1">
+              <a:shade val="50000"/>
+            </a:schemeClr>
+          </a:lnRef>
+          <a:fillRef idx="1">
+            <a:schemeClr val="accent1"/>
+          </a:fillRef>
+          <a:effectRef idx="0">
+            <a:schemeClr val="accent1"/>
+          </a:effectRef>
+          <a:fontRef idx="minor">
+            <a:schemeClr val="lt1"/>
+          </a:fontRef>
+        </p:style>
+      </p:sp>
+      <p:sp>
+        <p:nvSpPr>
+          <p:cNvPr id="8" name="Rectangle 7"/>
+          <p:cNvSpPr/>
+          <p:nvPr/>
+        </p:nvSpPr>
+        <p:spPr>
+          <a:xfrm>
+            <a:off x="15" y="6334316"/>
+            <a:ext cx="12188825" cy="64008"/>
+          </a:xfrm>
+          <a:prstGeom prst="rect">
+            <a:avLst/>
+          </a:prstGeom>
+          <a:solidFill>
+            <a:schemeClr val="accent1"/>
+          </a:solidFill>
+          <a:ln>
+            <a:noFill/>
+          </a:ln>
+        </p:spPr>
+        <p:style>
+          <a:lnRef idx="2">
+            <a:schemeClr val="accent1">
+              <a:shade val="50000"/>
+            </a:schemeClr>
+          </a:lnRef>
+          <a:fillRef idx="1">
+            <a:schemeClr val="accent1"/>
+          </a:fillRef>
+          <a:effectRef idx="0">
+            <a:schemeClr val="accent1"/>
+          </a:effectRef>
+          <a:fontRef idx="minor">
+            <a:schemeClr val="lt1"/>
+          </a:fontRef>
+        </p:style>
+      </p:sp>
+      <p:sp>
+        <p:nvSpPr>
           <p:cNvPr id="2" name="Title 1"/>
           <p:cNvSpPr>
             <a:spLocks noGrp="1"/>
@@ -143,15 +225,27 @@
         </p:nvSpPr>
         <p:spPr>
           <a:xfrm>
-            <a:off x="1524000" y="1122363"/>
-            <a:ext cx="9144000" cy="2387600"/>
-          </a:xfrm>
-        </p:spPr>
-        <p:txBody>
-          <a:bodyPr anchor="b"/>
+            <a:off x="1097280" y="758952"/>
+            <a:ext cx="10058400" cy="3566160"/>
+          </a:xfrm>
+        </p:spPr>
+        <p:txBody>
+          <a:bodyPr anchor="b">
+            <a:normAutofit/>
+          </a:bodyPr>
           <a:lstStyle>
-            <a:lvl1pPr algn="ctr">
-              <a:defRPr sz="6000"/>
+            <a:lvl1pPr algn="l">
+              <a:lnSpc>
+                <a:spcPct val="85000"/>
+              </a:lnSpc>
+              <a:defRPr sz="8000" spc="-50" baseline="0">
+                <a:solidFill>
+                  <a:schemeClr val="tx1">
+                    <a:lumMod val="85000"/>
+                    <a:lumOff val="15000"/>
+                  </a:schemeClr>
+                </a:solidFill>
+              </a:defRPr>
             </a:lvl1pPr>
           </a:lstStyle>
           <a:p>
@@ -159,7 +253,7 @@
               <a:rPr lang="en-US" smtClean="0"/>
               <a:t>Click to edit Master title style</a:t>
             </a:r>
-            <a:endParaRPr lang="en-US"/>
+            <a:endParaRPr lang="en-US" dirty="0"/>
           </a:p>
         </p:txBody>
       </p:sp>
@@ -175,48 +269,55 @@
         </p:nvSpPr>
         <p:spPr>
           <a:xfrm>
-            <a:off x="1524000" y="3602038"/>
-            <a:ext cx="9144000" cy="1655762"/>
-          </a:xfrm>
-        </p:spPr>
-        <p:txBody>
-          <a:bodyPr/>
+            <a:off x="1100051" y="4455620"/>
+            <a:ext cx="10058400" cy="1143000"/>
+          </a:xfrm>
+        </p:spPr>
+        <p:txBody>
+          <a:bodyPr lIns="91440" rIns="91440">
+            <a:normAutofit/>
+          </a:bodyPr>
           <a:lstStyle>
-            <a:lvl1pPr marL="0" indent="0" algn="ctr">
-              <a:buNone/>
-              <a:defRPr sz="2400"/>
+            <a:lvl1pPr marL="0" indent="0" algn="l">
+              <a:buNone/>
+              <a:defRPr sz="2400" cap="all" spc="200" baseline="0">
+                <a:solidFill>
+                  <a:schemeClr val="tx2"/>
+                </a:solidFill>
+                <a:latin typeface="+mj-lt"/>
+              </a:defRPr>
             </a:lvl1pPr>
             <a:lvl2pPr marL="457200" indent="0" algn="ctr">
               <a:buNone/>
-              <a:defRPr sz="2000"/>
+              <a:defRPr sz="2400"/>
             </a:lvl2pPr>
             <a:lvl3pPr marL="914400" indent="0" algn="ctr">
               <a:buNone/>
-              <a:defRPr sz="1800"/>
+              <a:defRPr sz="2400"/>
             </a:lvl3pPr>
             <a:lvl4pPr marL="1371600" indent="0" algn="ctr">
               <a:buNone/>
-              <a:defRPr sz="1600"/>
+              <a:defRPr sz="2000"/>
             </a:lvl4pPr>
             <a:lvl5pPr marL="1828800" indent="0" algn="ctr">
               <a:buNone/>
-              <a:defRPr sz="1600"/>
+              <a:defRPr sz="2000"/>
             </a:lvl5pPr>
             <a:lvl6pPr marL="2286000" indent="0" algn="ctr">
               <a:buNone/>
-              <a:defRPr sz="1600"/>
+              <a:defRPr sz="2000"/>
             </a:lvl6pPr>
             <a:lvl7pPr marL="2743200" indent="0" algn="ctr">
               <a:buNone/>
-              <a:defRPr sz="1600"/>
+              <a:defRPr sz="2000"/>
             </a:lvl7pPr>
             <a:lvl8pPr marL="3200400" indent="0" algn="ctr">
               <a:buNone/>
-              <a:defRPr sz="1600"/>
+              <a:defRPr sz="2000"/>
             </a:lvl8pPr>
             <a:lvl9pPr marL="3657600" indent="0" algn="ctr">
               <a:buNone/>
-              <a:defRPr sz="1600"/>
+              <a:defRPr sz="2000"/>
             </a:lvl9pPr>
           </a:lstStyle>
           <a:p>
@@ -224,7 +325,7 @@
               <a:rPr lang="en-US" smtClean="0"/>
               <a:t>Click to edit Master subtitle style</a:t>
             </a:r>
-            <a:endParaRPr lang="en-US"/>
+            <a:endParaRPr lang="en-US" dirty="0"/>
           </a:p>
         </p:txBody>
       </p:sp>
@@ -293,10 +394,48 @@
           </a:p>
         </p:txBody>
       </p:sp>
+      <p:cxnSp>
+        <p:nvCxnSpPr>
+          <p:cNvPr id="9" name="Straight Connector 8"/>
+          <p:cNvCxnSpPr/>
+          <p:nvPr/>
+        </p:nvCxnSpPr>
+        <p:spPr>
+          <a:xfrm>
+            <a:off x="1207658" y="4343400"/>
+            <a:ext cx="9875520" cy="0"/>
+          </a:xfrm>
+          <a:prstGeom prst="line">
+            <a:avLst/>
+          </a:prstGeom>
+          <a:ln w="6350">
+            <a:solidFill>
+              <a:schemeClr val="tx1">
+                <a:lumMod val="50000"/>
+                <a:lumOff val="50000"/>
+              </a:schemeClr>
+            </a:solidFill>
+          </a:ln>
+        </p:spPr>
+        <p:style>
+          <a:lnRef idx="1">
+            <a:schemeClr val="accent1"/>
+          </a:lnRef>
+          <a:fillRef idx="0">
+            <a:schemeClr val="accent1"/>
+          </a:fillRef>
+          <a:effectRef idx="0">
+            <a:schemeClr val="accent1"/>
+          </a:effectRef>
+          <a:fontRef idx="minor">
+            <a:schemeClr val="tx1"/>
+          </a:fontRef>
+        </p:style>
+      </p:cxnSp>
     </p:spTree>
     <p:extLst>
       <p:ext uri="{BB962C8B-B14F-4D97-AF65-F5344CB8AC3E}">
-        <p14:creationId xmlns:p14="http://schemas.microsoft.com/office/powerpoint/2010/main" val="1945541816"/>
+        <p14:creationId xmlns:p14="http://schemas.microsoft.com/office/powerpoint/2010/main" val="2560711952"/>
       </p:ext>
     </p:extLst>
   </p:cSld>
@@ -342,7 +481,7 @@
               <a:rPr lang="en-US" smtClean="0"/>
               <a:t>Click to edit Master title style</a:t>
             </a:r>
-            <a:endParaRPr lang="en-US"/>
+            <a:endParaRPr lang="en-US" dirty="0"/>
           </a:p>
         </p:txBody>
       </p:sp>
@@ -358,7 +497,7 @@
         </p:nvSpPr>
         <p:spPr/>
         <p:txBody>
-          <a:bodyPr vert="eaVert"/>
+          <a:bodyPr vert="eaVert" lIns="45720" tIns="0" rIns="45720" bIns="0"/>
           <a:lstStyle/>
           <a:p>
             <a:pPr lvl="0"/>
@@ -394,7 +533,7 @@
               <a:rPr lang="en-US" smtClean="0"/>
               <a:t>Fifth level</a:t>
             </a:r>
-            <a:endParaRPr lang="en-US"/>
+            <a:endParaRPr lang="en-US" dirty="0"/>
           </a:p>
         </p:txBody>
       </p:sp>
@@ -466,7 +605,7 @@
     </p:spTree>
     <p:extLst>
       <p:ext uri="{BB962C8B-B14F-4D97-AF65-F5344CB8AC3E}">
-        <p14:creationId xmlns:p14="http://schemas.microsoft.com/office/powerpoint/2010/main" val="3995405725"/>
+        <p14:creationId xmlns:p14="http://schemas.microsoft.com/office/powerpoint/2010/main" val="2879245322"/>
       </p:ext>
     </p:extLst>
   </p:cSld>
@@ -477,7 +616,7 @@
 </file>
 
 <file path=ppt/slideLayouts/slideLayout11.xml><?xml version="1.0" encoding="utf-8"?>
-<p:sldLayout xmlns:a="http://schemas.openxmlformats.org/drawingml/2006/main" xmlns:r="http://schemas.openxmlformats.org/officeDocument/2006/relationships" xmlns:p="http://schemas.openxmlformats.org/presentationml/2006/main" type="vertTitleAndTx" preserve="1">
+<p:sldLayout xmlns:a="http://schemas.openxmlformats.org/drawingml/2006/main" xmlns:r="http://schemas.openxmlformats.org/officeDocument/2006/relationships" xmlns:p="http://schemas.openxmlformats.org/presentationml/2006/main" showMasterSp="0" type="vertTitleAndTx" preserve="1">
   <p:cSld name="Vertical Title and Text">
     <p:spTree>
       <p:nvGrpSpPr>
@@ -495,6 +634,82 @@
       </p:grpSpPr>
       <p:sp>
         <p:nvSpPr>
+          <p:cNvPr id="7" name="Rectangle 6"/>
+          <p:cNvSpPr/>
+          <p:nvPr/>
+        </p:nvSpPr>
+        <p:spPr>
+          <a:xfrm>
+            <a:off x="3175" y="6400800"/>
+            <a:ext cx="12188825" cy="457200"/>
+          </a:xfrm>
+          <a:prstGeom prst="rect">
+            <a:avLst/>
+          </a:prstGeom>
+          <a:solidFill>
+            <a:schemeClr val="accent2"/>
+          </a:solidFill>
+          <a:ln>
+            <a:noFill/>
+          </a:ln>
+        </p:spPr>
+        <p:style>
+          <a:lnRef idx="2">
+            <a:schemeClr val="accent1">
+              <a:shade val="50000"/>
+            </a:schemeClr>
+          </a:lnRef>
+          <a:fillRef idx="1">
+            <a:schemeClr val="accent1"/>
+          </a:fillRef>
+          <a:effectRef idx="0">
+            <a:schemeClr val="accent1"/>
+          </a:effectRef>
+          <a:fontRef idx="minor">
+            <a:schemeClr val="lt1"/>
+          </a:fontRef>
+        </p:style>
+      </p:sp>
+      <p:sp>
+        <p:nvSpPr>
+          <p:cNvPr id="8" name="Rectangle 7"/>
+          <p:cNvSpPr/>
+          <p:nvPr/>
+        </p:nvSpPr>
+        <p:spPr>
+          <a:xfrm>
+            <a:off x="15" y="6334316"/>
+            <a:ext cx="12188825" cy="64008"/>
+          </a:xfrm>
+          <a:prstGeom prst="rect">
+            <a:avLst/>
+          </a:prstGeom>
+          <a:solidFill>
+            <a:schemeClr val="accent1"/>
+          </a:solidFill>
+          <a:ln>
+            <a:noFill/>
+          </a:ln>
+        </p:spPr>
+        <p:style>
+          <a:lnRef idx="2">
+            <a:schemeClr val="accent1">
+              <a:shade val="50000"/>
+            </a:schemeClr>
+          </a:lnRef>
+          <a:fillRef idx="1">
+            <a:schemeClr val="accent1"/>
+          </a:fillRef>
+          <a:effectRef idx="0">
+            <a:schemeClr val="accent1"/>
+          </a:effectRef>
+          <a:fontRef idx="minor">
+            <a:schemeClr val="lt1"/>
+          </a:fontRef>
+        </p:style>
+      </p:sp>
+      <p:sp>
+        <p:nvSpPr>
           <p:cNvPr id="2" name="Vertical Title 1"/>
           <p:cNvSpPr>
             <a:spLocks noGrp="1"/>
@@ -505,8 +720,8 @@
         </p:nvSpPr>
         <p:spPr>
           <a:xfrm>
-            <a:off x="8724900" y="365125"/>
-            <a:ext cx="2628900" cy="5811838"/>
+            <a:off x="8724900" y="414778"/>
+            <a:ext cx="2628900" cy="5757421"/>
           </a:xfrm>
         </p:spPr>
         <p:txBody>
@@ -517,7 +732,7 @@
               <a:rPr lang="en-US" smtClean="0"/>
               <a:t>Click to edit Master title style</a:t>
             </a:r>
-            <a:endParaRPr lang="en-US"/>
+            <a:endParaRPr lang="en-US" dirty="0"/>
           </a:p>
         </p:txBody>
       </p:sp>
@@ -533,12 +748,12 @@
         </p:nvSpPr>
         <p:spPr>
           <a:xfrm>
-            <a:off x="838200" y="365125"/>
-            <a:ext cx="7734300" cy="5811838"/>
-          </a:xfrm>
-        </p:spPr>
-        <p:txBody>
-          <a:bodyPr vert="eaVert"/>
+            <a:off x="838200" y="414778"/>
+            <a:ext cx="7734300" cy="5757422"/>
+          </a:xfrm>
+        </p:spPr>
+        <p:txBody>
+          <a:bodyPr vert="eaVert" lIns="45720" tIns="0" rIns="45720" bIns="0"/>
           <a:lstStyle/>
           <a:p>
             <a:pPr lvl="0"/>
@@ -574,7 +789,7 @@
               <a:rPr lang="en-US" smtClean="0"/>
               <a:t>Fifth level</a:t>
             </a:r>
-            <a:endParaRPr lang="en-US"/>
+            <a:endParaRPr lang="en-US" dirty="0"/>
           </a:p>
         </p:txBody>
       </p:sp>
@@ -646,7 +861,7 @@
     </p:spTree>
     <p:extLst>
       <p:ext uri="{BB962C8B-B14F-4D97-AF65-F5344CB8AC3E}">
-        <p14:creationId xmlns:p14="http://schemas.microsoft.com/office/powerpoint/2010/main" val="1358930817"/>
+        <p14:creationId xmlns:p14="http://schemas.microsoft.com/office/powerpoint/2010/main" val="1876234417"/>
       </p:ext>
     </p:extLst>
   </p:cSld>
@@ -686,13 +901,17 @@
         <p:spPr/>
         <p:txBody>
           <a:bodyPr/>
-          <a:lstStyle/>
+          <a:lstStyle>
+            <a:lvl1pPr marL="0">
+              <a:defRPr/>
+            </a:lvl1pPr>
+          </a:lstStyle>
           <a:p>
             <a:r>
               <a:rPr lang="en-US" smtClean="0"/>
               <a:t>Click to edit Master title style</a:t>
             </a:r>
-            <a:endParaRPr lang="en-US"/>
+            <a:endParaRPr lang="en-US" dirty="0"/>
           </a:p>
         </p:txBody>
       </p:sp>
@@ -744,7 +963,7 @@
               <a:rPr lang="en-US" smtClean="0"/>
               <a:t>Fifth level</a:t>
             </a:r>
-            <a:endParaRPr lang="en-US"/>
+            <a:endParaRPr lang="en-US" dirty="0"/>
           </a:p>
         </p:txBody>
       </p:sp>
@@ -816,7 +1035,7 @@
     </p:spTree>
     <p:extLst>
       <p:ext uri="{BB962C8B-B14F-4D97-AF65-F5344CB8AC3E}">
-        <p14:creationId xmlns:p14="http://schemas.microsoft.com/office/powerpoint/2010/main" val="1642400778"/>
+        <p14:creationId xmlns:p14="http://schemas.microsoft.com/office/powerpoint/2010/main" val="785195921"/>
       </p:ext>
     </p:extLst>
   </p:cSld>
@@ -827,8 +1046,16 @@
 </file>
 
 <file path=ppt/slideLayouts/slideLayout3.xml><?xml version="1.0" encoding="utf-8"?>
-<p:sldLayout xmlns:a="http://schemas.openxmlformats.org/drawingml/2006/main" xmlns:r="http://schemas.openxmlformats.org/officeDocument/2006/relationships" xmlns:p="http://schemas.openxmlformats.org/presentationml/2006/main" type="secHead" preserve="1">
+<p:sldLayout xmlns:a="http://schemas.openxmlformats.org/drawingml/2006/main" xmlns:r="http://schemas.openxmlformats.org/officeDocument/2006/relationships" xmlns:p="http://schemas.openxmlformats.org/presentationml/2006/main" showMasterSp="0" type="secHead" preserve="1">
   <p:cSld name="Section Header">
+    <p:bg>
+      <p:bgPr>
+        <a:solidFill>
+          <a:schemeClr val="bg1"/>
+        </a:solidFill>
+        <a:effectLst/>
+      </p:bgPr>
+    </p:bg>
     <p:spTree>
       <p:nvGrpSpPr>
         <p:cNvPr id="1" name=""/>
@@ -845,6 +1072,82 @@
       </p:grpSpPr>
       <p:sp>
         <p:nvSpPr>
+          <p:cNvPr id="7" name="Rectangle 6"/>
+          <p:cNvSpPr/>
+          <p:nvPr/>
+        </p:nvSpPr>
+        <p:spPr>
+          <a:xfrm>
+            <a:off x="3175" y="6400800"/>
+            <a:ext cx="12188825" cy="457200"/>
+          </a:xfrm>
+          <a:prstGeom prst="rect">
+            <a:avLst/>
+          </a:prstGeom>
+          <a:solidFill>
+            <a:schemeClr val="accent2"/>
+          </a:solidFill>
+          <a:ln>
+            <a:noFill/>
+          </a:ln>
+        </p:spPr>
+        <p:style>
+          <a:lnRef idx="2">
+            <a:schemeClr val="accent1">
+              <a:shade val="50000"/>
+            </a:schemeClr>
+          </a:lnRef>
+          <a:fillRef idx="1">
+            <a:schemeClr val="accent1"/>
+          </a:fillRef>
+          <a:effectRef idx="0">
+            <a:schemeClr val="accent1"/>
+          </a:effectRef>
+          <a:fontRef idx="minor">
+            <a:schemeClr val="lt1"/>
+          </a:fontRef>
+        </p:style>
+      </p:sp>
+      <p:sp>
+        <p:nvSpPr>
+          <p:cNvPr id="8" name="Rectangle 7"/>
+          <p:cNvSpPr/>
+          <p:nvPr/>
+        </p:nvSpPr>
+        <p:spPr>
+          <a:xfrm>
+            <a:off x="15" y="6334316"/>
+            <a:ext cx="12188825" cy="64008"/>
+          </a:xfrm>
+          <a:prstGeom prst="rect">
+            <a:avLst/>
+          </a:prstGeom>
+          <a:solidFill>
+            <a:schemeClr val="accent1"/>
+          </a:solidFill>
+          <a:ln>
+            <a:noFill/>
+          </a:ln>
+        </p:spPr>
+        <p:style>
+          <a:lnRef idx="2">
+            <a:schemeClr val="accent1">
+              <a:shade val="50000"/>
+            </a:schemeClr>
+          </a:lnRef>
+          <a:fillRef idx="1">
+            <a:schemeClr val="accent1"/>
+          </a:fillRef>
+          <a:effectRef idx="0">
+            <a:schemeClr val="accent1"/>
+          </a:effectRef>
+          <a:fontRef idx="minor">
+            <a:schemeClr val="lt1"/>
+          </a:fontRef>
+        </p:style>
+      </p:sp>
+      <p:sp>
+        <p:nvSpPr>
           <p:cNvPr id="2" name="Title 1"/>
           <p:cNvSpPr>
             <a:spLocks noGrp="1"/>
@@ -855,58 +1158,71 @@
         </p:nvSpPr>
         <p:spPr>
           <a:xfrm>
-            <a:off x="831850" y="1709738"/>
-            <a:ext cx="10515600" cy="2852737"/>
-          </a:xfrm>
-        </p:spPr>
-        <p:txBody>
-          <a:bodyPr anchor="b"/>
+            <a:off x="1097280" y="758952"/>
+            <a:ext cx="10058400" cy="3566160"/>
+          </a:xfrm>
+        </p:spPr>
+        <p:txBody>
+          <a:bodyPr anchor="b" anchorCtr="0">
+            <a:normAutofit/>
+          </a:bodyPr>
           <a:lstStyle>
             <a:lvl1pPr>
-              <a:defRPr sz="6000"/>
-            </a:lvl1pPr>
-          </a:lstStyle>
-          <a:p>
-            <a:r>
-              <a:rPr lang="en-US" smtClean="0"/>
-              <a:t>Click to edit Master title style</a:t>
-            </a:r>
-            <a:endParaRPr lang="en-US"/>
-          </a:p>
-        </p:txBody>
-      </p:sp>
-      <p:sp>
-        <p:nvSpPr>
-          <p:cNvPr id="3" name="Text Placeholder 2"/>
-          <p:cNvSpPr>
-            <a:spLocks noGrp="1"/>
-          </p:cNvSpPr>
-          <p:nvPr>
-            <p:ph type="body" idx="1"/>
-          </p:nvPr>
-        </p:nvSpPr>
-        <p:spPr>
-          <a:xfrm>
-            <a:off x="831850" y="4589463"/>
-            <a:ext cx="10515600" cy="1500187"/>
-          </a:xfrm>
-        </p:spPr>
-        <p:txBody>
-          <a:bodyPr/>
-          <a:lstStyle>
-            <a:lvl1pPr marL="0" indent="0">
-              <a:buNone/>
-              <a:defRPr sz="2400">
+              <a:lnSpc>
+                <a:spcPct val="85000"/>
+              </a:lnSpc>
+              <a:defRPr sz="8000" b="0">
                 <a:solidFill>
                   <a:schemeClr val="tx1">
-                    <a:tint val="75000"/>
+                    <a:lumMod val="85000"/>
+                    <a:lumOff val="15000"/>
                   </a:schemeClr>
                 </a:solidFill>
               </a:defRPr>
             </a:lvl1pPr>
+          </a:lstStyle>
+          <a:p>
+            <a:r>
+              <a:rPr lang="en-US" smtClean="0"/>
+              <a:t>Click to edit Master title style</a:t>
+            </a:r>
+            <a:endParaRPr lang="en-US" dirty="0"/>
+          </a:p>
+        </p:txBody>
+      </p:sp>
+      <p:sp>
+        <p:nvSpPr>
+          <p:cNvPr id="3" name="Text Placeholder 2"/>
+          <p:cNvSpPr>
+            <a:spLocks noGrp="1"/>
+          </p:cNvSpPr>
+          <p:nvPr>
+            <p:ph type="body" idx="1"/>
+          </p:nvPr>
+        </p:nvSpPr>
+        <p:spPr>
+          <a:xfrm>
+            <a:off x="1097280" y="4453128"/>
+            <a:ext cx="10058400" cy="1143000"/>
+          </a:xfrm>
+        </p:spPr>
+        <p:txBody>
+          <a:bodyPr lIns="91440" rIns="91440" anchor="t" anchorCtr="0">
+            <a:normAutofit/>
+          </a:bodyPr>
+          <a:lstStyle>
+            <a:lvl1pPr marL="0" indent="0">
+              <a:buNone/>
+              <a:defRPr sz="2400" cap="all" spc="200" baseline="0">
+                <a:solidFill>
+                  <a:schemeClr val="tx2"/>
+                </a:solidFill>
+                <a:latin typeface="+mj-lt"/>
+              </a:defRPr>
+            </a:lvl1pPr>
             <a:lvl2pPr marL="457200" indent="0">
               <a:buNone/>
-              <a:defRPr sz="2000">
+              <a:defRPr sz="1800">
                 <a:solidFill>
                   <a:schemeClr val="tx1">
                     <a:tint val="75000"/>
@@ -916,7 +1232,7 @@
             </a:lvl2pPr>
             <a:lvl3pPr marL="914400" indent="0">
               <a:buNone/>
-              <a:defRPr sz="1800">
+              <a:defRPr sz="1600">
                 <a:solidFill>
                   <a:schemeClr val="tx1">
                     <a:tint val="75000"/>
@@ -926,7 +1242,7 @@
             </a:lvl3pPr>
             <a:lvl4pPr marL="1371600" indent="0">
               <a:buNone/>
-              <a:defRPr sz="1600">
+              <a:defRPr sz="1400">
                 <a:solidFill>
                   <a:schemeClr val="tx1">
                     <a:tint val="75000"/>
@@ -936,7 +1252,7 @@
             </a:lvl4pPr>
             <a:lvl5pPr marL="1828800" indent="0">
               <a:buNone/>
-              <a:defRPr sz="1600">
+              <a:defRPr sz="1400">
                 <a:solidFill>
                   <a:schemeClr val="tx1">
                     <a:tint val="75000"/>
@@ -946,7 +1262,7 @@
             </a:lvl5pPr>
             <a:lvl6pPr marL="2286000" indent="0">
               <a:buNone/>
-              <a:defRPr sz="1600">
+              <a:defRPr sz="1400">
                 <a:solidFill>
                   <a:schemeClr val="tx1">
                     <a:tint val="75000"/>
@@ -956,7 +1272,7 @@
             </a:lvl6pPr>
             <a:lvl7pPr marL="2743200" indent="0">
               <a:buNone/>
-              <a:defRPr sz="1600">
+              <a:defRPr sz="1400">
                 <a:solidFill>
                   <a:schemeClr val="tx1">
                     <a:tint val="75000"/>
@@ -966,7 +1282,7 @@
             </a:lvl7pPr>
             <a:lvl8pPr marL="3200400" indent="0">
               <a:buNone/>
-              <a:defRPr sz="1600">
+              <a:defRPr sz="1400">
                 <a:solidFill>
                   <a:schemeClr val="tx1">
                     <a:tint val="75000"/>
@@ -976,7 +1292,7 @@
             </a:lvl8pPr>
             <a:lvl9pPr marL="3657600" indent="0">
               <a:buNone/>
-              <a:defRPr sz="1600">
+              <a:defRPr sz="1400">
                 <a:solidFill>
                   <a:schemeClr val="tx1">
                     <a:tint val="75000"/>
@@ -1059,10 +1375,48 @@
           </a:p>
         </p:txBody>
       </p:sp>
+      <p:cxnSp>
+        <p:nvCxnSpPr>
+          <p:cNvPr id="9" name="Straight Connector 8"/>
+          <p:cNvCxnSpPr/>
+          <p:nvPr/>
+        </p:nvCxnSpPr>
+        <p:spPr>
+          <a:xfrm>
+            <a:off x="1207658" y="4343400"/>
+            <a:ext cx="9875520" cy="0"/>
+          </a:xfrm>
+          <a:prstGeom prst="line">
+            <a:avLst/>
+          </a:prstGeom>
+          <a:ln w="6350">
+            <a:solidFill>
+              <a:schemeClr val="tx1">
+                <a:lumMod val="50000"/>
+                <a:lumOff val="50000"/>
+              </a:schemeClr>
+            </a:solidFill>
+          </a:ln>
+        </p:spPr>
+        <p:style>
+          <a:lnRef idx="1">
+            <a:schemeClr val="accent1"/>
+          </a:lnRef>
+          <a:fillRef idx="0">
+            <a:schemeClr val="accent1"/>
+          </a:fillRef>
+          <a:effectRef idx="0">
+            <a:schemeClr val="accent1"/>
+          </a:effectRef>
+          <a:fontRef idx="minor">
+            <a:schemeClr val="tx1"/>
+          </a:fontRef>
+        </p:style>
+      </p:cxnSp>
     </p:spTree>
     <p:extLst>
       <p:ext uri="{BB962C8B-B14F-4D97-AF65-F5344CB8AC3E}">
-        <p14:creationId xmlns:p14="http://schemas.microsoft.com/office/powerpoint/2010/main" val="1905479863"/>
+        <p14:creationId xmlns:p14="http://schemas.microsoft.com/office/powerpoint/2010/main" val="4141204777"/>
       </p:ext>
     </p:extLst>
   </p:cSld>
@@ -1091,7 +1445,7 @@
       </p:grpSpPr>
       <p:sp>
         <p:nvSpPr>
-          <p:cNvPr id="2" name="Title 1"/>
+          <p:cNvPr id="8" name="Title 7"/>
           <p:cNvSpPr>
             <a:spLocks noGrp="1"/>
           </p:cNvSpPr>
@@ -1099,7 +1453,12 @@
             <p:ph type="title"/>
           </p:nvPr>
         </p:nvSpPr>
-        <p:spPr/>
+        <p:spPr>
+          <a:xfrm>
+            <a:off x="1097280" y="286603"/>
+            <a:ext cx="10058400" cy="1450757"/>
+          </a:xfrm>
+        </p:spPr>
         <p:txBody>
           <a:bodyPr/>
           <a:lstStyle/>
@@ -1108,7 +1467,7 @@
               <a:rPr lang="en-US" smtClean="0"/>
               <a:t>Click to edit Master title style</a:t>
             </a:r>
-            <a:endParaRPr lang="en-US"/>
+            <a:endParaRPr lang="en-US" dirty="0"/>
           </a:p>
         </p:txBody>
       </p:sp>
@@ -1124,8 +1483,8 @@
         </p:nvSpPr>
         <p:spPr>
           <a:xfrm>
-            <a:off x="838200" y="1825625"/>
-            <a:ext cx="5181600" cy="4351338"/>
+            <a:off x="1097279" y="1845734"/>
+            <a:ext cx="4937760" cy="4023360"/>
           </a:xfrm>
         </p:spPr>
         <p:txBody>
@@ -1165,7 +1524,7 @@
               <a:rPr lang="en-US" smtClean="0"/>
               <a:t>Fifth level</a:t>
             </a:r>
-            <a:endParaRPr lang="en-US"/>
+            <a:endParaRPr lang="en-US" dirty="0"/>
           </a:p>
         </p:txBody>
       </p:sp>
@@ -1181,8 +1540,8 @@
         </p:nvSpPr>
         <p:spPr>
           <a:xfrm>
-            <a:off x="6172200" y="1825625"/>
-            <a:ext cx="5181600" cy="4351338"/>
+            <a:off x="6217920" y="1845735"/>
+            <a:ext cx="4937760" cy="4023360"/>
           </a:xfrm>
         </p:spPr>
         <p:txBody>
@@ -1222,7 +1581,7 @@
               <a:rPr lang="en-US" smtClean="0"/>
               <a:t>Fifth level</a:t>
             </a:r>
-            <a:endParaRPr lang="en-US"/>
+            <a:endParaRPr lang="en-US" dirty="0"/>
           </a:p>
         </p:txBody>
       </p:sp>
@@ -1294,7 +1653,7 @@
     </p:spTree>
     <p:extLst>
       <p:ext uri="{BB962C8B-B14F-4D97-AF65-F5344CB8AC3E}">
-        <p14:creationId xmlns:p14="http://schemas.microsoft.com/office/powerpoint/2010/main" val="2371013317"/>
+        <p14:creationId xmlns:p14="http://schemas.microsoft.com/office/powerpoint/2010/main" val="1568668852"/>
       </p:ext>
     </p:extLst>
   </p:cSld>
@@ -1323,7 +1682,7 @@
       </p:grpSpPr>
       <p:sp>
         <p:nvSpPr>
-          <p:cNvPr id="2" name="Title 1"/>
+          <p:cNvPr id="10" name="Title 9"/>
           <p:cNvSpPr>
             <a:spLocks noGrp="1"/>
           </p:cNvSpPr>
@@ -1333,8 +1692,8 @@
         </p:nvSpPr>
         <p:spPr>
           <a:xfrm>
-            <a:off x="839788" y="365125"/>
-            <a:ext cx="10515600" cy="1325563"/>
+            <a:off x="1097280" y="286603"/>
+            <a:ext cx="10058400" cy="1450757"/>
           </a:xfrm>
         </p:spPr>
         <p:txBody>
@@ -1345,7 +1704,7 @@
               <a:rPr lang="en-US" smtClean="0"/>
               <a:t>Click to edit Master title style</a:t>
             </a:r>
-            <a:endParaRPr lang="en-US"/>
+            <a:endParaRPr lang="en-US" dirty="0"/>
           </a:p>
         </p:txBody>
       </p:sp>
@@ -1361,16 +1720,22 @@
         </p:nvSpPr>
         <p:spPr>
           <a:xfrm>
-            <a:off x="839788" y="1681163"/>
-            <a:ext cx="5157787" cy="823912"/>
-          </a:xfrm>
-        </p:spPr>
-        <p:txBody>
-          <a:bodyPr anchor="b"/>
+            <a:off x="1097280" y="1846052"/>
+            <a:ext cx="4937760" cy="736282"/>
+          </a:xfrm>
+        </p:spPr>
+        <p:txBody>
+          <a:bodyPr lIns="91440" rIns="91440" anchor="ctr">
+            <a:normAutofit/>
+          </a:bodyPr>
           <a:lstStyle>
             <a:lvl1pPr marL="0" indent="0">
               <a:buNone/>
-              <a:defRPr sz="2400" b="1"/>
+              <a:defRPr sz="2000" b="0" cap="all" baseline="0">
+                <a:solidFill>
+                  <a:schemeClr val="tx2"/>
+                </a:solidFill>
+              </a:defRPr>
             </a:lvl1pPr>
             <a:lvl2pPr marL="457200" indent="0">
               <a:buNone/>
@@ -1426,8 +1791,8 @@
         </p:nvSpPr>
         <p:spPr>
           <a:xfrm>
-            <a:off x="839788" y="2505075"/>
-            <a:ext cx="5157787" cy="3684588"/>
+            <a:off x="1097280" y="2582334"/>
+            <a:ext cx="4937760" cy="3378200"/>
           </a:xfrm>
         </p:spPr>
         <p:txBody>
@@ -1467,7 +1832,7 @@
               <a:rPr lang="en-US" smtClean="0"/>
               <a:t>Fifth level</a:t>
             </a:r>
-            <a:endParaRPr lang="en-US"/>
+            <a:endParaRPr lang="en-US" dirty="0"/>
           </a:p>
         </p:txBody>
       </p:sp>
@@ -1483,16 +1848,22 @@
         </p:nvSpPr>
         <p:spPr>
           <a:xfrm>
-            <a:off x="6172200" y="1681163"/>
-            <a:ext cx="5183188" cy="823912"/>
-          </a:xfrm>
-        </p:spPr>
-        <p:txBody>
-          <a:bodyPr anchor="b"/>
+            <a:off x="6217920" y="1846052"/>
+            <a:ext cx="4937760" cy="736282"/>
+          </a:xfrm>
+        </p:spPr>
+        <p:txBody>
+          <a:bodyPr lIns="91440" rIns="91440" anchor="ctr">
+            <a:normAutofit/>
+          </a:bodyPr>
           <a:lstStyle>
             <a:lvl1pPr marL="0" indent="0">
               <a:buNone/>
-              <a:defRPr sz="2400" b="1"/>
+              <a:defRPr sz="2000" b="0" cap="all" baseline="0">
+                <a:solidFill>
+                  <a:schemeClr val="tx2"/>
+                </a:solidFill>
+              </a:defRPr>
             </a:lvl1pPr>
             <a:lvl2pPr marL="457200" indent="0">
               <a:buNone/>
@@ -1548,8 +1919,8 @@
         </p:nvSpPr>
         <p:spPr>
           <a:xfrm>
-            <a:off x="6172200" y="2505075"/>
-            <a:ext cx="5183188" cy="3684588"/>
+            <a:off x="6217920" y="2582334"/>
+            <a:ext cx="4937760" cy="3378200"/>
           </a:xfrm>
         </p:spPr>
         <p:txBody>
@@ -1589,7 +1960,7 @@
               <a:rPr lang="en-US" smtClean="0"/>
               <a:t>Fifth level</a:t>
             </a:r>
-            <a:endParaRPr lang="en-US"/>
+            <a:endParaRPr lang="en-US" dirty="0"/>
           </a:p>
         </p:txBody>
       </p:sp>
@@ -1661,7 +2032,7 @@
     </p:spTree>
     <p:extLst>
       <p:ext uri="{BB962C8B-B14F-4D97-AF65-F5344CB8AC3E}">
-        <p14:creationId xmlns:p14="http://schemas.microsoft.com/office/powerpoint/2010/main" val="1057884503"/>
+        <p14:creationId xmlns:p14="http://schemas.microsoft.com/office/powerpoint/2010/main" val="2522674877"/>
       </p:ext>
     </p:extLst>
   </p:cSld>
@@ -1707,7 +2078,7 @@
               <a:rPr lang="en-US" smtClean="0"/>
               <a:t>Click to edit Master title style</a:t>
             </a:r>
-            <a:endParaRPr lang="en-US"/>
+            <a:endParaRPr lang="en-US" dirty="0"/>
           </a:p>
         </p:txBody>
       </p:sp>
@@ -1779,7 +2150,7 @@
     </p:spTree>
     <p:extLst>
       <p:ext uri="{BB962C8B-B14F-4D97-AF65-F5344CB8AC3E}">
-        <p14:creationId xmlns:p14="http://schemas.microsoft.com/office/powerpoint/2010/main" val="1247435701"/>
+        <p14:creationId xmlns:p14="http://schemas.microsoft.com/office/powerpoint/2010/main" val="846133922"/>
       </p:ext>
     </p:extLst>
   </p:cSld>
@@ -1790,7 +2161,7 @@
 </file>
 
 <file path=ppt/slideLayouts/slideLayout7.xml><?xml version="1.0" encoding="utf-8"?>
-<p:sldLayout xmlns:a="http://schemas.openxmlformats.org/drawingml/2006/main" xmlns:r="http://schemas.openxmlformats.org/officeDocument/2006/relationships" xmlns:p="http://schemas.openxmlformats.org/presentationml/2006/main" type="blank" preserve="1">
+<p:sldLayout xmlns:a="http://schemas.openxmlformats.org/drawingml/2006/main" xmlns:r="http://schemas.openxmlformats.org/officeDocument/2006/relationships" xmlns:p="http://schemas.openxmlformats.org/presentationml/2006/main" showMasterSp="0" type="blank" preserve="1">
   <p:cSld name="Blank">
     <p:spTree>
       <p:nvGrpSpPr>
@@ -1808,7 +2179,83 @@
       </p:grpSpPr>
       <p:sp>
         <p:nvSpPr>
-          <p:cNvPr id="2" name="Date Placeholder 1"/>
+          <p:cNvPr id="5" name="Rectangle 4"/>
+          <p:cNvSpPr/>
+          <p:nvPr/>
+        </p:nvSpPr>
+        <p:spPr>
+          <a:xfrm>
+            <a:off x="3175" y="6400800"/>
+            <a:ext cx="12188825" cy="457200"/>
+          </a:xfrm>
+          <a:prstGeom prst="rect">
+            <a:avLst/>
+          </a:prstGeom>
+          <a:solidFill>
+            <a:schemeClr val="accent2"/>
+          </a:solidFill>
+          <a:ln>
+            <a:noFill/>
+          </a:ln>
+        </p:spPr>
+        <p:style>
+          <a:lnRef idx="2">
+            <a:schemeClr val="accent1">
+              <a:shade val="50000"/>
+            </a:schemeClr>
+          </a:lnRef>
+          <a:fillRef idx="1">
+            <a:schemeClr val="accent1"/>
+          </a:fillRef>
+          <a:effectRef idx="0">
+            <a:schemeClr val="accent1"/>
+          </a:effectRef>
+          <a:fontRef idx="minor">
+            <a:schemeClr val="lt1"/>
+          </a:fontRef>
+        </p:style>
+      </p:sp>
+      <p:sp>
+        <p:nvSpPr>
+          <p:cNvPr id="6" name="Rectangle 5"/>
+          <p:cNvSpPr/>
+          <p:nvPr/>
+        </p:nvSpPr>
+        <p:spPr>
+          <a:xfrm>
+            <a:off x="15" y="6334316"/>
+            <a:ext cx="12188825" cy="64008"/>
+          </a:xfrm>
+          <a:prstGeom prst="rect">
+            <a:avLst/>
+          </a:prstGeom>
+          <a:solidFill>
+            <a:schemeClr val="accent1"/>
+          </a:solidFill>
+          <a:ln>
+            <a:noFill/>
+          </a:ln>
+        </p:spPr>
+        <p:style>
+          <a:lnRef idx="2">
+            <a:schemeClr val="accent1">
+              <a:shade val="50000"/>
+            </a:schemeClr>
+          </a:lnRef>
+          <a:fillRef idx="1">
+            <a:schemeClr val="accent1"/>
+          </a:fillRef>
+          <a:effectRef idx="0">
+            <a:schemeClr val="accent1"/>
+          </a:effectRef>
+          <a:fontRef idx="minor">
+            <a:schemeClr val="lt1"/>
+          </a:fontRef>
+        </p:style>
+      </p:sp>
+      <p:sp>
+        <p:nvSpPr>
+          <p:cNvPr id="7" name="Date Placeholder 6"/>
           <p:cNvSpPr>
             <a:spLocks noGrp="1"/>
           </p:cNvSpPr>
@@ -1831,7 +2278,7 @@
       </p:sp>
       <p:sp>
         <p:nvSpPr>
-          <p:cNvPr id="3" name="Footer Placeholder 2"/>
+          <p:cNvPr id="8" name="Footer Placeholder 7"/>
           <p:cNvSpPr>
             <a:spLocks noGrp="1"/>
           </p:cNvSpPr>
@@ -1842,7 +2289,15 @@
         <p:spPr/>
         <p:txBody>
           <a:bodyPr/>
-          <a:lstStyle/>
+          <a:lstStyle>
+            <a:lvl1pPr>
+              <a:defRPr>
+                <a:solidFill>
+                  <a:srgbClr val="FFFFFF"/>
+                </a:solidFill>
+              </a:defRPr>
+            </a:lvl1pPr>
+          </a:lstStyle>
           <a:p>
             <a:endParaRPr lang="en-US"/>
           </a:p>
@@ -1850,7 +2305,7 @@
       </p:sp>
       <p:sp>
         <p:nvSpPr>
-          <p:cNvPr id="4" name="Slide Number Placeholder 3"/>
+          <p:cNvPr id="9" name="Slide Number Placeholder 8"/>
           <p:cNvSpPr>
             <a:spLocks noGrp="1"/>
           </p:cNvSpPr>
@@ -1874,7 +2329,7 @@
     </p:spTree>
     <p:extLst>
       <p:ext uri="{BB962C8B-B14F-4D97-AF65-F5344CB8AC3E}">
-        <p14:creationId xmlns:p14="http://schemas.microsoft.com/office/powerpoint/2010/main" val="1814858956"/>
+        <p14:creationId xmlns:p14="http://schemas.microsoft.com/office/powerpoint/2010/main" val="2405018455"/>
       </p:ext>
     </p:extLst>
   </p:cSld>
@@ -1885,7 +2340,7 @@
 </file>
 
 <file path=ppt/slideLayouts/slideLayout8.xml><?xml version="1.0" encoding="utf-8"?>
-<p:sldLayout xmlns:a="http://schemas.openxmlformats.org/drawingml/2006/main" xmlns:r="http://schemas.openxmlformats.org/officeDocument/2006/relationships" xmlns:p="http://schemas.openxmlformats.org/presentationml/2006/main" type="objTx" preserve="1">
+<p:sldLayout xmlns:a="http://schemas.openxmlformats.org/drawingml/2006/main" xmlns:r="http://schemas.openxmlformats.org/officeDocument/2006/relationships" xmlns:p="http://schemas.openxmlformats.org/presentationml/2006/main" showMasterSp="0" type="objTx" preserve="1">
   <p:cSld name="Content with Caption">
     <p:spTree>
       <p:nvGrpSpPr>
@@ -1903,6 +2358,82 @@
       </p:grpSpPr>
       <p:sp>
         <p:nvSpPr>
+          <p:cNvPr id="8" name="Rectangle 7"/>
+          <p:cNvSpPr/>
+          <p:nvPr/>
+        </p:nvSpPr>
+        <p:spPr>
+          <a:xfrm>
+            <a:off x="16" y="0"/>
+            <a:ext cx="4050791" cy="6858000"/>
+          </a:xfrm>
+          <a:prstGeom prst="rect">
+            <a:avLst/>
+          </a:prstGeom>
+          <a:solidFill>
+            <a:schemeClr val="accent2"/>
+          </a:solidFill>
+          <a:ln>
+            <a:noFill/>
+          </a:ln>
+        </p:spPr>
+        <p:style>
+          <a:lnRef idx="2">
+            <a:schemeClr val="accent1">
+              <a:shade val="50000"/>
+            </a:schemeClr>
+          </a:lnRef>
+          <a:fillRef idx="1">
+            <a:schemeClr val="accent1"/>
+          </a:fillRef>
+          <a:effectRef idx="0">
+            <a:schemeClr val="accent1"/>
+          </a:effectRef>
+          <a:fontRef idx="minor">
+            <a:schemeClr val="lt1"/>
+          </a:fontRef>
+        </p:style>
+      </p:sp>
+      <p:sp>
+        <p:nvSpPr>
+          <p:cNvPr id="9" name="Rectangle 8"/>
+          <p:cNvSpPr/>
+          <p:nvPr/>
+        </p:nvSpPr>
+        <p:spPr>
+          <a:xfrm>
+            <a:off x="4040071" y="0"/>
+            <a:ext cx="64008" cy="6858000"/>
+          </a:xfrm>
+          <a:prstGeom prst="rect">
+            <a:avLst/>
+          </a:prstGeom>
+          <a:solidFill>
+            <a:schemeClr val="accent1"/>
+          </a:solidFill>
+          <a:ln>
+            <a:noFill/>
+          </a:ln>
+        </p:spPr>
+        <p:style>
+          <a:lnRef idx="2">
+            <a:schemeClr val="accent1">
+              <a:shade val="50000"/>
+            </a:schemeClr>
+          </a:lnRef>
+          <a:fillRef idx="1">
+            <a:schemeClr val="accent1"/>
+          </a:fillRef>
+          <a:effectRef idx="0">
+            <a:schemeClr val="accent1"/>
+          </a:effectRef>
+          <a:fontRef idx="minor">
+            <a:schemeClr val="lt1"/>
+          </a:fontRef>
+        </p:style>
+      </p:sp>
+      <p:sp>
+        <p:nvSpPr>
           <p:cNvPr id="2" name="Title 1"/>
           <p:cNvSpPr>
             <a:spLocks noGrp="1"/>
@@ -1913,15 +2444,21 @@
         </p:nvSpPr>
         <p:spPr>
           <a:xfrm>
-            <a:off x="839788" y="457200"/>
-            <a:ext cx="3932237" cy="1600200"/>
-          </a:xfrm>
-        </p:spPr>
-        <p:txBody>
-          <a:bodyPr anchor="b"/>
+            <a:off x="457200" y="594359"/>
+            <a:ext cx="3200400" cy="2286000"/>
+          </a:xfrm>
+        </p:spPr>
+        <p:txBody>
+          <a:bodyPr anchor="b">
+            <a:normAutofit/>
+          </a:bodyPr>
           <a:lstStyle>
             <a:lvl1pPr>
-              <a:defRPr sz="3200"/>
+              <a:defRPr sz="3600" b="0">
+                <a:solidFill>
+                  <a:srgbClr val="FFFFFF"/>
+                </a:solidFill>
+              </a:defRPr>
             </a:lvl1pPr>
           </a:lstStyle>
           <a:p>
@@ -1929,7 +2466,7 @@
               <a:rPr lang="en-US" smtClean="0"/>
               <a:t>Click to edit Master title style</a:t>
             </a:r>
-            <a:endParaRPr lang="en-US"/>
+            <a:endParaRPr lang="en-US" dirty="0"/>
           </a:p>
         </p:txBody>
       </p:sp>
@@ -1945,39 +2482,111 @@
         </p:nvSpPr>
         <p:spPr>
           <a:xfrm>
-            <a:off x="5183188" y="987425"/>
-            <a:ext cx="6172200" cy="4873625"/>
-          </a:xfrm>
-        </p:spPr>
-        <p:txBody>
-          <a:bodyPr/>
+            <a:off x="4800600" y="731520"/>
+            <a:ext cx="6492240" cy="5257800"/>
+          </a:xfrm>
+        </p:spPr>
+        <p:txBody>
+          <a:bodyPr/>
+          <a:lstStyle/>
+          <a:p>
+            <a:pPr lvl="0"/>
+            <a:r>
+              <a:rPr lang="en-US" smtClean="0"/>
+              <a:t>Click to edit Master text styles</a:t>
+            </a:r>
+          </a:p>
+          <a:p>
+            <a:pPr lvl="1"/>
+            <a:r>
+              <a:rPr lang="en-US" smtClean="0"/>
+              <a:t>Second level</a:t>
+            </a:r>
+          </a:p>
+          <a:p>
+            <a:pPr lvl="2"/>
+            <a:r>
+              <a:rPr lang="en-US" smtClean="0"/>
+              <a:t>Third level</a:t>
+            </a:r>
+          </a:p>
+          <a:p>
+            <a:pPr lvl="3"/>
+            <a:r>
+              <a:rPr lang="en-US" smtClean="0"/>
+              <a:t>Fourth level</a:t>
+            </a:r>
+          </a:p>
+          <a:p>
+            <a:pPr lvl="4"/>
+            <a:r>
+              <a:rPr lang="en-US" smtClean="0"/>
+              <a:t>Fifth level</a:t>
+            </a:r>
+            <a:endParaRPr lang="en-US" dirty="0"/>
+          </a:p>
+        </p:txBody>
+      </p:sp>
+      <p:sp>
+        <p:nvSpPr>
+          <p:cNvPr id="4" name="Text Placeholder 3"/>
+          <p:cNvSpPr>
+            <a:spLocks noGrp="1"/>
+          </p:cNvSpPr>
+          <p:nvPr>
+            <p:ph type="body" sz="half" idx="2"/>
+          </p:nvPr>
+        </p:nvSpPr>
+        <p:spPr>
+          <a:xfrm>
+            <a:off x="457200" y="2926080"/>
+            <a:ext cx="3200400" cy="3379124"/>
+          </a:xfrm>
+        </p:spPr>
+        <p:txBody>
+          <a:bodyPr lIns="91440" rIns="91440">
+            <a:normAutofit/>
+          </a:bodyPr>
           <a:lstStyle>
-            <a:lvl1pPr>
-              <a:defRPr sz="3200"/>
+            <a:lvl1pPr marL="0" indent="0">
+              <a:buNone/>
+              <a:defRPr sz="1500">
+                <a:solidFill>
+                  <a:srgbClr val="FFFFFF"/>
+                </a:solidFill>
+              </a:defRPr>
             </a:lvl1pPr>
-            <a:lvl2pPr>
-              <a:defRPr sz="2800"/>
+            <a:lvl2pPr marL="457200" indent="0">
+              <a:buNone/>
+              <a:defRPr sz="1200"/>
             </a:lvl2pPr>
-            <a:lvl3pPr>
-              <a:defRPr sz="2400"/>
+            <a:lvl3pPr marL="914400" indent="0">
+              <a:buNone/>
+              <a:defRPr sz="1000"/>
             </a:lvl3pPr>
-            <a:lvl4pPr>
-              <a:defRPr sz="2000"/>
+            <a:lvl4pPr marL="1371600" indent="0">
+              <a:buNone/>
+              <a:defRPr sz="900"/>
             </a:lvl4pPr>
-            <a:lvl5pPr>
-              <a:defRPr sz="2000"/>
+            <a:lvl5pPr marL="1828800" indent="0">
+              <a:buNone/>
+              <a:defRPr sz="900"/>
             </a:lvl5pPr>
-            <a:lvl6pPr>
-              <a:defRPr sz="2000"/>
+            <a:lvl6pPr marL="2286000" indent="0">
+              <a:buNone/>
+              <a:defRPr sz="900"/>
             </a:lvl6pPr>
-            <a:lvl7pPr>
-              <a:defRPr sz="2000"/>
+            <a:lvl7pPr marL="2743200" indent="0">
+              <a:buNone/>
+              <a:defRPr sz="900"/>
             </a:lvl7pPr>
-            <a:lvl8pPr>
-              <a:defRPr sz="2000"/>
+            <a:lvl8pPr marL="3200400" indent="0">
+              <a:buNone/>
+              <a:defRPr sz="900"/>
             </a:lvl8pPr>
-            <a:lvl9pPr>
-              <a:defRPr sz="2000"/>
+            <a:lvl9pPr marL="3657600" indent="0">
+              <a:buNone/>
+              <a:defRPr sz="900"/>
             </a:lvl9pPr>
           </a:lstStyle>
           <a:p>
@@ -1987,116 +2596,31 @@
               <a:t>Click to edit Master text styles</a:t>
             </a:r>
           </a:p>
-          <a:p>
-            <a:pPr lvl="1"/>
-            <a:r>
-              <a:rPr lang="en-US" smtClean="0"/>
-              <a:t>Second level</a:t>
-            </a:r>
-          </a:p>
-          <a:p>
-            <a:pPr lvl="2"/>
-            <a:r>
-              <a:rPr lang="en-US" smtClean="0"/>
-              <a:t>Third level</a:t>
-            </a:r>
-          </a:p>
-          <a:p>
-            <a:pPr lvl="3"/>
-            <a:r>
-              <a:rPr lang="en-US" smtClean="0"/>
-              <a:t>Fourth level</a:t>
-            </a:r>
-          </a:p>
-          <a:p>
-            <a:pPr lvl="4"/>
-            <a:r>
-              <a:rPr lang="en-US" smtClean="0"/>
-              <a:t>Fifth level</a:t>
-            </a:r>
-            <a:endParaRPr lang="en-US"/>
-          </a:p>
-        </p:txBody>
-      </p:sp>
-      <p:sp>
-        <p:nvSpPr>
-          <p:cNvPr id="4" name="Text Placeholder 3"/>
-          <p:cNvSpPr>
-            <a:spLocks noGrp="1"/>
-          </p:cNvSpPr>
-          <p:nvPr>
-            <p:ph type="body" sz="half" idx="2"/>
-          </p:nvPr>
-        </p:nvSpPr>
-        <p:spPr>
-          <a:xfrm>
-            <a:off x="839788" y="2057400"/>
-            <a:ext cx="3932237" cy="3811588"/>
+        </p:txBody>
+      </p:sp>
+      <p:sp>
+        <p:nvSpPr>
+          <p:cNvPr id="5" name="Date Placeholder 4"/>
+          <p:cNvSpPr>
+            <a:spLocks noGrp="1"/>
+          </p:cNvSpPr>
+          <p:nvPr>
+            <p:ph type="dt" sz="half" idx="10"/>
+          </p:nvPr>
+        </p:nvSpPr>
+        <p:spPr>
+          <a:xfrm>
+            <a:off x="465512" y="6459785"/>
+            <a:ext cx="2618510" cy="365125"/>
           </a:xfrm>
         </p:spPr>
         <p:txBody>
           <a:bodyPr/>
           <a:lstStyle>
-            <a:lvl1pPr marL="0" indent="0">
-              <a:buNone/>
-              <a:defRPr sz="1600"/>
+            <a:lvl1pPr algn="l">
+              <a:defRPr/>
             </a:lvl1pPr>
-            <a:lvl2pPr marL="457200" indent="0">
-              <a:buNone/>
-              <a:defRPr sz="1400"/>
-            </a:lvl2pPr>
-            <a:lvl3pPr marL="914400" indent="0">
-              <a:buNone/>
-              <a:defRPr sz="1200"/>
-            </a:lvl3pPr>
-            <a:lvl4pPr marL="1371600" indent="0">
-              <a:buNone/>
-              <a:defRPr sz="1000"/>
-            </a:lvl4pPr>
-            <a:lvl5pPr marL="1828800" indent="0">
-              <a:buNone/>
-              <a:defRPr sz="1000"/>
-            </a:lvl5pPr>
-            <a:lvl6pPr marL="2286000" indent="0">
-              <a:buNone/>
-              <a:defRPr sz="1000"/>
-            </a:lvl6pPr>
-            <a:lvl7pPr marL="2743200" indent="0">
-              <a:buNone/>
-              <a:defRPr sz="1000"/>
-            </a:lvl7pPr>
-            <a:lvl8pPr marL="3200400" indent="0">
-              <a:buNone/>
-              <a:defRPr sz="1000"/>
-            </a:lvl8pPr>
-            <a:lvl9pPr marL="3657600" indent="0">
-              <a:buNone/>
-              <a:defRPr sz="1000"/>
-            </a:lvl9pPr>
           </a:lstStyle>
-          <a:p>
-            <a:pPr lvl="0"/>
-            <a:r>
-              <a:rPr lang="en-US" smtClean="0"/>
-              <a:t>Click to edit Master text styles</a:t>
-            </a:r>
-          </a:p>
-        </p:txBody>
-      </p:sp>
-      <p:sp>
-        <p:nvSpPr>
-          <p:cNvPr id="5" name="Date Placeholder 4"/>
-          <p:cNvSpPr>
-            <a:spLocks noGrp="1"/>
-          </p:cNvSpPr>
-          <p:nvPr>
-            <p:ph type="dt" sz="half" idx="10"/>
-          </p:nvPr>
-        </p:nvSpPr>
-        <p:spPr/>
-        <p:txBody>
-          <a:bodyPr/>
-          <a:lstStyle/>
           <a:p>
             <a:fld id="{2612FB0F-5957-4199-B8A1-4B580505A0B0}" type="datetimeFigureOut">
               <a:rPr lang="en-US" smtClean="0"/>
@@ -2116,29 +2640,50 @@
             <p:ph type="ftr" sz="quarter" idx="11"/>
           </p:nvPr>
         </p:nvSpPr>
+        <p:spPr>
+          <a:xfrm>
+            <a:off x="4800600" y="6459785"/>
+            <a:ext cx="4648200" cy="365125"/>
+          </a:xfrm>
+        </p:spPr>
+        <p:txBody>
+          <a:bodyPr/>
+          <a:lstStyle>
+            <a:lvl1pPr algn="l">
+              <a:defRPr>
+                <a:solidFill>
+                  <a:schemeClr val="tx2"/>
+                </a:solidFill>
+              </a:defRPr>
+            </a:lvl1pPr>
+          </a:lstStyle>
+          <a:p>
+            <a:endParaRPr lang="en-US"/>
+          </a:p>
+        </p:txBody>
+      </p:sp>
+      <p:sp>
+        <p:nvSpPr>
+          <p:cNvPr id="7" name="Slide Number Placeholder 6"/>
+          <p:cNvSpPr>
+            <a:spLocks noGrp="1"/>
+          </p:cNvSpPr>
+          <p:nvPr>
+            <p:ph type="sldNum" sz="quarter" idx="12"/>
+          </p:nvPr>
+        </p:nvSpPr>
         <p:spPr/>
         <p:txBody>
           <a:bodyPr/>
-          <a:lstStyle/>
-          <a:p>
-            <a:endParaRPr lang="en-US"/>
-          </a:p>
-        </p:txBody>
-      </p:sp>
-      <p:sp>
-        <p:nvSpPr>
-          <p:cNvPr id="7" name="Slide Number Placeholder 6"/>
-          <p:cNvSpPr>
-            <a:spLocks noGrp="1"/>
-          </p:cNvSpPr>
-          <p:nvPr>
-            <p:ph type="sldNum" sz="quarter" idx="12"/>
-          </p:nvPr>
-        </p:nvSpPr>
-        <p:spPr/>
-        <p:txBody>
-          <a:bodyPr/>
-          <a:lstStyle/>
+          <a:lstStyle>
+            <a:lvl1pPr>
+              <a:defRPr>
+                <a:solidFill>
+                  <a:schemeClr val="tx2"/>
+                </a:solidFill>
+              </a:defRPr>
+            </a:lvl1pPr>
+          </a:lstStyle>
           <a:p>
             <a:fld id="{508F0AB3-6919-4ABB-A5D4-A75CF3328B38}" type="slidenum">
               <a:rPr lang="en-US" smtClean="0"/>
@@ -2151,7 +2696,7 @@
     </p:spTree>
     <p:extLst>
       <p:ext uri="{BB962C8B-B14F-4D97-AF65-F5344CB8AC3E}">
-        <p14:creationId xmlns:p14="http://schemas.microsoft.com/office/powerpoint/2010/main" val="398225884"/>
+        <p14:creationId xmlns:p14="http://schemas.microsoft.com/office/powerpoint/2010/main" val="3750729976"/>
       </p:ext>
     </p:extLst>
   </p:cSld>
@@ -2162,7 +2707,7 @@
 </file>
 
 <file path=ppt/slideLayouts/slideLayout9.xml><?xml version="1.0" encoding="utf-8"?>
-<p:sldLayout xmlns:a="http://schemas.openxmlformats.org/drawingml/2006/main" xmlns:r="http://schemas.openxmlformats.org/officeDocument/2006/relationships" xmlns:p="http://schemas.openxmlformats.org/presentationml/2006/main" type="picTx" preserve="1">
+<p:sldLayout xmlns:a="http://schemas.openxmlformats.org/drawingml/2006/main" xmlns:r="http://schemas.openxmlformats.org/officeDocument/2006/relationships" xmlns:p="http://schemas.openxmlformats.org/presentationml/2006/main" showMasterSp="0" type="picTx" preserve="1">
   <p:cSld name="Picture with Caption">
     <p:spTree>
       <p:nvGrpSpPr>
@@ -2180,6 +2725,82 @@
       </p:grpSpPr>
       <p:sp>
         <p:nvSpPr>
+          <p:cNvPr id="8" name="Rectangle 7"/>
+          <p:cNvSpPr/>
+          <p:nvPr/>
+        </p:nvSpPr>
+        <p:spPr>
+          <a:xfrm>
+            <a:off x="0" y="4953000"/>
+            <a:ext cx="12188825" cy="1905000"/>
+          </a:xfrm>
+          <a:prstGeom prst="rect">
+            <a:avLst/>
+          </a:prstGeom>
+          <a:solidFill>
+            <a:schemeClr val="accent2"/>
+          </a:solidFill>
+          <a:ln>
+            <a:noFill/>
+          </a:ln>
+        </p:spPr>
+        <p:style>
+          <a:lnRef idx="2">
+            <a:schemeClr val="accent1">
+              <a:shade val="50000"/>
+            </a:schemeClr>
+          </a:lnRef>
+          <a:fillRef idx="1">
+            <a:schemeClr val="accent1"/>
+          </a:fillRef>
+          <a:effectRef idx="0">
+            <a:schemeClr val="accent1"/>
+          </a:effectRef>
+          <a:fontRef idx="minor">
+            <a:schemeClr val="lt1"/>
+          </a:fontRef>
+        </p:style>
+      </p:sp>
+      <p:sp>
+        <p:nvSpPr>
+          <p:cNvPr id="9" name="Rectangle 8"/>
+          <p:cNvSpPr/>
+          <p:nvPr/>
+        </p:nvSpPr>
+        <p:spPr>
+          <a:xfrm>
+            <a:off x="15" y="4915076"/>
+            <a:ext cx="12188825" cy="64008"/>
+          </a:xfrm>
+          <a:prstGeom prst="rect">
+            <a:avLst/>
+          </a:prstGeom>
+          <a:solidFill>
+            <a:schemeClr val="accent1"/>
+          </a:solidFill>
+          <a:ln>
+            <a:noFill/>
+          </a:ln>
+        </p:spPr>
+        <p:style>
+          <a:lnRef idx="2">
+            <a:schemeClr val="accent1">
+              <a:shade val="50000"/>
+            </a:schemeClr>
+          </a:lnRef>
+          <a:fillRef idx="1">
+            <a:schemeClr val="accent1"/>
+          </a:fillRef>
+          <a:effectRef idx="0">
+            <a:schemeClr val="accent1"/>
+          </a:effectRef>
+          <a:fontRef idx="minor">
+            <a:schemeClr val="lt1"/>
+          </a:fontRef>
+        </p:style>
+      </p:sp>
+      <p:sp>
+        <p:nvSpPr>
           <p:cNvPr id="2" name="Title 1"/>
           <p:cNvSpPr>
             <a:spLocks noGrp="1"/>
@@ -2190,15 +2811,21 @@
         </p:nvSpPr>
         <p:spPr>
           <a:xfrm>
-            <a:off x="839788" y="457200"/>
-            <a:ext cx="3932237" cy="1600200"/>
-          </a:xfrm>
-        </p:spPr>
-        <p:txBody>
-          <a:bodyPr anchor="b"/>
+            <a:off x="1097280" y="5074920"/>
+            <a:ext cx="10113264" cy="822960"/>
+          </a:xfrm>
+        </p:spPr>
+        <p:txBody>
+          <a:bodyPr lIns="91440" tIns="0" rIns="91440" bIns="0" anchor="b">
+            <a:noAutofit/>
+          </a:bodyPr>
           <a:lstStyle>
             <a:lvl1pPr>
-              <a:defRPr sz="3200"/>
+              <a:defRPr sz="3600" b="0">
+                <a:solidFill>
+                  <a:srgbClr val="FFFFFF"/>
+                </a:solidFill>
+              </a:defRPr>
             </a:lvl1pPr>
           </a:lstStyle>
           <a:p>
@@ -2206,7 +2833,7 @@
               <a:rPr lang="en-US" smtClean="0"/>
               <a:t>Click to edit Master title style</a:t>
             </a:r>
-            <a:endParaRPr lang="en-US"/>
+            <a:endParaRPr lang="en-US" dirty="0"/>
           </a:p>
         </p:txBody>
       </p:sp>
@@ -2214,7 +2841,7 @@
         <p:nvSpPr>
           <p:cNvPr id="3" name="Picture Placeholder 2"/>
           <p:cNvSpPr>
-            <a:spLocks noGrp="1"/>
+            <a:spLocks noGrp="1" noChangeAspect="1"/>
           </p:cNvSpPr>
           <p:nvPr>
             <p:ph type="pic" idx="1"/>
@@ -2222,16 +2849,26 @@
         </p:nvSpPr>
         <p:spPr>
           <a:xfrm>
-            <a:off x="5183188" y="987425"/>
-            <a:ext cx="6172200" cy="4873625"/>
-          </a:xfrm>
-        </p:spPr>
-        <p:txBody>
-          <a:bodyPr/>
+            <a:off x="15" y="0"/>
+            <a:ext cx="12191985" cy="4915076"/>
+          </a:xfrm>
+          <a:blipFill>
+            <a:blip r:embed="rId2"/>
+            <a:stretch>
+              <a:fillRect/>
+            </a:stretch>
+          </a:blipFill>
+        </p:spPr>
+        <p:txBody>
+          <a:bodyPr lIns="457200" tIns="457200" anchor="t"/>
           <a:lstStyle>
             <a:lvl1pPr marL="0" indent="0">
               <a:buNone/>
-              <a:defRPr sz="3200"/>
+              <a:defRPr sz="3200">
+                <a:solidFill>
+                  <a:schemeClr val="bg1"/>
+                </a:solidFill>
+              </a:defRPr>
             </a:lvl1pPr>
             <a:lvl2pPr marL="457200" indent="0">
               <a:buNone/>
@@ -2267,7 +2904,11 @@
             </a:lvl9pPr>
           </a:lstStyle>
           <a:p>
-            <a:endParaRPr lang="en-US"/>
+            <a:r>
+              <a:rPr lang="en-US" smtClean="0"/>
+              <a:t>Click icon to add picture</a:t>
+            </a:r>
+            <a:endParaRPr lang="en-US" dirty="0"/>
           </a:p>
         </p:txBody>
       </p:sp>
@@ -2283,48 +2924,60 @@
         </p:nvSpPr>
         <p:spPr>
           <a:xfrm>
-            <a:off x="839788" y="2057400"/>
-            <a:ext cx="3932237" cy="3811588"/>
-          </a:xfrm>
-        </p:spPr>
-        <p:txBody>
-          <a:bodyPr/>
+            <a:off x="1097280" y="5907023"/>
+            <a:ext cx="10113264" cy="594360"/>
+          </a:xfrm>
+        </p:spPr>
+        <p:txBody>
+          <a:bodyPr lIns="91440" tIns="0" rIns="91440" bIns="0">
+            <a:normAutofit/>
+          </a:bodyPr>
           <a:lstStyle>
             <a:lvl1pPr marL="0" indent="0">
-              <a:buNone/>
-              <a:defRPr sz="1600"/>
+              <a:spcBef>
+                <a:spcPts val="0"/>
+              </a:spcBef>
+              <a:spcAft>
+                <a:spcPts val="600"/>
+              </a:spcAft>
+              <a:buNone/>
+              <a:defRPr sz="1500">
+                <a:solidFill>
+                  <a:srgbClr val="FFFFFF"/>
+                </a:solidFill>
+              </a:defRPr>
             </a:lvl1pPr>
             <a:lvl2pPr marL="457200" indent="0">
               <a:buNone/>
-              <a:defRPr sz="1400"/>
+              <a:defRPr sz="1200"/>
             </a:lvl2pPr>
             <a:lvl3pPr marL="914400" indent="0">
               <a:buNone/>
-              <a:defRPr sz="1200"/>
+              <a:defRPr sz="1000"/>
             </a:lvl3pPr>
             <a:lvl4pPr marL="1371600" indent="0">
               <a:buNone/>
-              <a:defRPr sz="1000"/>
+              <a:defRPr sz="900"/>
             </a:lvl4pPr>
             <a:lvl5pPr marL="1828800" indent="0">
               <a:buNone/>
-              <a:defRPr sz="1000"/>
+              <a:defRPr sz="900"/>
             </a:lvl5pPr>
             <a:lvl6pPr marL="2286000" indent="0">
               <a:buNone/>
-              <a:defRPr sz="1000"/>
+              <a:defRPr sz="900"/>
             </a:lvl6pPr>
             <a:lvl7pPr marL="2743200" indent="0">
               <a:buNone/>
-              <a:defRPr sz="1000"/>
+              <a:defRPr sz="900"/>
             </a:lvl7pPr>
             <a:lvl8pPr marL="3200400" indent="0">
               <a:buNone/>
-              <a:defRPr sz="1000"/>
+              <a:defRPr sz="900"/>
             </a:lvl8pPr>
             <a:lvl9pPr marL="3657600" indent="0">
               <a:buNone/>
-              <a:defRPr sz="1000"/>
+              <a:defRPr sz="900"/>
             </a:lvl9pPr>
           </a:lstStyle>
           <a:p>
@@ -2404,7 +3057,7 @@
     </p:spTree>
     <p:extLst>
       <p:ext uri="{BB962C8B-B14F-4D97-AF65-F5344CB8AC3E}">
-        <p14:creationId xmlns:p14="http://schemas.microsoft.com/office/powerpoint/2010/main" val="1319496952"/>
+        <p14:creationId xmlns:p14="http://schemas.microsoft.com/office/powerpoint/2010/main" val="1447446643"/>
       </p:ext>
     </p:extLst>
   </p:cSld>
@@ -2438,127 +3091,201 @@
       </p:grpSpPr>
       <p:sp>
         <p:nvSpPr>
-          <p:cNvPr id="2" name="Title Placeholder 1"/>
-          <p:cNvSpPr>
-            <a:spLocks noGrp="1"/>
-          </p:cNvSpPr>
-          <p:nvPr>
-            <p:ph type="title"/>
-          </p:nvPr>
-        </p:nvSpPr>
-        <p:spPr>
-          <a:xfrm>
-            <a:off x="838200" y="365125"/>
-            <a:ext cx="10515600" cy="1325563"/>
+          <p:cNvPr id="7" name="Rectangle 6"/>
+          <p:cNvSpPr/>
+          <p:nvPr/>
+        </p:nvSpPr>
+        <p:spPr>
+          <a:xfrm>
+            <a:off x="1" y="6400800"/>
+            <a:ext cx="12192000" cy="457200"/>
           </a:xfrm>
           <a:prstGeom prst="rect">
             <a:avLst/>
           </a:prstGeom>
-        </p:spPr>
-        <p:txBody>
-          <a:bodyPr vert="horz" lIns="91440" tIns="45720" rIns="91440" bIns="45720" rtlCol="0" anchor="ctr">
-            <a:normAutofit/>
-          </a:bodyPr>
-          <a:lstStyle/>
-          <a:p>
-            <a:r>
-              <a:rPr lang="en-US" smtClean="0"/>
-              <a:t>Click to edit Master title style</a:t>
-            </a:r>
-            <a:endParaRPr lang="en-US"/>
-          </a:p>
-        </p:txBody>
-      </p:sp>
-      <p:sp>
-        <p:nvSpPr>
-          <p:cNvPr id="3" name="Text Placeholder 2"/>
-          <p:cNvSpPr>
-            <a:spLocks noGrp="1"/>
-          </p:cNvSpPr>
-          <p:nvPr>
-            <p:ph type="body" idx="1"/>
-          </p:nvPr>
-        </p:nvSpPr>
-        <p:spPr>
-          <a:xfrm>
-            <a:off x="838200" y="1825625"/>
-            <a:ext cx="10515600" cy="4351338"/>
+          <a:solidFill>
+            <a:schemeClr val="accent2"/>
+          </a:solidFill>
+          <a:ln>
+            <a:noFill/>
+          </a:ln>
+        </p:spPr>
+        <p:style>
+          <a:lnRef idx="2">
+            <a:schemeClr val="accent1">
+              <a:shade val="50000"/>
+            </a:schemeClr>
+          </a:lnRef>
+          <a:fillRef idx="1">
+            <a:schemeClr val="accent1"/>
+          </a:fillRef>
+          <a:effectRef idx="0">
+            <a:schemeClr val="accent1"/>
+          </a:effectRef>
+          <a:fontRef idx="minor">
+            <a:schemeClr val="lt1"/>
+          </a:fontRef>
+        </p:style>
+      </p:sp>
+      <p:sp>
+        <p:nvSpPr>
+          <p:cNvPr id="9" name="Rectangle 8"/>
+          <p:cNvSpPr/>
+          <p:nvPr/>
+        </p:nvSpPr>
+        <p:spPr>
+          <a:xfrm>
+            <a:off x="0" y="6334316"/>
+            <a:ext cx="12192001" cy="65998"/>
           </a:xfrm>
           <a:prstGeom prst="rect">
             <a:avLst/>
           </a:prstGeom>
-        </p:spPr>
-        <p:txBody>
-          <a:bodyPr vert="horz" lIns="91440" tIns="45720" rIns="91440" bIns="45720" rtlCol="0">
-            <a:normAutofit/>
-          </a:bodyPr>
-          <a:lstStyle/>
-          <a:p>
-            <a:pPr lvl="0"/>
-            <a:r>
-              <a:rPr lang="en-US" smtClean="0"/>
-              <a:t>Click to edit Master text styles</a:t>
-            </a:r>
-          </a:p>
-          <a:p>
-            <a:pPr lvl="1"/>
-            <a:r>
-              <a:rPr lang="en-US" smtClean="0"/>
-              <a:t>Second level</a:t>
-            </a:r>
-          </a:p>
-          <a:p>
-            <a:pPr lvl="2"/>
-            <a:r>
-              <a:rPr lang="en-US" smtClean="0"/>
-              <a:t>Third level</a:t>
-            </a:r>
-          </a:p>
-          <a:p>
-            <a:pPr lvl="3"/>
-            <a:r>
-              <a:rPr lang="en-US" smtClean="0"/>
-              <a:t>Fourth level</a:t>
-            </a:r>
-          </a:p>
-          <a:p>
-            <a:pPr lvl="4"/>
-            <a:r>
-              <a:rPr lang="en-US" smtClean="0"/>
-              <a:t>Fifth level</a:t>
-            </a:r>
-            <a:endParaRPr lang="en-US"/>
-          </a:p>
-        </p:txBody>
-      </p:sp>
-      <p:sp>
-        <p:nvSpPr>
-          <p:cNvPr id="4" name="Date Placeholder 3"/>
-          <p:cNvSpPr>
-            <a:spLocks noGrp="1"/>
-          </p:cNvSpPr>
-          <p:nvPr>
-            <p:ph type="dt" sz="half" idx="2"/>
-          </p:nvPr>
-        </p:nvSpPr>
-        <p:spPr>
-          <a:xfrm>
-            <a:off x="838200" y="6356350"/>
-            <a:ext cx="2743200" cy="365125"/>
+          <a:solidFill>
+            <a:schemeClr val="accent1"/>
+          </a:solidFill>
+          <a:ln>
+            <a:noFill/>
+          </a:ln>
+        </p:spPr>
+        <p:style>
+          <a:lnRef idx="2">
+            <a:schemeClr val="accent1">
+              <a:shade val="50000"/>
+            </a:schemeClr>
+          </a:lnRef>
+          <a:fillRef idx="1">
+            <a:schemeClr val="accent1"/>
+          </a:fillRef>
+          <a:effectRef idx="0">
+            <a:schemeClr val="accent1"/>
+          </a:effectRef>
+          <a:fontRef idx="minor">
+            <a:schemeClr val="lt1"/>
+          </a:fontRef>
+        </p:style>
+      </p:sp>
+      <p:sp>
+        <p:nvSpPr>
+          <p:cNvPr id="2" name="Title Placeholder 1"/>
+          <p:cNvSpPr>
+            <a:spLocks noGrp="1"/>
+          </p:cNvSpPr>
+          <p:nvPr>
+            <p:ph type="title"/>
+          </p:nvPr>
+        </p:nvSpPr>
+        <p:spPr>
+          <a:xfrm>
+            <a:off x="1097280" y="286603"/>
+            <a:ext cx="10058400" cy="1450757"/>
           </a:xfrm>
           <a:prstGeom prst="rect">
             <a:avLst/>
           </a:prstGeom>
         </p:spPr>
         <p:txBody>
+          <a:bodyPr vert="horz" lIns="91440" tIns="45720" rIns="91440" bIns="45720" rtlCol="0" anchor="b">
+            <a:normAutofit/>
+          </a:bodyPr>
+          <a:lstStyle/>
+          <a:p>
+            <a:r>
+              <a:rPr lang="en-US" smtClean="0"/>
+              <a:t>Click to edit Master title style</a:t>
+            </a:r>
+            <a:endParaRPr lang="en-US" dirty="0"/>
+          </a:p>
+        </p:txBody>
+      </p:sp>
+      <p:sp>
+        <p:nvSpPr>
+          <p:cNvPr id="3" name="Text Placeholder 2"/>
+          <p:cNvSpPr>
+            <a:spLocks noGrp="1"/>
+          </p:cNvSpPr>
+          <p:nvPr>
+            <p:ph type="body" idx="1"/>
+          </p:nvPr>
+        </p:nvSpPr>
+        <p:spPr>
+          <a:xfrm>
+            <a:off x="1097280" y="1845734"/>
+            <a:ext cx="10058400" cy="4023360"/>
+          </a:xfrm>
+          <a:prstGeom prst="rect">
+            <a:avLst/>
+          </a:prstGeom>
+        </p:spPr>
+        <p:txBody>
+          <a:bodyPr vert="horz" lIns="0" tIns="45720" rIns="0" bIns="45720" rtlCol="0">
+            <a:normAutofit/>
+          </a:bodyPr>
+          <a:lstStyle/>
+          <a:p>
+            <a:pPr lvl="0"/>
+            <a:r>
+              <a:rPr lang="en-US" smtClean="0"/>
+              <a:t>Click to edit Master text styles</a:t>
+            </a:r>
+          </a:p>
+          <a:p>
+            <a:pPr lvl="1"/>
+            <a:r>
+              <a:rPr lang="en-US" smtClean="0"/>
+              <a:t>Second level</a:t>
+            </a:r>
+          </a:p>
+          <a:p>
+            <a:pPr lvl="2"/>
+            <a:r>
+              <a:rPr lang="en-US" smtClean="0"/>
+              <a:t>Third level</a:t>
+            </a:r>
+          </a:p>
+          <a:p>
+            <a:pPr lvl="3"/>
+            <a:r>
+              <a:rPr lang="en-US" smtClean="0"/>
+              <a:t>Fourth level</a:t>
+            </a:r>
+          </a:p>
+          <a:p>
+            <a:pPr lvl="4"/>
+            <a:r>
+              <a:rPr lang="en-US" smtClean="0"/>
+              <a:t>Fifth level</a:t>
+            </a:r>
+            <a:endParaRPr lang="en-US" dirty="0"/>
+          </a:p>
+        </p:txBody>
+      </p:sp>
+      <p:sp>
+        <p:nvSpPr>
+          <p:cNvPr id="4" name="Date Placeholder 3"/>
+          <p:cNvSpPr>
+            <a:spLocks noGrp="1"/>
+          </p:cNvSpPr>
+          <p:nvPr>
+            <p:ph type="dt" sz="half" idx="2"/>
+          </p:nvPr>
+        </p:nvSpPr>
+        <p:spPr>
+          <a:xfrm>
+            <a:off x="1097280" y="6459785"/>
+            <a:ext cx="2472271" cy="365125"/>
+          </a:xfrm>
+          <a:prstGeom prst="rect">
+            <a:avLst/>
+          </a:prstGeom>
+        </p:spPr>
+        <p:txBody>
           <a:bodyPr vert="horz" lIns="91440" tIns="45720" rIns="91440" bIns="45720" rtlCol="0" anchor="ctr"/>
           <a:lstStyle>
             <a:lvl1pPr algn="l">
-              <a:defRPr sz="1200">
+              <a:defRPr sz="900">
                 <a:solidFill>
-                  <a:schemeClr val="tx1">
-                    <a:tint val="75000"/>
-                  </a:schemeClr>
+                  <a:srgbClr val="FFFFFF"/>
                 </a:solidFill>
               </a:defRPr>
             </a:lvl1pPr>
@@ -2584,8 +3311,8 @@
         </p:nvSpPr>
         <p:spPr>
           <a:xfrm>
-            <a:off x="4038600" y="6356350"/>
-            <a:ext cx="4114800" cy="365125"/>
+            <a:off x="3686185" y="6459785"/>
+            <a:ext cx="4822804" cy="365125"/>
           </a:xfrm>
           <a:prstGeom prst="rect">
             <a:avLst/>
@@ -2595,11 +3322,9 @@
           <a:bodyPr vert="horz" lIns="91440" tIns="45720" rIns="91440" bIns="45720" rtlCol="0" anchor="ctr"/>
           <a:lstStyle>
             <a:lvl1pPr algn="ctr">
-              <a:defRPr sz="1200">
+              <a:defRPr sz="900" cap="all" baseline="0">
                 <a:solidFill>
-                  <a:schemeClr val="tx1">
-                    <a:tint val="75000"/>
-                  </a:schemeClr>
+                  <a:srgbClr val="FFFFFF"/>
                 </a:solidFill>
               </a:defRPr>
             </a:lvl1pPr>
@@ -2621,8 +3346,8 @@
         </p:nvSpPr>
         <p:spPr>
           <a:xfrm>
-            <a:off x="8610600" y="6356350"/>
-            <a:ext cx="2743200" cy="365125"/>
+            <a:off x="9900458" y="6459785"/>
+            <a:ext cx="1312025" cy="365125"/>
           </a:xfrm>
           <a:prstGeom prst="rect">
             <a:avLst/>
@@ -2632,11 +3357,9 @@
           <a:bodyPr vert="horz" lIns="91440" tIns="45720" rIns="91440" bIns="45720" rtlCol="0" anchor="ctr"/>
           <a:lstStyle>
             <a:lvl1pPr algn="r">
-              <a:defRPr sz="1200">
+              <a:defRPr sz="1050">
                 <a:solidFill>
-                  <a:schemeClr val="tx1">
-                    <a:tint val="75000"/>
-                  </a:schemeClr>
+                  <a:srgbClr val="FFFFFF"/>
                 </a:solidFill>
               </a:defRPr>
             </a:lvl1pPr>
@@ -2650,40 +3373,81 @@
           </a:p>
         </p:txBody>
       </p:sp>
+      <p:cxnSp>
+        <p:nvCxnSpPr>
+          <p:cNvPr id="10" name="Straight Connector 9"/>
+          <p:cNvCxnSpPr/>
+          <p:nvPr/>
+        </p:nvCxnSpPr>
+        <p:spPr>
+          <a:xfrm>
+            <a:off x="1193532" y="1737845"/>
+            <a:ext cx="9966960" cy="0"/>
+          </a:xfrm>
+          <a:prstGeom prst="line">
+            <a:avLst/>
+          </a:prstGeom>
+          <a:ln w="6350">
+            <a:solidFill>
+              <a:schemeClr val="tx1">
+                <a:lumMod val="50000"/>
+                <a:lumOff val="50000"/>
+              </a:schemeClr>
+            </a:solidFill>
+          </a:ln>
+        </p:spPr>
+        <p:style>
+          <a:lnRef idx="1">
+            <a:schemeClr val="accent1"/>
+          </a:lnRef>
+          <a:fillRef idx="0">
+            <a:schemeClr val="accent1"/>
+          </a:fillRef>
+          <a:effectRef idx="0">
+            <a:schemeClr val="accent1"/>
+          </a:effectRef>
+          <a:fontRef idx="minor">
+            <a:schemeClr val="tx1"/>
+          </a:fontRef>
+        </p:style>
+      </p:cxnSp>
     </p:spTree>
     <p:extLst>
       <p:ext uri="{BB962C8B-B14F-4D97-AF65-F5344CB8AC3E}">
-        <p14:creationId xmlns:p14="http://schemas.microsoft.com/office/powerpoint/2010/main" val="2565333862"/>
+        <p14:creationId xmlns:p14="http://schemas.microsoft.com/office/powerpoint/2010/main" val="1447019785"/>
       </p:ext>
     </p:extLst>
   </p:cSld>
   <p:clrMap bg1="lt1" tx1="dk1" bg2="lt2" tx2="dk2" accent1="accent1" accent2="accent2" accent3="accent3" accent4="accent4" accent5="accent5" accent6="accent6" hlink="hlink" folHlink="folHlink"/>
   <p:sldLayoutIdLst>
-    <p:sldLayoutId id="2147483649" r:id="rId1"/>
-    <p:sldLayoutId id="2147483650" r:id="rId2"/>
-    <p:sldLayoutId id="2147483651" r:id="rId3"/>
-    <p:sldLayoutId id="2147483652" r:id="rId4"/>
-    <p:sldLayoutId id="2147483653" r:id="rId5"/>
-    <p:sldLayoutId id="2147483654" r:id="rId6"/>
-    <p:sldLayoutId id="2147483655" r:id="rId7"/>
-    <p:sldLayoutId id="2147483656" r:id="rId8"/>
-    <p:sldLayoutId id="2147483657" r:id="rId9"/>
-    <p:sldLayoutId id="2147483658" r:id="rId10"/>
-    <p:sldLayoutId id="2147483659" r:id="rId11"/>
+    <p:sldLayoutId id="2147483726" r:id="rId1"/>
+    <p:sldLayoutId id="2147483727" r:id="rId2"/>
+    <p:sldLayoutId id="2147483728" r:id="rId3"/>
+    <p:sldLayoutId id="2147483729" r:id="rId4"/>
+    <p:sldLayoutId id="2147483730" r:id="rId5"/>
+    <p:sldLayoutId id="2147483731" r:id="rId6"/>
+    <p:sldLayoutId id="2147483732" r:id="rId7"/>
+    <p:sldLayoutId id="2147483733" r:id="rId8"/>
+    <p:sldLayoutId id="2147483734" r:id="rId9"/>
+    <p:sldLayoutId id="2147483735" r:id="rId10"/>
+    <p:sldLayoutId id="2147483736" r:id="rId11"/>
   </p:sldLayoutIdLst>
   <p:txStyles>
     <p:titleStyle>
       <a:lvl1pPr algn="l" defTabSz="914400" rtl="0" eaLnBrk="1" latinLnBrk="0" hangingPunct="1">
         <a:lnSpc>
-          <a:spcPct val="90000"/>
+          <a:spcPct val="85000"/>
         </a:lnSpc>
         <a:spcBef>
           <a:spcPct val="0"/>
         </a:spcBef>
         <a:buNone/>
-        <a:defRPr sz="4400" kern="1200">
+        <a:defRPr sz="4800" kern="1200" spc="-50" baseline="0">
           <a:solidFill>
-            <a:schemeClr val="tx1"/>
+            <a:schemeClr val="tx1">
+              <a:lumMod val="75000"/>
+              <a:lumOff val="25000"/>
+            </a:schemeClr>
           </a:solidFill>
           <a:latin typeface="+mj-lt"/>
           <a:ea typeface="+mj-ea"/>
@@ -2692,162 +3456,244 @@
       </a:lvl1pPr>
     </p:titleStyle>
     <p:bodyStyle>
-      <a:lvl1pPr marL="228600" indent="-228600" algn="l" defTabSz="914400" rtl="0" eaLnBrk="1" latinLnBrk="0" hangingPunct="1">
+      <a:lvl1pPr marL="91440" indent="-91440" algn="l" defTabSz="914400" rtl="0" eaLnBrk="1" latinLnBrk="0" hangingPunct="1">
         <a:lnSpc>
           <a:spcPct val="90000"/>
         </a:lnSpc>
         <a:spcBef>
-          <a:spcPts val="1000"/>
+          <a:spcPts val="1200"/>
         </a:spcBef>
-        <a:buFont typeface="Arial" panose="020B0604020202020204" pitchFamily="34" charset="0"/>
-        <a:buChar char="•"/>
-        <a:defRPr sz="2800" kern="1200">
+        <a:spcAft>
+          <a:spcPts val="200"/>
+        </a:spcAft>
+        <a:buClr>
+          <a:schemeClr val="accent1"/>
+        </a:buClr>
+        <a:buSzPct val="100000"/>
+        <a:buFont typeface="Calibri" panose="020F0502020204030204" pitchFamily="34" charset="0"/>
+        <a:buChar char=" "/>
+        <a:defRPr sz="2000" kern="1200">
           <a:solidFill>
-            <a:schemeClr val="tx1"/>
+            <a:schemeClr val="tx1">
+              <a:lumMod val="75000"/>
+              <a:lumOff val="25000"/>
+            </a:schemeClr>
           </a:solidFill>
           <a:latin typeface="+mn-lt"/>
           <a:ea typeface="+mn-ea"/>
           <a:cs typeface="+mn-cs"/>
         </a:defRPr>
       </a:lvl1pPr>
-      <a:lvl2pPr marL="685800" indent="-228600" algn="l" defTabSz="914400" rtl="0" eaLnBrk="1" latinLnBrk="0" hangingPunct="1">
+      <a:lvl2pPr marL="384048" indent="-182880" algn="l" defTabSz="914400" rtl="0" eaLnBrk="1" latinLnBrk="0" hangingPunct="1">
         <a:lnSpc>
           <a:spcPct val="90000"/>
         </a:lnSpc>
         <a:spcBef>
-          <a:spcPts val="500"/>
+          <a:spcPts val="200"/>
         </a:spcBef>
-        <a:buFont typeface="Arial" panose="020B0604020202020204" pitchFamily="34" charset="0"/>
-        <a:buChar char="•"/>
-        <a:defRPr sz="2400" kern="1200">
+        <a:spcAft>
+          <a:spcPts val="400"/>
+        </a:spcAft>
+        <a:buClr>
+          <a:schemeClr val="accent1"/>
+        </a:buClr>
+        <a:buFont typeface="Calibri" pitchFamily="34" charset="0"/>
+        <a:buChar char="◦"/>
+        <a:defRPr sz="1800" kern="1200">
           <a:solidFill>
-            <a:schemeClr val="tx1"/>
+            <a:schemeClr val="tx1">
+              <a:lumMod val="75000"/>
+              <a:lumOff val="25000"/>
+            </a:schemeClr>
           </a:solidFill>
           <a:latin typeface="+mn-lt"/>
           <a:ea typeface="+mn-ea"/>
           <a:cs typeface="+mn-cs"/>
         </a:defRPr>
       </a:lvl2pPr>
-      <a:lvl3pPr marL="1143000" indent="-228600" algn="l" defTabSz="914400" rtl="0" eaLnBrk="1" latinLnBrk="0" hangingPunct="1">
+      <a:lvl3pPr marL="566928" indent="-182880" algn="l" defTabSz="914400" rtl="0" eaLnBrk="1" latinLnBrk="0" hangingPunct="1">
         <a:lnSpc>
           <a:spcPct val="90000"/>
         </a:lnSpc>
         <a:spcBef>
-          <a:spcPts val="500"/>
+          <a:spcPts val="200"/>
         </a:spcBef>
-        <a:buFont typeface="Arial" panose="020B0604020202020204" pitchFamily="34" charset="0"/>
-        <a:buChar char="•"/>
-        <a:defRPr sz="2000" kern="1200">
+        <a:spcAft>
+          <a:spcPts val="400"/>
+        </a:spcAft>
+        <a:buClr>
+          <a:schemeClr val="accent1"/>
+        </a:buClr>
+        <a:buFont typeface="Calibri" pitchFamily="34" charset="0"/>
+        <a:buChar char="◦"/>
+        <a:defRPr sz="1400" kern="1200">
           <a:solidFill>
-            <a:schemeClr val="tx1"/>
+            <a:schemeClr val="tx1">
+              <a:lumMod val="75000"/>
+              <a:lumOff val="25000"/>
+            </a:schemeClr>
           </a:solidFill>
           <a:latin typeface="+mn-lt"/>
           <a:ea typeface="+mn-ea"/>
           <a:cs typeface="+mn-cs"/>
         </a:defRPr>
       </a:lvl3pPr>
-      <a:lvl4pPr marL="1600200" indent="-228600" algn="l" defTabSz="914400" rtl="0" eaLnBrk="1" latinLnBrk="0" hangingPunct="1">
+      <a:lvl4pPr marL="749808" indent="-182880" algn="l" defTabSz="914400" rtl="0" eaLnBrk="1" latinLnBrk="0" hangingPunct="1">
         <a:lnSpc>
           <a:spcPct val="90000"/>
         </a:lnSpc>
         <a:spcBef>
-          <a:spcPts val="500"/>
+          <a:spcPts val="200"/>
         </a:spcBef>
-        <a:buFont typeface="Arial" panose="020B0604020202020204" pitchFamily="34" charset="0"/>
-        <a:buChar char="•"/>
-        <a:defRPr sz="1800" kern="1200">
+        <a:spcAft>
+          <a:spcPts val="400"/>
+        </a:spcAft>
+        <a:buClr>
+          <a:schemeClr val="accent1"/>
+        </a:buClr>
+        <a:buFont typeface="Calibri" pitchFamily="34" charset="0"/>
+        <a:buChar char="◦"/>
+        <a:defRPr sz="1400" kern="1200">
           <a:solidFill>
-            <a:schemeClr val="tx1"/>
+            <a:schemeClr val="tx1">
+              <a:lumMod val="75000"/>
+              <a:lumOff val="25000"/>
+            </a:schemeClr>
           </a:solidFill>
           <a:latin typeface="+mn-lt"/>
           <a:ea typeface="+mn-ea"/>
           <a:cs typeface="+mn-cs"/>
         </a:defRPr>
       </a:lvl4pPr>
-      <a:lvl5pPr marL="2057400" indent="-228600" algn="l" defTabSz="914400" rtl="0" eaLnBrk="1" latinLnBrk="0" hangingPunct="1">
+      <a:lvl5pPr marL="932688" indent="-182880" algn="l" defTabSz="914400" rtl="0" eaLnBrk="1" latinLnBrk="0" hangingPunct="1">
         <a:lnSpc>
           <a:spcPct val="90000"/>
         </a:lnSpc>
         <a:spcBef>
-          <a:spcPts val="500"/>
+          <a:spcPts val="200"/>
         </a:spcBef>
-        <a:buFont typeface="Arial" panose="020B0604020202020204" pitchFamily="34" charset="0"/>
-        <a:buChar char="•"/>
-        <a:defRPr sz="1800" kern="1200">
+        <a:spcAft>
+          <a:spcPts val="400"/>
+        </a:spcAft>
+        <a:buClr>
+          <a:schemeClr val="accent1"/>
+        </a:buClr>
+        <a:buFont typeface="Calibri" pitchFamily="34" charset="0"/>
+        <a:buChar char="◦"/>
+        <a:defRPr sz="1400" kern="1200">
           <a:solidFill>
-            <a:schemeClr val="tx1"/>
+            <a:schemeClr val="tx1">
+              <a:lumMod val="75000"/>
+              <a:lumOff val="25000"/>
+            </a:schemeClr>
           </a:solidFill>
           <a:latin typeface="+mn-lt"/>
           <a:ea typeface="+mn-ea"/>
           <a:cs typeface="+mn-cs"/>
         </a:defRPr>
       </a:lvl5pPr>
-      <a:lvl6pPr marL="2514600" indent="-228600" algn="l" defTabSz="914400" rtl="0" eaLnBrk="1" latinLnBrk="0" hangingPunct="1">
+      <a:lvl6pPr marL="1100000" indent="-228600" algn="l" defTabSz="914400" rtl="0" eaLnBrk="1" latinLnBrk="0" hangingPunct="1">
         <a:lnSpc>
           <a:spcPct val="90000"/>
         </a:lnSpc>
         <a:spcBef>
-          <a:spcPts val="500"/>
+          <a:spcPts val="200"/>
         </a:spcBef>
-        <a:buFont typeface="Arial" panose="020B0604020202020204" pitchFamily="34" charset="0"/>
-        <a:buChar char="•"/>
-        <a:defRPr sz="1800" kern="1200">
+        <a:spcAft>
+          <a:spcPts val="400"/>
+        </a:spcAft>
+        <a:buClr>
+          <a:schemeClr val="accent1"/>
+        </a:buClr>
+        <a:buFont typeface="Calibri" pitchFamily="34" charset="0"/>
+        <a:buChar char="◦"/>
+        <a:defRPr sz="1400" kern="1200">
           <a:solidFill>
-            <a:schemeClr val="tx1"/>
+            <a:schemeClr val="tx1">
+              <a:lumMod val="75000"/>
+              <a:lumOff val="25000"/>
+            </a:schemeClr>
           </a:solidFill>
           <a:latin typeface="+mn-lt"/>
           <a:ea typeface="+mn-ea"/>
           <a:cs typeface="+mn-cs"/>
         </a:defRPr>
       </a:lvl6pPr>
-      <a:lvl7pPr marL="2971800" indent="-228600" algn="l" defTabSz="914400" rtl="0" eaLnBrk="1" latinLnBrk="0" hangingPunct="1">
+      <a:lvl7pPr marL="1300000" indent="-228600" algn="l" defTabSz="914400" rtl="0" eaLnBrk="1" latinLnBrk="0" hangingPunct="1">
         <a:lnSpc>
           <a:spcPct val="90000"/>
         </a:lnSpc>
         <a:spcBef>
-          <a:spcPts val="500"/>
+          <a:spcPts val="200"/>
         </a:spcBef>
-        <a:buFont typeface="Arial" panose="020B0604020202020204" pitchFamily="34" charset="0"/>
-        <a:buChar char="•"/>
-        <a:defRPr sz="1800" kern="1200">
+        <a:spcAft>
+          <a:spcPts val="400"/>
+        </a:spcAft>
+        <a:buClr>
+          <a:schemeClr val="accent1"/>
+        </a:buClr>
+        <a:buFont typeface="Calibri" pitchFamily="34" charset="0"/>
+        <a:buChar char="◦"/>
+        <a:defRPr sz="1400" kern="1200">
           <a:solidFill>
-            <a:schemeClr val="tx1"/>
+            <a:schemeClr val="tx1">
+              <a:lumMod val="75000"/>
+              <a:lumOff val="25000"/>
+            </a:schemeClr>
           </a:solidFill>
           <a:latin typeface="+mn-lt"/>
           <a:ea typeface="+mn-ea"/>
           <a:cs typeface="+mn-cs"/>
         </a:defRPr>
       </a:lvl7pPr>
-      <a:lvl8pPr marL="3429000" indent="-228600" algn="l" defTabSz="914400" rtl="0" eaLnBrk="1" latinLnBrk="0" hangingPunct="1">
+      <a:lvl8pPr marL="1500000" indent="-228600" algn="l" defTabSz="914400" rtl="0" eaLnBrk="1" latinLnBrk="0" hangingPunct="1">
         <a:lnSpc>
           <a:spcPct val="90000"/>
         </a:lnSpc>
         <a:spcBef>
-          <a:spcPts val="500"/>
+          <a:spcPts val="200"/>
         </a:spcBef>
-        <a:buFont typeface="Arial" panose="020B0604020202020204" pitchFamily="34" charset="0"/>
-        <a:buChar char="•"/>
-        <a:defRPr sz="1800" kern="1200">
+        <a:spcAft>
+          <a:spcPts val="400"/>
+        </a:spcAft>
+        <a:buClr>
+          <a:schemeClr val="accent1"/>
+        </a:buClr>
+        <a:buFont typeface="Calibri" pitchFamily="34" charset="0"/>
+        <a:buChar char="◦"/>
+        <a:defRPr sz="1400" kern="1200">
           <a:solidFill>
-            <a:schemeClr val="tx1"/>
+            <a:schemeClr val="tx1">
+              <a:lumMod val="75000"/>
+              <a:lumOff val="25000"/>
+            </a:schemeClr>
           </a:solidFill>
           <a:latin typeface="+mn-lt"/>
           <a:ea typeface="+mn-ea"/>
           <a:cs typeface="+mn-cs"/>
         </a:defRPr>
       </a:lvl8pPr>
-      <a:lvl9pPr marL="3886200" indent="-228600" algn="l" defTabSz="914400" rtl="0" eaLnBrk="1" latinLnBrk="0" hangingPunct="1">
+      <a:lvl9pPr marL="1700000" indent="-228600" algn="l" defTabSz="914400" rtl="0" eaLnBrk="1" latinLnBrk="0" hangingPunct="1">
         <a:lnSpc>
           <a:spcPct val="90000"/>
         </a:lnSpc>
         <a:spcBef>
-          <a:spcPts val="500"/>
+          <a:spcPts val="200"/>
         </a:spcBef>
-        <a:buFont typeface="Arial" panose="020B0604020202020204" pitchFamily="34" charset="0"/>
-        <a:buChar char="•"/>
-        <a:defRPr sz="1800" kern="1200">
+        <a:spcAft>
+          <a:spcPts val="400"/>
+        </a:spcAft>
+        <a:buClr>
+          <a:schemeClr val="accent1"/>
+        </a:buClr>
+        <a:buFont typeface="Calibri" pitchFamily="34" charset="0"/>
+        <a:buChar char="◦"/>
+        <a:defRPr sz="1400" kern="1200">
           <a:solidFill>
-            <a:schemeClr val="tx1"/>
+            <a:schemeClr val="tx1">
+              <a:lumMod val="75000"/>
+              <a:lumOff val="25000"/>
+            </a:schemeClr>
           </a:solidFill>
           <a:latin typeface="+mn-lt"/>
           <a:ea typeface="+mn-ea"/>
@@ -3009,6 +3855,26 @@
           <a:bodyPr/>
           <a:lstStyle/>
           <a:p>
+            <a:r>
+              <a:rPr lang="en-US" dirty="0" smtClean="0"/>
+              <a:t>Mohammed Chowdhury, </a:t>
+            </a:r>
+            <a:r>
+              <a:rPr lang="en-US" dirty="0" err="1" smtClean="0"/>
+              <a:t>Yuhuan</a:t>
+            </a:r>
+            <a:r>
+              <a:rPr lang="en-US" dirty="0" smtClean="0"/>
+              <a:t> Huang, </a:t>
+            </a:r>
+            <a:r>
+              <a:rPr lang="en-US" dirty="0" err="1" smtClean="0"/>
+              <a:t>Minxiang</a:t>
+            </a:r>
+            <a:r>
+              <a:rPr lang="en-US" dirty="0" smtClean="0"/>
+              <a:t> Jiang</a:t>
+            </a:r>
             <a:endParaRPr lang="en-US" dirty="0"/>
           </a:p>
         </p:txBody>
@@ -3065,6 +3931,7 @@
           <a:bodyPr/>
           <a:lstStyle/>
           <a:p>
+            <a:pPr algn="ctr"/>
             <a:r>
               <a:rPr lang="en-US" dirty="0" smtClean="0"/>
               <a:t>Reversal New Highs Pattern (For Longs)</a:t>
@@ -3136,6 +4003,13 @@
   <p:clrMapOvr>
     <a:masterClrMapping/>
   </p:clrMapOvr>
+  <p:timing>
+    <p:tnLst>
+      <p:par>
+        <p:cTn id="1" dur="indefinite" restart="never" nodeType="tmRoot"/>
+      </p:par>
+    </p:tnLst>
+  </p:timing>
 </p:sld>
 </file>
 
@@ -3263,6 +4137,13 @@
   <p:clrMapOvr>
     <a:masterClrMapping/>
   </p:clrMapOvr>
+  <p:timing>
+    <p:tnLst>
+      <p:par>
+        <p:cTn id="1" dur="indefinite" restart="never" nodeType="tmRoot"/>
+      </p:par>
+    </p:tnLst>
+  </p:timing>
 </p:sld>
 </file>
 
@@ -3305,7 +4186,7 @@
         </p:blipFill>
         <p:spPr>
           <a:xfrm>
-            <a:off x="1529271" y="304608"/>
+            <a:off x="1387756" y="173980"/>
             <a:ext cx="9138696" cy="5864860"/>
           </a:xfrm>
           <a:prstGeom prst="rect">
@@ -3359,7 +4240,7 @@
         </p:blipFill>
         <p:spPr>
           <a:xfrm>
-            <a:off x="162096" y="859462"/>
+            <a:off x="134936" y="1547526"/>
             <a:ext cx="11901057" cy="3260400"/>
           </a:xfrm>
           <a:prstGeom prst="rect">
@@ -3367,6 +4248,37 @@
           </a:prstGeom>
         </p:spPr>
       </p:pic>
+      <p:sp>
+        <p:nvSpPr>
+          <p:cNvPr id="2" name="TextBox 1"/>
+          <p:cNvSpPr txBox="1"/>
+          <p:nvPr/>
+        </p:nvSpPr>
+        <p:spPr>
+          <a:xfrm>
+            <a:off x="416460" y="995881"/>
+            <a:ext cx="10900372" cy="369332"/>
+          </a:xfrm>
+          <a:prstGeom prst="rect">
+            <a:avLst/>
+          </a:prstGeom>
+          <a:noFill/>
+        </p:spPr>
+        <p:txBody>
+          <a:bodyPr wrap="square" rtlCol="0">
+            <a:spAutoFit/>
+          </a:bodyPr>
+          <a:lstStyle/>
+          <a:p>
+            <a:pPr algn="ctr"/>
+            <a:r>
+              <a:rPr lang="en-US" dirty="0" smtClean="0"/>
+              <a:t>Reversal New Highs w/ 15 Day Hold Limit</a:t>
+            </a:r>
+            <a:endParaRPr lang="en-US" dirty="0"/>
+          </a:p>
+        </p:txBody>
+      </p:sp>
     </p:spTree>
     <p:extLst>
       <p:ext uri="{BB962C8B-B14F-4D97-AF65-F5344CB8AC3E}">
@@ -3473,7 +4385,7 @@
         </p:blipFill>
         <p:spPr>
           <a:xfrm>
-            <a:off x="207655" y="757400"/>
+            <a:off x="271029" y="1617480"/>
             <a:ext cx="11624289" cy="3260400"/>
           </a:xfrm>
           <a:prstGeom prst="rect">
@@ -3481,6 +4393,37 @@
           </a:prstGeom>
         </p:spPr>
       </p:pic>
+      <p:sp>
+        <p:nvSpPr>
+          <p:cNvPr id="3" name="TextBox 2"/>
+          <p:cNvSpPr txBox="1"/>
+          <p:nvPr/>
+        </p:nvSpPr>
+        <p:spPr>
+          <a:xfrm>
+            <a:off x="416460" y="995881"/>
+            <a:ext cx="10900372" cy="369332"/>
+          </a:xfrm>
+          <a:prstGeom prst="rect">
+            <a:avLst/>
+          </a:prstGeom>
+          <a:noFill/>
+        </p:spPr>
+        <p:txBody>
+          <a:bodyPr wrap="square" rtlCol="0">
+            <a:spAutoFit/>
+          </a:bodyPr>
+          <a:lstStyle/>
+          <a:p>
+            <a:pPr algn="ctr"/>
+            <a:r>
+              <a:rPr lang="en-US" dirty="0" smtClean="0"/>
+              <a:t>Reversal New Highs w/ No Hold Limit</a:t>
+            </a:r>
+            <a:endParaRPr lang="en-US" dirty="0"/>
+          </a:p>
+        </p:txBody>
+      </p:sp>
     </p:spTree>
     <p:extLst>
       <p:ext uri="{BB962C8B-B14F-4D97-AF65-F5344CB8AC3E}">
@@ -3494,48 +4437,145 @@
 </p:sld>
 </file>
 
+<file path=ppt/slides/slide9.xml><?xml version="1.0" encoding="utf-8"?>
+<p:sld xmlns:a="http://schemas.openxmlformats.org/drawingml/2006/main" xmlns:r="http://schemas.openxmlformats.org/officeDocument/2006/relationships" xmlns:p="http://schemas.openxmlformats.org/presentationml/2006/main">
+  <p:cSld>
+    <p:spTree>
+      <p:nvGrpSpPr>
+        <p:cNvPr id="1" name=""/>
+        <p:cNvGrpSpPr/>
+        <p:nvPr/>
+      </p:nvGrpSpPr>
+      <p:grpSpPr>
+        <a:xfrm>
+          <a:off x="0" y="0"/>
+          <a:ext cx="0" cy="0"/>
+          <a:chOff x="0" y="0"/>
+          <a:chExt cx="0" cy="0"/>
+        </a:xfrm>
+      </p:grpSpPr>
+      <p:sp>
+        <p:nvSpPr>
+          <p:cNvPr id="2" name="Title 1"/>
+          <p:cNvSpPr>
+            <a:spLocks noGrp="1"/>
+          </p:cNvSpPr>
+          <p:nvPr>
+            <p:ph type="title"/>
+          </p:nvPr>
+        </p:nvSpPr>
+        <p:spPr/>
+        <p:txBody>
+          <a:bodyPr/>
+          <a:lstStyle/>
+          <a:p>
+            <a:pPr algn="ctr"/>
+            <a:r>
+              <a:rPr lang="en-US" dirty="0" smtClean="0"/>
+              <a:t>Conclusions</a:t>
+            </a:r>
+            <a:endParaRPr lang="en-US" dirty="0"/>
+          </a:p>
+        </p:txBody>
+      </p:sp>
+      <p:sp>
+        <p:nvSpPr>
+          <p:cNvPr id="3" name="Content Placeholder 2"/>
+          <p:cNvSpPr>
+            <a:spLocks noGrp="1"/>
+          </p:cNvSpPr>
+          <p:nvPr>
+            <p:ph idx="1"/>
+          </p:nvPr>
+        </p:nvSpPr>
+        <p:spPr/>
+        <p:txBody>
+          <a:bodyPr/>
+          <a:lstStyle/>
+          <a:p>
+            <a:r>
+              <a:rPr lang="en-US" dirty="0" smtClean="0"/>
+              <a:t>In general, Reversal New Highs is not a very successful pattern. Although the average PLs are positive, it often has negative PLs for shorts.</a:t>
+            </a:r>
+          </a:p>
+          <a:p>
+            <a:r>
+              <a:rPr lang="en-US" dirty="0" smtClean="0"/>
+              <a:t>Even for successful combinations of stop loss and target values, the average PL is not very high (often below 1%). </a:t>
+            </a:r>
+          </a:p>
+          <a:p>
+            <a:r>
+              <a:rPr lang="en-US" dirty="0" smtClean="0"/>
+              <a:t>If you execute the pattern without a holding period limit, you end up holding for very long periods of times with mediocre </a:t>
+            </a:r>
+            <a:r>
+              <a:rPr lang="en-US" dirty="0" err="1" smtClean="0"/>
+              <a:t>PLs.</a:t>
+            </a:r>
+            <a:r>
+              <a:rPr lang="en-US" dirty="0" smtClean="0"/>
+              <a:t>  </a:t>
+            </a:r>
+            <a:endParaRPr lang="en-US" dirty="0"/>
+          </a:p>
+        </p:txBody>
+      </p:sp>
+    </p:spTree>
+    <p:extLst>
+      <p:ext uri="{BB962C8B-B14F-4D97-AF65-F5344CB8AC3E}">
+        <p14:creationId xmlns:p14="http://schemas.microsoft.com/office/powerpoint/2010/main" val="2313579686"/>
+      </p:ext>
+    </p:extLst>
+  </p:cSld>
+  <p:clrMapOvr>
+    <a:masterClrMapping/>
+  </p:clrMapOvr>
+</p:sld>
+</file>
+
 <file path=ppt/theme/theme1.xml><?xml version="1.0" encoding="utf-8"?>
-<a:theme xmlns:a="http://schemas.openxmlformats.org/drawingml/2006/main" name="Office Theme">
+<a:theme xmlns:a="http://schemas.openxmlformats.org/drawingml/2006/main" name="Retrospect">
   <a:themeElements>
-    <a:clrScheme name="Office">
+    <a:clrScheme name="Retrospect">
       <a:dk1>
-        <a:sysClr val="windowText" lastClr="000000"/>
+        <a:srgbClr val="000000"/>
       </a:dk1>
       <a:lt1>
         <a:sysClr val="window" lastClr="FFFFFF"/>
       </a:lt1>
       <a:dk2>
-        <a:srgbClr val="44546A"/>
+        <a:srgbClr val="637052"/>
       </a:dk2>
       <a:lt2>
-        <a:srgbClr val="E7E6E6"/>
+        <a:srgbClr val="CCDDEA"/>
       </a:lt2>
       <a:accent1>
-        <a:srgbClr val="5B9BD5"/>
+        <a:srgbClr val="E48312"/>
       </a:accent1>
       <a:accent2>
-        <a:srgbClr val="ED7D31"/>
+        <a:srgbClr val="BD582C"/>
       </a:accent2>
       <a:accent3>
-        <a:srgbClr val="A5A5A5"/>
+        <a:srgbClr val="865640"/>
       </a:accent3>
       <a:accent4>
-        <a:srgbClr val="FFC000"/>
+        <a:srgbClr val="9B8357"/>
       </a:accent4>
       <a:accent5>
-        <a:srgbClr val="4472C4"/>
+        <a:srgbClr val="C2BC80"/>
       </a:accent5>
       <a:accent6>
-        <a:srgbClr val="70AD47"/>
+        <a:srgbClr val="94A088"/>
       </a:accent6>
       <a:hlink>
-        <a:srgbClr val="0563C1"/>
+        <a:srgbClr val="2998E3"/>
       </a:hlink>
       <a:folHlink>
-        <a:srgbClr val="954F72"/>
+        <a:srgbClr val="8C8C8C"/>
       </a:folHlink>
     </a:clrScheme>
-    <a:fontScheme name="Office">
+    <a:fontScheme name="Retrospect">
       <a:majorFont>
         <a:latin typeface="Calibri Light" panose="020F0302020204030204"/>
         <a:ea typeface=""/>
@@ -3607,7 +4647,7 @@
         <a:font script="Geor" typeface="Sylfaen"/>
       </a:minorFont>
     </a:fontScheme>
-    <a:fmtScheme name="Office">
+    <a:fmtScheme name="Retrospect">
       <a:fillStyleLst>
         <a:solidFill>
           <a:schemeClr val="phClr"/>
@@ -3616,76 +4656,81 @@
           <a:gsLst>
             <a:gs pos="0">
               <a:schemeClr val="phClr">
-                <a:lumMod val="110000"/>
-                <a:satMod val="105000"/>
-                <a:tint val="67000"/>
+                <a:tint val="65000"/>
+                <a:shade val="92000"/>
+                <a:satMod val="130000"/>
               </a:schemeClr>
             </a:gs>
-            <a:gs pos="50000">
+            <a:gs pos="45000">
               <a:schemeClr val="phClr">
-                <a:lumMod val="105000"/>
-                <a:satMod val="103000"/>
-                <a:tint val="73000"/>
+                <a:tint val="60000"/>
+                <a:shade val="99000"/>
+                <a:satMod val="120000"/>
               </a:schemeClr>
             </a:gs>
             <a:gs pos="100000">
               <a:schemeClr val="phClr">
-                <a:lumMod val="105000"/>
-                <a:satMod val="109000"/>
-                <a:tint val="81000"/>
+                <a:tint val="55000"/>
+                <a:satMod val="140000"/>
               </a:schemeClr>
             </a:gs>
           </a:gsLst>
-          <a:lin ang="5400000" scaled="0"/>
+          <a:path path="circle">
+            <a:fillToRect l="100000" t="100000" r="100000" b="100000"/>
+          </a:path>
         </a:gradFill>
         <a:gradFill rotWithShape="1">
           <a:gsLst>
             <a:gs pos="0">
               <a:schemeClr val="phClr">
-                <a:satMod val="103000"/>
-                <a:lumMod val="102000"/>
-                <a:tint val="94000"/>
+                <a:shade val="85000"/>
+                <a:satMod val="130000"/>
               </a:schemeClr>
             </a:gs>
-            <a:gs pos="50000">
+            <a:gs pos="34000">
               <a:schemeClr val="phClr">
-                <a:satMod val="110000"/>
-                <a:lumMod val="100000"/>
-                <a:shade val="100000"/>
+                <a:shade val="87000"/>
+                <a:satMod val="125000"/>
+              </a:schemeClr>
+            </a:gs>
+            <a:gs pos="70000">
+              <a:schemeClr val="phClr">
+                <a:tint val="100000"/>
+                <a:shade val="90000"/>
+                <a:satMod val="130000"/>
               </a:schemeClr>
             </a:gs>
             <a:gs pos="100000">
               <a:schemeClr val="phClr">
-                <a:lumMod val="99000"/>
-                <a:satMod val="120000"/>
-                <a:shade val="78000"/>
+                <a:tint val="100000"/>
+                <a:shade val="100000"/>
+                <a:satMod val="110000"/>
               </a:schemeClr>
             </a:gs>
           </a:gsLst>
-          <a:lin ang="5400000" scaled="0"/>
+          <a:path path="circle">
+            <a:fillToRect l="100000" t="100000" r="100000" b="100000"/>
+          </a:path>
         </a:gradFill>
       </a:fillStyleLst>
       <a:lnStyleLst>
-        <a:ln w="6350" cap="flat" cmpd="sng" algn="ctr">
-          <a:solidFill>
-            <a:schemeClr val="phClr"/>
-          </a:solidFill>
-          <a:prstDash val="solid"/>
-          <a:miter lim="800000"/>
-        </a:ln>
         <a:ln w="12700" cap="flat" cmpd="sng" algn="ctr">
           <a:solidFill>
             <a:schemeClr val="phClr"/>
           </a:solidFill>
           <a:prstDash val="solid"/>
-          <a:miter lim="800000"/>
         </a:ln>
-        <a:ln w="19050" cap="flat" cmpd="sng" algn="ctr">
+        <a:ln w="15875" cap="flat" cmpd="sng" algn="ctr">
           <a:solidFill>
             <a:schemeClr val="phClr"/>
           </a:solidFill>
           <a:prstDash val="solid"/>
-          <a:miter lim="800000"/>
+        </a:ln>
+        <a:ln w="25400" cap="flat" cmpd="sng" algn="ctr">
+          <a:solidFill>
+            <a:schemeClr val="phClr"/>
+          </a:solidFill>
+          <a:prstDash val="solid"/>
         </a:ln>
       </a:lnStyleLst>
       <a:effectStyleLst>
@@ -3693,16 +4738,33 @@
           <a:effectLst/>
         </a:effectStyle>
         <a:effectStyle>
-          <a:effectLst/>
+          <a:effectLst>
+            <a:outerShdw blurRad="38100" dist="25400" dir="2700000" algn="br" rotWithShape="0">
+              <a:srgbClr val="000000">
+                <a:alpha val="60000"/>
+              </a:srgbClr>
+            </a:outerShdw>
+          </a:effectLst>
         </a:effectStyle>
         <a:effectStyle>
           <a:effectLst>
-            <a:outerShdw blurRad="57150" dist="19050" dir="5400000" algn="ctr" rotWithShape="0">
+            <a:outerShdw blurRad="44450" dist="25400" dir="2700000" algn="br" rotWithShape="0">
               <a:srgbClr val="000000">
-                <a:alpha val="63000"/>
+                <a:alpha val="60000"/>
               </a:srgbClr>
             </a:outerShdw>
           </a:effectLst>
+          <a:scene3d>
+            <a:camera prst="orthographicFront">
+              <a:rot lat="0" lon="0" rev="0"/>
+            </a:camera>
+            <a:lightRig rig="threePt" dir="t">
+              <a:rot lat="0" lon="0" rev="19800000"/>
+            </a:lightRig>
+          </a:scene3d>
+          <a:sp3d prstMaterial="flat">
+            <a:bevelT w="25400" h="31750"/>
+          </a:sp3d>
         </a:effectStyle>
       </a:effectStyleLst>
       <a:bgFillStyleLst>
@@ -3711,36 +4773,36 @@
         </a:solidFill>
         <a:solidFill>
           <a:schemeClr val="phClr">
-            <a:tint val="95000"/>
-            <a:satMod val="170000"/>
+            <a:tint val="90000"/>
+            <a:shade val="97000"/>
+            <a:satMod val="130000"/>
           </a:schemeClr>
         </a:solidFill>
         <a:gradFill rotWithShape="1">
           <a:gsLst>
             <a:gs pos="0">
               <a:schemeClr val="phClr">
-                <a:tint val="93000"/>
-                <a:satMod val="150000"/>
-                <a:shade val="98000"/>
-                <a:lumMod val="102000"/>
+                <a:tint val="96000"/>
+                <a:shade val="99000"/>
+                <a:satMod val="140000"/>
               </a:schemeClr>
             </a:gs>
-            <a:gs pos="50000">
+            <a:gs pos="65000">
               <a:schemeClr val="phClr">
-                <a:tint val="98000"/>
+                <a:tint val="100000"/>
+                <a:shade val="80000"/>
                 <a:satMod val="130000"/>
-                <a:shade val="90000"/>
-                <a:lumMod val="103000"/>
               </a:schemeClr>
             </a:gs>
             <a:gs pos="100000">
               <a:schemeClr val="phClr">
-                <a:shade val="63000"/>
+                <a:tint val="100000"/>
+                <a:shade val="48000"/>
                 <a:satMod val="120000"/>
               </a:schemeClr>
             </a:gs>
           </a:gsLst>
-          <a:lin ang="5400000" scaled="0"/>
+          <a:lin ang="16200000" scaled="0"/>
         </a:gradFill>
       </a:bgFillStyleLst>
     </a:fmtScheme>
@@ -3749,7 +4811,7 @@
   <a:extraClrSchemeLst/>
   <a:extLst>
     <a:ext uri="{05A4C25C-085E-4340-85A3-A5531E510DB2}">
-      <thm15:themeFamily xmlns:thm15="http://schemas.microsoft.com/office/thememl/2012/main" name="Office Theme" id="{62F939B6-93AF-4DB8-9C6B-D6C7DFDC589F}" vid="{4A3C46E8-61CC-4603-A589-7422A47A8E4A}"/>
+      <thm15:themeFamily xmlns:thm15="http://schemas.microsoft.com/office/thememl/2012/main" name="Retrospect" id="{5F128B03-DCCA-4EEB-AB3B-CF2899314A46}" vid="{3F1AAB62-24C6-49D2-8E01-B56FAC9A3DCD}"/>
     </a:ext>
   </a:extLst>
 </a:theme>

--- a/Reversal New Highs.pptx
+++ b/Reversal New Highs.pptx
@@ -346,7 +346,7 @@
           <a:p>
             <a:fld id="{2612FB0F-5957-4199-B8A1-4B580505A0B0}" type="datetimeFigureOut">
               <a:rPr lang="en-US" smtClean="0"/>
-              <a:t>11/28/2017</a:t>
+              <a:t>12/5/2017</a:t>
             </a:fld>
             <a:endParaRPr lang="en-US"/>
           </a:p>
@@ -554,7 +554,7 @@
           <a:p>
             <a:fld id="{2612FB0F-5957-4199-B8A1-4B580505A0B0}" type="datetimeFigureOut">
               <a:rPr lang="en-US" smtClean="0"/>
-              <a:t>11/28/2017</a:t>
+              <a:t>12/5/2017</a:t>
             </a:fld>
             <a:endParaRPr lang="en-US"/>
           </a:p>
@@ -810,7 +810,7 @@
           <a:p>
             <a:fld id="{2612FB0F-5957-4199-B8A1-4B580505A0B0}" type="datetimeFigureOut">
               <a:rPr lang="en-US" smtClean="0"/>
-              <a:t>11/28/2017</a:t>
+              <a:t>12/5/2017</a:t>
             </a:fld>
             <a:endParaRPr lang="en-US"/>
           </a:p>
@@ -984,7 +984,7 @@
           <a:p>
             <a:fld id="{2612FB0F-5957-4199-B8A1-4B580505A0B0}" type="datetimeFigureOut">
               <a:rPr lang="en-US" smtClean="0"/>
-              <a:t>11/28/2017</a:t>
+              <a:t>12/5/2017</a:t>
             </a:fld>
             <a:endParaRPr lang="en-US"/>
           </a:p>
@@ -1327,7 +1327,7 @@
           <a:p>
             <a:fld id="{2612FB0F-5957-4199-B8A1-4B580505A0B0}" type="datetimeFigureOut">
               <a:rPr lang="en-US" smtClean="0"/>
-              <a:t>11/28/2017</a:t>
+              <a:t>12/5/2017</a:t>
             </a:fld>
             <a:endParaRPr lang="en-US"/>
           </a:p>
@@ -1602,7 +1602,7 @@
           <a:p>
             <a:fld id="{2612FB0F-5957-4199-B8A1-4B580505A0B0}" type="datetimeFigureOut">
               <a:rPr lang="en-US" smtClean="0"/>
-              <a:t>11/28/2017</a:t>
+              <a:t>12/5/2017</a:t>
             </a:fld>
             <a:endParaRPr lang="en-US"/>
           </a:p>
@@ -1981,7 +1981,7 @@
           <a:p>
             <a:fld id="{2612FB0F-5957-4199-B8A1-4B580505A0B0}" type="datetimeFigureOut">
               <a:rPr lang="en-US" smtClean="0"/>
-              <a:t>11/28/2017</a:t>
+              <a:t>12/5/2017</a:t>
             </a:fld>
             <a:endParaRPr lang="en-US"/>
           </a:p>
@@ -2099,7 +2099,7 @@
           <a:p>
             <a:fld id="{2612FB0F-5957-4199-B8A1-4B580505A0B0}" type="datetimeFigureOut">
               <a:rPr lang="en-US" smtClean="0"/>
-              <a:t>11/28/2017</a:t>
+              <a:t>12/5/2017</a:t>
             </a:fld>
             <a:endParaRPr lang="en-US"/>
           </a:p>
@@ -2270,7 +2270,7 @@
           <a:p>
             <a:fld id="{2612FB0F-5957-4199-B8A1-4B580505A0B0}" type="datetimeFigureOut">
               <a:rPr lang="en-US" smtClean="0"/>
-              <a:t>11/28/2017</a:t>
+              <a:t>12/5/2017</a:t>
             </a:fld>
             <a:endParaRPr lang="en-US"/>
           </a:p>
@@ -2624,7 +2624,7 @@
           <a:p>
             <a:fld id="{2612FB0F-5957-4199-B8A1-4B580505A0B0}" type="datetimeFigureOut">
               <a:rPr lang="en-US" smtClean="0"/>
-              <a:t>11/28/2017</a:t>
+              <a:t>12/5/2017</a:t>
             </a:fld>
             <a:endParaRPr lang="en-US"/>
           </a:p>
@@ -3006,7 +3006,7 @@
           <a:p>
             <a:fld id="{2612FB0F-5957-4199-B8A1-4B580505A0B0}" type="datetimeFigureOut">
               <a:rPr lang="en-US" smtClean="0"/>
-              <a:t>11/28/2017</a:t>
+              <a:t>12/5/2017</a:t>
             </a:fld>
             <a:endParaRPr lang="en-US"/>
           </a:p>
@@ -3293,7 +3293,7 @@
           <a:p>
             <a:fld id="{2612FB0F-5957-4199-B8A1-4B580505A0B0}" type="datetimeFigureOut">
               <a:rPr lang="en-US" smtClean="0"/>
-              <a:t>11/28/2017</a:t>
+              <a:t>12/5/2017</a:t>
             </a:fld>
             <a:endParaRPr lang="en-US"/>
           </a:p>
@@ -4096,37 +4096,36 @@
           <a:chExt cx="0" cy="0"/>
         </a:xfrm>
       </p:grpSpPr>
-      <p:sp>
-        <p:nvSpPr>
-          <p:cNvPr id="2" name="Title 1"/>
-          <p:cNvSpPr>
-            <a:spLocks noGrp="1"/>
-          </p:cNvSpPr>
-          <p:nvPr>
-            <p:ph type="title"/>
-          </p:nvPr>
-        </p:nvSpPr>
-        <p:spPr/>
-        <p:txBody>
-          <a:bodyPr/>
-          <a:lstStyle/>
-          <a:p>
-            <a:r>
-              <a:rPr lang="en-US" dirty="0" smtClean="0"/>
-              <a:t>Insert Flow Chart for </a:t>
-            </a:r>
-            <a:r>
-              <a:rPr lang="en-US" dirty="0" err="1" smtClean="0"/>
-              <a:t>BigMain</a:t>
-            </a:r>
-            <a:r>
-              <a:rPr lang="en-US" dirty="0" smtClean="0"/>
-              <a:t> Here</a:t>
-            </a:r>
-            <a:endParaRPr lang="en-US" dirty="0"/>
-          </a:p>
-        </p:txBody>
-      </p:sp>
+      <p:pic>
+        <p:nvPicPr>
+          <p:cNvPr id="4" name="Picture 3"/>
+          <p:cNvPicPr>
+            <a:picLocks noChangeAspect="1"/>
+          </p:cNvPicPr>
+          <p:nvPr/>
+        </p:nvPicPr>
+        <p:blipFill>
+          <a:blip r:embed="rId2">
+            <a:extLst>
+              <a:ext uri="{28A0092B-C50C-407E-A947-70E740481C1C}">
+                <a14:useLocalDpi xmlns:a14="http://schemas.microsoft.com/office/drawing/2010/main" val="0"/>
+              </a:ext>
+            </a:extLst>
+          </a:blip>
+          <a:stretch>
+            <a:fillRect/>
+          </a:stretch>
+        </p:blipFill>
+        <p:spPr>
+          <a:xfrm>
+            <a:off x="2243183" y="0"/>
+            <a:ext cx="7705149" cy="6858000"/>
+          </a:xfrm>
+          <a:prstGeom prst="rect">
+            <a:avLst/>
+          </a:prstGeom>
+        </p:spPr>
+      </p:pic>
     </p:spTree>
     <p:extLst>
       <p:ext uri="{BB962C8B-B14F-4D97-AF65-F5344CB8AC3E}">
@@ -4166,28 +4165,22 @@
       </p:grpSpPr>
       <p:pic>
         <p:nvPicPr>
-          <p:cNvPr id="5" name="Picture 4"/>
+          <p:cNvPr id="2" name="Picture 1"/>
           <p:cNvPicPr>
             <a:picLocks noChangeAspect="1"/>
           </p:cNvPicPr>
           <p:nvPr/>
         </p:nvPicPr>
         <p:blipFill>
-          <a:blip r:embed="rId2">
-            <a:extLst>
-              <a:ext uri="{28A0092B-C50C-407E-A947-70E740481C1C}">
-                <a14:useLocalDpi xmlns:a14="http://schemas.microsoft.com/office/drawing/2010/main" val="0"/>
-              </a:ext>
-            </a:extLst>
-          </a:blip>
+          <a:blip r:embed="rId2"/>
           <a:stretch>
             <a:fillRect/>
           </a:stretch>
         </p:blipFill>
         <p:spPr>
           <a:xfrm>
-            <a:off x="1387756" y="173980"/>
-            <a:ext cx="9138696" cy="5864860"/>
+            <a:off x="2291766" y="914182"/>
+            <a:ext cx="7608467" cy="5029636"/>
           </a:xfrm>
           <a:prstGeom prst="rect">
             <a:avLst/>
@@ -4224,9 +4217,40 @@
           <a:chExt cx="0" cy="0"/>
         </a:xfrm>
       </p:grpSpPr>
+      <p:sp>
+        <p:nvSpPr>
+          <p:cNvPr id="2" name="TextBox 1"/>
+          <p:cNvSpPr txBox="1"/>
+          <p:nvPr/>
+        </p:nvSpPr>
+        <p:spPr>
+          <a:xfrm>
+            <a:off x="416460" y="995881"/>
+            <a:ext cx="10900372" cy="369332"/>
+          </a:xfrm>
+          <a:prstGeom prst="rect">
+            <a:avLst/>
+          </a:prstGeom>
+          <a:noFill/>
+        </p:spPr>
+        <p:txBody>
+          <a:bodyPr wrap="square" rtlCol="0">
+            <a:spAutoFit/>
+          </a:bodyPr>
+          <a:lstStyle/>
+          <a:p>
+            <a:pPr algn="ctr"/>
+            <a:r>
+              <a:rPr lang="en-US" dirty="0" smtClean="0"/>
+              <a:t>Reversal New Highs w/ 15 Day Hold Limit</a:t>
+            </a:r>
+            <a:endParaRPr lang="en-US" dirty="0"/>
+          </a:p>
+        </p:txBody>
+      </p:sp>
       <p:pic>
         <p:nvPicPr>
-          <p:cNvPr id="5" name="Picture 4"/>
+          <p:cNvPr id="6" name="Picture 5"/>
           <p:cNvPicPr>
             <a:picLocks noChangeAspect="1"/>
           </p:cNvPicPr>
@@ -4240,7 +4264,7 @@
         </p:blipFill>
         <p:spPr>
           <a:xfrm>
-            <a:off x="134936" y="1547526"/>
+            <a:off x="145471" y="1798800"/>
             <a:ext cx="11901057" cy="3260400"/>
           </a:xfrm>
           <a:prstGeom prst="rect">
@@ -4248,37 +4272,6 @@
           </a:prstGeom>
         </p:spPr>
       </p:pic>
-      <p:sp>
-        <p:nvSpPr>
-          <p:cNvPr id="2" name="TextBox 1"/>
-          <p:cNvSpPr txBox="1"/>
-          <p:nvPr/>
-        </p:nvSpPr>
-        <p:spPr>
-          <a:xfrm>
-            <a:off x="416460" y="995881"/>
-            <a:ext cx="10900372" cy="369332"/>
-          </a:xfrm>
-          <a:prstGeom prst="rect">
-            <a:avLst/>
-          </a:prstGeom>
-          <a:noFill/>
-        </p:spPr>
-        <p:txBody>
-          <a:bodyPr wrap="square" rtlCol="0">
-            <a:spAutoFit/>
-          </a:bodyPr>
-          <a:lstStyle/>
-          <a:p>
-            <a:pPr algn="ctr"/>
-            <a:r>
-              <a:rPr lang="en-US" dirty="0" smtClean="0"/>
-              <a:t>Reversal New Highs w/ 15 Day Hold Limit</a:t>
-            </a:r>
-            <a:endParaRPr lang="en-US" dirty="0"/>
-          </a:p>
-        </p:txBody>
-      </p:sp>
     </p:spTree>
     <p:extLst>
       <p:ext uri="{BB962C8B-B14F-4D97-AF65-F5344CB8AC3E}">
@@ -4311,28 +4304,22 @@
       </p:grpSpPr>
       <p:pic>
         <p:nvPicPr>
-          <p:cNvPr id="5" name="Picture 4"/>
+          <p:cNvPr id="2" name="Picture 1"/>
           <p:cNvPicPr>
             <a:picLocks noChangeAspect="1"/>
           </p:cNvPicPr>
           <p:nvPr/>
         </p:nvPicPr>
         <p:blipFill>
-          <a:blip r:embed="rId2">
-            <a:extLst>
-              <a:ext uri="{28A0092B-C50C-407E-A947-70E740481C1C}">
-                <a14:useLocalDpi xmlns:a14="http://schemas.microsoft.com/office/drawing/2010/main" val="0"/>
-              </a:ext>
-            </a:extLst>
-          </a:blip>
+          <a:blip r:embed="rId2"/>
           <a:stretch>
             <a:fillRect/>
           </a:stretch>
         </p:blipFill>
         <p:spPr>
           <a:xfrm>
-            <a:off x="1532748" y="691659"/>
-            <a:ext cx="9126503" cy="5474682"/>
+            <a:off x="2288718" y="917230"/>
+            <a:ext cx="7614564" cy="5023539"/>
           </a:xfrm>
           <a:prstGeom prst="rect">
             <a:avLst/>
@@ -4369,9 +4356,40 @@
           <a:chExt cx="0" cy="0"/>
         </a:xfrm>
       </p:grpSpPr>
+      <p:sp>
+        <p:nvSpPr>
+          <p:cNvPr id="3" name="TextBox 2"/>
+          <p:cNvSpPr txBox="1"/>
+          <p:nvPr/>
+        </p:nvSpPr>
+        <p:spPr>
+          <a:xfrm>
+            <a:off x="416460" y="995881"/>
+            <a:ext cx="10900372" cy="369332"/>
+          </a:xfrm>
+          <a:prstGeom prst="rect">
+            <a:avLst/>
+          </a:prstGeom>
+          <a:noFill/>
+        </p:spPr>
+        <p:txBody>
+          <a:bodyPr wrap="square" rtlCol="0">
+            <a:spAutoFit/>
+          </a:bodyPr>
+          <a:lstStyle/>
+          <a:p>
+            <a:pPr algn="ctr"/>
+            <a:r>
+              <a:rPr lang="en-US" dirty="0" smtClean="0"/>
+              <a:t>Reversal New Highs w/ No Hold Limit</a:t>
+            </a:r>
+            <a:endParaRPr lang="en-US" dirty="0"/>
+          </a:p>
+        </p:txBody>
+      </p:sp>
       <p:pic>
         <p:nvPicPr>
-          <p:cNvPr id="5" name="Picture 4"/>
+          <p:cNvPr id="4" name="Picture 3"/>
           <p:cNvPicPr>
             <a:picLocks noChangeAspect="1"/>
           </p:cNvPicPr>
@@ -4385,7 +4403,7 @@
         </p:blipFill>
         <p:spPr>
           <a:xfrm>
-            <a:off x="271029" y="1617480"/>
+            <a:off x="283855" y="1798800"/>
             <a:ext cx="11624289" cy="3260400"/>
           </a:xfrm>
           <a:prstGeom prst="rect">
@@ -4393,37 +4411,6 @@
           </a:prstGeom>
         </p:spPr>
       </p:pic>
-      <p:sp>
-        <p:nvSpPr>
-          <p:cNvPr id="3" name="TextBox 2"/>
-          <p:cNvSpPr txBox="1"/>
-          <p:nvPr/>
-        </p:nvSpPr>
-        <p:spPr>
-          <a:xfrm>
-            <a:off x="416460" y="995881"/>
-            <a:ext cx="10900372" cy="369332"/>
-          </a:xfrm>
-          <a:prstGeom prst="rect">
-            <a:avLst/>
-          </a:prstGeom>
-          <a:noFill/>
-        </p:spPr>
-        <p:txBody>
-          <a:bodyPr wrap="square" rtlCol="0">
-            <a:spAutoFit/>
-          </a:bodyPr>
-          <a:lstStyle/>
-          <a:p>
-            <a:pPr algn="ctr"/>
-            <a:r>
-              <a:rPr lang="en-US" dirty="0" smtClean="0"/>
-              <a:t>Reversal New Highs w/ No Hold Limit</a:t>
-            </a:r>
-            <a:endParaRPr lang="en-US" dirty="0"/>
-          </a:p>
-        </p:txBody>
-      </p:sp>
     </p:spTree>
     <p:extLst>
       <p:ext uri="{BB962C8B-B14F-4D97-AF65-F5344CB8AC3E}">
@@ -4515,7 +4502,14 @@
             </a:r>
             <a:r>
               <a:rPr lang="en-US" dirty="0" smtClean="0"/>
-              <a:t>  </a:t>
+              <a:t> </a:t>
+            </a:r>
+            <a:endParaRPr lang="en-US" dirty="0" smtClean="0"/>
+          </a:p>
+          <a:p>
+            <a:r>
+              <a:rPr lang="en-US" dirty="0" smtClean="0"/>
+              <a:t>Changing the number for 60 day high to higher numbers (example: 120 day high) seems to increase the PL but it also decreases the number of trades and the results are still not great. </a:t>
             </a:r>
             <a:endParaRPr lang="en-US" dirty="0"/>
           </a:p>

--- a/Reversal New Highs.pptx
+++ b/Reversal New Highs.pptx
@@ -2,7 +2,7 @@
 <file path=ppt/presentation.xml><?xml version="1.0" encoding="utf-8"?>
 <p:presentation xmlns:a="http://schemas.openxmlformats.org/drawingml/2006/main" xmlns:r="http://schemas.openxmlformats.org/officeDocument/2006/relationships" xmlns:p="http://schemas.openxmlformats.org/presentationml/2006/main" saveSubsetFonts="1">
   <p:sldMasterIdLst>
-    <p:sldMasterId id="2147483725" r:id="rId1"/>
+    <p:sldMasterId id="2147483737" r:id="rId1"/>
   </p:sldMasterIdLst>
   <p:sldIdLst>
     <p:sldId id="256" r:id="rId2"/>
@@ -121,7 +121,7 @@
 </file>
 
 <file path=ppt/slideLayouts/slideLayout1.xml><?xml version="1.0" encoding="utf-8"?>
-<p:sldLayout xmlns:a="http://schemas.openxmlformats.org/drawingml/2006/main" xmlns:r="http://schemas.openxmlformats.org/officeDocument/2006/relationships" xmlns:p="http://schemas.openxmlformats.org/presentationml/2006/main" showMasterSp="0" type="title" preserve="1">
+<p:sldLayout xmlns:a="http://schemas.openxmlformats.org/drawingml/2006/main" xmlns:r="http://schemas.openxmlformats.org/officeDocument/2006/relationships" xmlns:p="http://schemas.openxmlformats.org/presentationml/2006/main" type="title" preserve="1">
   <p:cSld name="Title Slide">
     <p:spTree>
       <p:nvGrpSpPr>
@@ -139,185 +139,145 @@
       </p:grpSpPr>
       <p:sp>
         <p:nvSpPr>
-          <p:cNvPr id="7" name="Rectangle 6"/>
-          <p:cNvSpPr/>
-          <p:nvPr/>
+          <p:cNvPr id="2" name="Title 1"/>
+          <p:cNvSpPr>
+            <a:spLocks noGrp="1"/>
+          </p:cNvSpPr>
+          <p:nvPr>
+            <p:ph type="ctrTitle"/>
+          </p:nvPr>
         </p:nvSpPr>
         <p:spPr>
           <a:xfrm>
-            <a:off x="3175" y="6400800"/>
-            <a:ext cx="12188825" cy="457200"/>
+            <a:off x="1154955" y="1447800"/>
+            <a:ext cx="8825658" cy="3329581"/>
           </a:xfrm>
-          <a:prstGeom prst="rect">
-            <a:avLst/>
-          </a:prstGeom>
-          <a:solidFill>
-            <a:schemeClr val="accent2"/>
-          </a:solidFill>
-          <a:ln>
-            <a:noFill/>
-          </a:ln>
         </p:spPr>
-        <p:style>
-          <a:lnRef idx="2">
-            <a:schemeClr val="accent1">
-              <a:shade val="50000"/>
-            </a:schemeClr>
-          </a:lnRef>
-          <a:fillRef idx="1">
-            <a:schemeClr val="accent1"/>
-          </a:fillRef>
-          <a:effectRef idx="0">
-            <a:schemeClr val="accent1"/>
-          </a:effectRef>
-          <a:fontRef idx="minor">
-            <a:schemeClr val="lt1"/>
-          </a:fontRef>
-        </p:style>
-      </p:sp>
-      <p:sp>
-        <p:nvSpPr>
-          <p:cNvPr id="8" name="Rectangle 7"/>
-          <p:cNvSpPr/>
-          <p:nvPr/>
+        <p:txBody>
+          <a:bodyPr anchor="b"/>
+          <a:lstStyle>
+            <a:lvl1pPr>
+              <a:defRPr sz="7200"/>
+            </a:lvl1pPr>
+          </a:lstStyle>
+          <a:p>
+            <a:r>
+              <a:rPr lang="en-US" smtClean="0"/>
+              <a:t>Click to edit Master title style</a:t>
+            </a:r>
+            <a:endParaRPr lang="en-US" dirty="0"/>
+          </a:p>
+        </p:txBody>
+      </p:sp>
+      <p:sp>
+        <p:nvSpPr>
+          <p:cNvPr id="3" name="Subtitle 2"/>
+          <p:cNvSpPr>
+            <a:spLocks noGrp="1"/>
+          </p:cNvSpPr>
+          <p:nvPr>
+            <p:ph type="subTitle" idx="1"/>
+          </p:nvPr>
         </p:nvSpPr>
         <p:spPr>
           <a:xfrm>
-            <a:off x="15" y="6334316"/>
-            <a:ext cx="12188825" cy="64008"/>
-          </a:xfrm>
-          <a:prstGeom prst="rect">
-            <a:avLst/>
-          </a:prstGeom>
-          <a:solidFill>
-            <a:schemeClr val="accent1"/>
-          </a:solidFill>
-          <a:ln>
-            <a:noFill/>
-          </a:ln>
-        </p:spPr>
-        <p:style>
-          <a:lnRef idx="2">
-            <a:schemeClr val="accent1">
-              <a:shade val="50000"/>
-            </a:schemeClr>
-          </a:lnRef>
-          <a:fillRef idx="1">
-            <a:schemeClr val="accent1"/>
-          </a:fillRef>
-          <a:effectRef idx="0">
-            <a:schemeClr val="accent1"/>
-          </a:effectRef>
-          <a:fontRef idx="minor">
-            <a:schemeClr val="lt1"/>
-          </a:fontRef>
-        </p:style>
-      </p:sp>
-      <p:sp>
-        <p:nvSpPr>
-          <p:cNvPr id="2" name="Title 1"/>
-          <p:cNvSpPr>
-            <a:spLocks noGrp="1"/>
-          </p:cNvSpPr>
-          <p:nvPr>
-            <p:ph type="ctrTitle"/>
-          </p:nvPr>
-        </p:nvSpPr>
-        <p:spPr>
-          <a:xfrm>
-            <a:off x="1097280" y="758952"/>
-            <a:ext cx="10058400" cy="3566160"/>
+            <a:off x="1154955" y="4777380"/>
+            <a:ext cx="8825658" cy="861420"/>
           </a:xfrm>
         </p:spPr>
         <p:txBody>
-          <a:bodyPr anchor="b">
-            <a:normAutofit/>
-          </a:bodyPr>
+          <a:bodyPr anchor="t"/>
           <a:lstStyle>
-            <a:lvl1pPr algn="l">
-              <a:lnSpc>
-                <a:spcPct val="85000"/>
-              </a:lnSpc>
-              <a:defRPr sz="8000" spc="-50" baseline="0">
+            <a:lvl1pPr marL="0" indent="0" algn="l">
+              <a:buNone/>
+              <a:defRPr cap="all">
                 <a:solidFill>
-                  <a:schemeClr val="tx1">
-                    <a:lumMod val="85000"/>
-                    <a:lumOff val="15000"/>
+                  <a:schemeClr val="bg2">
+                    <a:lumMod val="40000"/>
+                    <a:lumOff val="60000"/>
                   </a:schemeClr>
                 </a:solidFill>
               </a:defRPr>
             </a:lvl1pPr>
-          </a:lstStyle>
-          <a:p>
-            <a:r>
-              <a:rPr lang="en-US" smtClean="0"/>
-              <a:t>Click to edit Master title style</a:t>
-            </a:r>
-            <a:endParaRPr lang="en-US" dirty="0"/>
-          </a:p>
-        </p:txBody>
-      </p:sp>
-      <p:sp>
-        <p:nvSpPr>
-          <p:cNvPr id="3" name="Subtitle 2"/>
-          <p:cNvSpPr>
-            <a:spLocks noGrp="1"/>
-          </p:cNvSpPr>
-          <p:nvPr>
-            <p:ph type="subTitle" idx="1"/>
-          </p:nvPr>
-        </p:nvSpPr>
-        <p:spPr>
-          <a:xfrm>
-            <a:off x="1100051" y="4455620"/>
-            <a:ext cx="10058400" cy="1143000"/>
-          </a:xfrm>
-        </p:spPr>
-        <p:txBody>
-          <a:bodyPr lIns="91440" rIns="91440">
-            <a:normAutofit/>
-          </a:bodyPr>
-          <a:lstStyle>
-            <a:lvl1pPr marL="0" indent="0" algn="l">
-              <a:buNone/>
-              <a:defRPr sz="2400" cap="all" spc="200" baseline="0">
+            <a:lvl2pPr marL="457200" indent="0" algn="ctr">
+              <a:buNone/>
+              <a:defRPr>
                 <a:solidFill>
-                  <a:schemeClr val="tx2"/>
+                  <a:schemeClr val="tx1">
+                    <a:tint val="75000"/>
+                  </a:schemeClr>
                 </a:solidFill>
-                <a:latin typeface="+mj-lt"/>
               </a:defRPr>
-            </a:lvl1pPr>
-            <a:lvl2pPr marL="457200" indent="0" algn="ctr">
-              <a:buNone/>
-              <a:defRPr sz="2400"/>
             </a:lvl2pPr>
             <a:lvl3pPr marL="914400" indent="0" algn="ctr">
               <a:buNone/>
-              <a:defRPr sz="2400"/>
+              <a:defRPr>
+                <a:solidFill>
+                  <a:schemeClr val="tx1">
+                    <a:tint val="75000"/>
+                  </a:schemeClr>
+                </a:solidFill>
+              </a:defRPr>
             </a:lvl3pPr>
             <a:lvl4pPr marL="1371600" indent="0" algn="ctr">
               <a:buNone/>
-              <a:defRPr sz="2000"/>
+              <a:defRPr>
+                <a:solidFill>
+                  <a:schemeClr val="tx1">
+                    <a:tint val="75000"/>
+                  </a:schemeClr>
+                </a:solidFill>
+              </a:defRPr>
             </a:lvl4pPr>
             <a:lvl5pPr marL="1828800" indent="0" algn="ctr">
               <a:buNone/>
-              <a:defRPr sz="2000"/>
+              <a:defRPr>
+                <a:solidFill>
+                  <a:schemeClr val="tx1">
+                    <a:tint val="75000"/>
+                  </a:schemeClr>
+                </a:solidFill>
+              </a:defRPr>
             </a:lvl5pPr>
             <a:lvl6pPr marL="2286000" indent="0" algn="ctr">
               <a:buNone/>
-              <a:defRPr sz="2000"/>
+              <a:defRPr>
+                <a:solidFill>
+                  <a:schemeClr val="tx1">
+                    <a:tint val="75000"/>
+                  </a:schemeClr>
+                </a:solidFill>
+              </a:defRPr>
             </a:lvl6pPr>
             <a:lvl7pPr marL="2743200" indent="0" algn="ctr">
               <a:buNone/>
-              <a:defRPr sz="2000"/>
+              <a:defRPr>
+                <a:solidFill>
+                  <a:schemeClr val="tx1">
+                    <a:tint val="75000"/>
+                  </a:schemeClr>
+                </a:solidFill>
+              </a:defRPr>
             </a:lvl7pPr>
             <a:lvl8pPr marL="3200400" indent="0" algn="ctr">
               <a:buNone/>
-              <a:defRPr sz="2000"/>
+              <a:defRPr>
+                <a:solidFill>
+                  <a:schemeClr val="tx1">
+                    <a:tint val="75000"/>
+                  </a:schemeClr>
+                </a:solidFill>
+              </a:defRPr>
             </a:lvl8pPr>
             <a:lvl9pPr marL="3657600" indent="0" algn="ctr">
               <a:buNone/>
-              <a:defRPr sz="2000"/>
+              <a:defRPr>
+                <a:solidFill>
+                  <a:schemeClr val="tx1">
+                    <a:tint val="75000"/>
+                  </a:schemeClr>
+                </a:solidFill>
+              </a:defRPr>
             </a:lvl9pPr>
           </a:lstStyle>
           <a:p>
@@ -394,48 +354,10 @@
           </a:p>
         </p:txBody>
       </p:sp>
-      <p:cxnSp>
-        <p:nvCxnSpPr>
-          <p:cNvPr id="9" name="Straight Connector 8"/>
-          <p:cNvCxnSpPr/>
-          <p:nvPr/>
-        </p:nvCxnSpPr>
-        <p:spPr>
-          <a:xfrm>
-            <a:off x="1207658" y="4343400"/>
-            <a:ext cx="9875520" cy="0"/>
-          </a:xfrm>
-          <a:prstGeom prst="line">
-            <a:avLst/>
-          </a:prstGeom>
-          <a:ln w="6350">
-            <a:solidFill>
-              <a:schemeClr val="tx1">
-                <a:lumMod val="50000"/>
-                <a:lumOff val="50000"/>
-              </a:schemeClr>
-            </a:solidFill>
-          </a:ln>
-        </p:spPr>
-        <p:style>
-          <a:lnRef idx="1">
-            <a:schemeClr val="accent1"/>
-          </a:lnRef>
-          <a:fillRef idx="0">
-            <a:schemeClr val="accent1"/>
-          </a:fillRef>
-          <a:effectRef idx="0">
-            <a:schemeClr val="accent1"/>
-          </a:effectRef>
-          <a:fontRef idx="minor">
-            <a:schemeClr val="tx1"/>
-          </a:fontRef>
-        </p:style>
-      </p:cxnSp>
     </p:spTree>
     <p:extLst>
       <p:ext uri="{BB962C8B-B14F-4D97-AF65-F5344CB8AC3E}">
-        <p14:creationId xmlns:p14="http://schemas.microsoft.com/office/powerpoint/2010/main" val="2560711952"/>
+        <p14:creationId xmlns:p14="http://schemas.microsoft.com/office/powerpoint/2010/main" val="947873941"/>
       </p:ext>
     </p:extLst>
   </p:cSld>
@@ -446,6 +368,2572 @@
 </file>
 
 <file path=ppt/slideLayouts/slideLayout10.xml><?xml version="1.0" encoding="utf-8"?>
+<p:sldLayout xmlns:a="http://schemas.openxmlformats.org/drawingml/2006/main" xmlns:r="http://schemas.openxmlformats.org/officeDocument/2006/relationships" xmlns:p="http://schemas.openxmlformats.org/presentationml/2006/main" preserve="1">
+  <p:cSld name="Panoramic Picture with Caption">
+    <p:spTree>
+      <p:nvGrpSpPr>
+        <p:cNvPr id="1" name=""/>
+        <p:cNvGrpSpPr/>
+        <p:nvPr/>
+      </p:nvGrpSpPr>
+      <p:grpSpPr>
+        <a:xfrm>
+          <a:off x="0" y="0"/>
+          <a:ext cx="0" cy="0"/>
+          <a:chOff x="0" y="0"/>
+          <a:chExt cx="0" cy="0"/>
+        </a:xfrm>
+      </p:grpSpPr>
+      <p:sp>
+        <p:nvSpPr>
+          <p:cNvPr id="2" name="Title 1"/>
+          <p:cNvSpPr>
+            <a:spLocks noGrp="1"/>
+          </p:cNvSpPr>
+          <p:nvPr>
+            <p:ph type="title"/>
+          </p:nvPr>
+        </p:nvSpPr>
+        <p:spPr>
+          <a:xfrm>
+            <a:off x="1154956" y="4800587"/>
+            <a:ext cx="8825657" cy="566738"/>
+          </a:xfrm>
+        </p:spPr>
+        <p:txBody>
+          <a:bodyPr anchor="b">
+            <a:normAutofit/>
+          </a:bodyPr>
+          <a:lstStyle>
+            <a:lvl1pPr algn="l">
+              <a:defRPr sz="2400" b="0"/>
+            </a:lvl1pPr>
+          </a:lstStyle>
+          <a:p>
+            <a:r>
+              <a:rPr lang="en-US" smtClean="0"/>
+              <a:t>Click to edit Master title style</a:t>
+            </a:r>
+            <a:endParaRPr lang="en-US" dirty="0"/>
+          </a:p>
+        </p:txBody>
+      </p:sp>
+      <p:sp>
+        <p:nvSpPr>
+          <p:cNvPr id="3" name="Picture Placeholder 2"/>
+          <p:cNvSpPr>
+            <a:spLocks noGrp="1" noChangeAspect="1"/>
+          </p:cNvSpPr>
+          <p:nvPr>
+            <p:ph type="pic" idx="1"/>
+          </p:nvPr>
+        </p:nvSpPr>
+        <p:spPr>
+          <a:xfrm>
+            <a:off x="1154955" y="685800"/>
+            <a:ext cx="8825658" cy="3640666"/>
+          </a:xfrm>
+          <a:prstGeom prst="roundRect">
+            <a:avLst>
+              <a:gd name="adj" fmla="val 1858"/>
+            </a:avLst>
+          </a:prstGeom>
+          <a:effectLst>
+            <a:outerShdw blurRad="50800" dist="50800" dir="5400000" algn="tl" rotWithShape="0">
+              <a:srgbClr val="000000">
+                <a:alpha val="43000"/>
+              </a:srgbClr>
+            </a:outerShdw>
+          </a:effectLst>
+        </p:spPr>
+        <p:txBody>
+          <a:bodyPr anchor="t">
+            <a:normAutofit/>
+          </a:bodyPr>
+          <a:lstStyle>
+            <a:lvl1pPr marL="0" indent="0" algn="ctr">
+              <a:buNone/>
+              <a:defRPr sz="1600"/>
+            </a:lvl1pPr>
+            <a:lvl2pPr marL="457200" indent="0">
+              <a:buNone/>
+              <a:defRPr sz="1600"/>
+            </a:lvl2pPr>
+            <a:lvl3pPr marL="914400" indent="0">
+              <a:buNone/>
+              <a:defRPr sz="1600"/>
+            </a:lvl3pPr>
+            <a:lvl4pPr marL="1371600" indent="0">
+              <a:buNone/>
+              <a:defRPr sz="1600"/>
+            </a:lvl4pPr>
+            <a:lvl5pPr marL="1828800" indent="0">
+              <a:buNone/>
+              <a:defRPr sz="1600"/>
+            </a:lvl5pPr>
+            <a:lvl6pPr marL="2286000" indent="0">
+              <a:buNone/>
+              <a:defRPr sz="1600"/>
+            </a:lvl6pPr>
+            <a:lvl7pPr marL="2743200" indent="0">
+              <a:buNone/>
+              <a:defRPr sz="1600"/>
+            </a:lvl7pPr>
+            <a:lvl8pPr marL="3200400" indent="0">
+              <a:buNone/>
+              <a:defRPr sz="1600"/>
+            </a:lvl8pPr>
+            <a:lvl9pPr marL="3657600" indent="0">
+              <a:buNone/>
+              <a:defRPr sz="1600"/>
+            </a:lvl9pPr>
+          </a:lstStyle>
+          <a:p>
+            <a:r>
+              <a:rPr lang="en-US" smtClean="0"/>
+              <a:t>Click icon to add picture</a:t>
+            </a:r>
+            <a:endParaRPr lang="en-US" dirty="0"/>
+          </a:p>
+        </p:txBody>
+      </p:sp>
+      <p:sp>
+        <p:nvSpPr>
+          <p:cNvPr id="4" name="Text Placeholder 3"/>
+          <p:cNvSpPr>
+            <a:spLocks noGrp="1"/>
+          </p:cNvSpPr>
+          <p:nvPr>
+            <p:ph type="body" sz="half" idx="2"/>
+          </p:nvPr>
+        </p:nvSpPr>
+        <p:spPr>
+          <a:xfrm>
+            <a:off x="1154956" y="5367325"/>
+            <a:ext cx="8825656" cy="493712"/>
+          </a:xfrm>
+        </p:spPr>
+        <p:txBody>
+          <a:bodyPr>
+            <a:normAutofit/>
+          </a:bodyPr>
+          <a:lstStyle>
+            <a:lvl1pPr marL="0" indent="0">
+              <a:buNone/>
+              <a:defRPr sz="1200"/>
+            </a:lvl1pPr>
+            <a:lvl2pPr marL="457200" indent="0">
+              <a:buNone/>
+              <a:defRPr sz="1200"/>
+            </a:lvl2pPr>
+            <a:lvl3pPr marL="914400" indent="0">
+              <a:buNone/>
+              <a:defRPr sz="1000"/>
+            </a:lvl3pPr>
+            <a:lvl4pPr marL="1371600" indent="0">
+              <a:buNone/>
+              <a:defRPr sz="900"/>
+            </a:lvl4pPr>
+            <a:lvl5pPr marL="1828800" indent="0">
+              <a:buNone/>
+              <a:defRPr sz="900"/>
+            </a:lvl5pPr>
+            <a:lvl6pPr marL="2286000" indent="0">
+              <a:buNone/>
+              <a:defRPr sz="900"/>
+            </a:lvl6pPr>
+            <a:lvl7pPr marL="2743200" indent="0">
+              <a:buNone/>
+              <a:defRPr sz="900"/>
+            </a:lvl7pPr>
+            <a:lvl8pPr marL="3200400" indent="0">
+              <a:buNone/>
+              <a:defRPr sz="900"/>
+            </a:lvl8pPr>
+            <a:lvl9pPr marL="3657600" indent="0">
+              <a:buNone/>
+              <a:defRPr sz="900"/>
+            </a:lvl9pPr>
+          </a:lstStyle>
+          <a:p>
+            <a:pPr lvl="0"/>
+            <a:r>
+              <a:rPr lang="en-US" smtClean="0"/>
+              <a:t>Click to edit Master text styles</a:t>
+            </a:r>
+          </a:p>
+        </p:txBody>
+      </p:sp>
+      <p:sp>
+        <p:nvSpPr>
+          <p:cNvPr id="5" name="Date Placeholder 4"/>
+          <p:cNvSpPr>
+            <a:spLocks noGrp="1"/>
+          </p:cNvSpPr>
+          <p:nvPr>
+            <p:ph type="dt" sz="half" idx="10"/>
+          </p:nvPr>
+        </p:nvSpPr>
+        <p:spPr/>
+        <p:txBody>
+          <a:bodyPr/>
+          <a:lstStyle/>
+          <a:p>
+            <a:fld id="{2612FB0F-5957-4199-B8A1-4B580505A0B0}" type="datetimeFigureOut">
+              <a:rPr lang="en-US" smtClean="0"/>
+              <a:t>12/5/2017</a:t>
+            </a:fld>
+            <a:endParaRPr lang="en-US"/>
+          </a:p>
+        </p:txBody>
+      </p:sp>
+      <p:sp>
+        <p:nvSpPr>
+          <p:cNvPr id="6" name="Footer Placeholder 5"/>
+          <p:cNvSpPr>
+            <a:spLocks noGrp="1"/>
+          </p:cNvSpPr>
+          <p:nvPr>
+            <p:ph type="ftr" sz="quarter" idx="11"/>
+          </p:nvPr>
+        </p:nvSpPr>
+        <p:spPr/>
+        <p:txBody>
+          <a:bodyPr/>
+          <a:lstStyle/>
+          <a:p>
+            <a:endParaRPr lang="en-US"/>
+          </a:p>
+        </p:txBody>
+      </p:sp>
+      <p:sp>
+        <p:nvSpPr>
+          <p:cNvPr id="7" name="Slide Number Placeholder 6"/>
+          <p:cNvSpPr>
+            <a:spLocks noGrp="1"/>
+          </p:cNvSpPr>
+          <p:nvPr>
+            <p:ph type="sldNum" sz="quarter" idx="12"/>
+          </p:nvPr>
+        </p:nvSpPr>
+        <p:spPr/>
+        <p:txBody>
+          <a:bodyPr/>
+          <a:lstStyle/>
+          <a:p>
+            <a:fld id="{508F0AB3-6919-4ABB-A5D4-A75CF3328B38}" type="slidenum">
+              <a:rPr lang="en-US" smtClean="0"/>
+              <a:t>‹#›</a:t>
+            </a:fld>
+            <a:endParaRPr lang="en-US"/>
+          </a:p>
+        </p:txBody>
+      </p:sp>
+    </p:spTree>
+    <p:extLst>
+      <p:ext uri="{BB962C8B-B14F-4D97-AF65-F5344CB8AC3E}">
+        <p14:creationId xmlns:p14="http://schemas.microsoft.com/office/powerpoint/2010/main" val="4284224649"/>
+      </p:ext>
+    </p:extLst>
+  </p:cSld>
+  <p:clrMapOvr>
+    <a:masterClrMapping/>
+  </p:clrMapOvr>
+</p:sldLayout>
+</file>
+
+<file path=ppt/slideLayouts/slideLayout11.xml><?xml version="1.0" encoding="utf-8"?>
+<p:sldLayout xmlns:a="http://schemas.openxmlformats.org/drawingml/2006/main" xmlns:r="http://schemas.openxmlformats.org/officeDocument/2006/relationships" xmlns:p="http://schemas.openxmlformats.org/presentationml/2006/main" preserve="1">
+  <p:cSld name="Title and Caption">
+    <p:spTree>
+      <p:nvGrpSpPr>
+        <p:cNvPr id="1" name=""/>
+        <p:cNvGrpSpPr/>
+        <p:nvPr/>
+      </p:nvGrpSpPr>
+      <p:grpSpPr>
+        <a:xfrm>
+          <a:off x="0" y="0"/>
+          <a:ext cx="0" cy="0"/>
+          <a:chOff x="0" y="0"/>
+          <a:chExt cx="0" cy="0"/>
+        </a:xfrm>
+      </p:grpSpPr>
+      <p:sp>
+        <p:nvSpPr>
+          <p:cNvPr id="2" name="Title 1"/>
+          <p:cNvSpPr>
+            <a:spLocks noGrp="1"/>
+          </p:cNvSpPr>
+          <p:nvPr>
+            <p:ph type="title"/>
+          </p:nvPr>
+        </p:nvSpPr>
+        <p:spPr>
+          <a:xfrm>
+            <a:off x="1154954" y="1447800"/>
+            <a:ext cx="8825659" cy="1981200"/>
+          </a:xfrm>
+        </p:spPr>
+        <p:txBody>
+          <a:bodyPr/>
+          <a:lstStyle>
+            <a:lvl1pPr>
+              <a:defRPr sz="4800"/>
+            </a:lvl1pPr>
+          </a:lstStyle>
+          <a:p>
+            <a:r>
+              <a:rPr lang="en-US" smtClean="0"/>
+              <a:t>Click to edit Master title style</a:t>
+            </a:r>
+            <a:endParaRPr lang="en-US" dirty="0"/>
+          </a:p>
+        </p:txBody>
+      </p:sp>
+      <p:sp>
+        <p:nvSpPr>
+          <p:cNvPr id="8" name="Text Placeholder 3"/>
+          <p:cNvSpPr>
+            <a:spLocks noGrp="1"/>
+          </p:cNvSpPr>
+          <p:nvPr>
+            <p:ph type="body" sz="half" idx="2"/>
+          </p:nvPr>
+        </p:nvSpPr>
+        <p:spPr>
+          <a:xfrm>
+            <a:off x="1154954" y="3657600"/>
+            <a:ext cx="8825659" cy="2362200"/>
+          </a:xfrm>
+        </p:spPr>
+        <p:txBody>
+          <a:bodyPr anchor="ctr">
+            <a:normAutofit/>
+          </a:bodyPr>
+          <a:lstStyle>
+            <a:lvl1pPr marL="0" indent="0">
+              <a:buNone/>
+              <a:defRPr sz="1800"/>
+            </a:lvl1pPr>
+            <a:lvl2pPr marL="457200" indent="0">
+              <a:buNone/>
+              <a:defRPr sz="1200"/>
+            </a:lvl2pPr>
+            <a:lvl3pPr marL="914400" indent="0">
+              <a:buNone/>
+              <a:defRPr sz="1000"/>
+            </a:lvl3pPr>
+            <a:lvl4pPr marL="1371600" indent="0">
+              <a:buNone/>
+              <a:defRPr sz="900"/>
+            </a:lvl4pPr>
+            <a:lvl5pPr marL="1828800" indent="0">
+              <a:buNone/>
+              <a:defRPr sz="900"/>
+            </a:lvl5pPr>
+            <a:lvl6pPr marL="2286000" indent="0">
+              <a:buNone/>
+              <a:defRPr sz="900"/>
+            </a:lvl6pPr>
+            <a:lvl7pPr marL="2743200" indent="0">
+              <a:buNone/>
+              <a:defRPr sz="900"/>
+            </a:lvl7pPr>
+            <a:lvl8pPr marL="3200400" indent="0">
+              <a:buNone/>
+              <a:defRPr sz="900"/>
+            </a:lvl8pPr>
+            <a:lvl9pPr marL="3657600" indent="0">
+              <a:buNone/>
+              <a:defRPr sz="900"/>
+            </a:lvl9pPr>
+          </a:lstStyle>
+          <a:p>
+            <a:pPr lvl="0"/>
+            <a:r>
+              <a:rPr lang="en-US" smtClean="0"/>
+              <a:t>Click to edit Master text styles</a:t>
+            </a:r>
+          </a:p>
+        </p:txBody>
+      </p:sp>
+      <p:sp>
+        <p:nvSpPr>
+          <p:cNvPr id="4" name="Date Placeholder 3"/>
+          <p:cNvSpPr>
+            <a:spLocks noGrp="1"/>
+          </p:cNvSpPr>
+          <p:nvPr>
+            <p:ph type="dt" sz="half" idx="10"/>
+          </p:nvPr>
+        </p:nvSpPr>
+        <p:spPr/>
+        <p:txBody>
+          <a:bodyPr/>
+          <a:lstStyle/>
+          <a:p>
+            <a:fld id="{2612FB0F-5957-4199-B8A1-4B580505A0B0}" type="datetimeFigureOut">
+              <a:rPr lang="en-US" smtClean="0"/>
+              <a:t>12/5/2017</a:t>
+            </a:fld>
+            <a:endParaRPr lang="en-US"/>
+          </a:p>
+        </p:txBody>
+      </p:sp>
+      <p:sp>
+        <p:nvSpPr>
+          <p:cNvPr id="5" name="Footer Placeholder 4"/>
+          <p:cNvSpPr>
+            <a:spLocks noGrp="1"/>
+          </p:cNvSpPr>
+          <p:nvPr>
+            <p:ph type="ftr" sz="quarter" idx="11"/>
+          </p:nvPr>
+        </p:nvSpPr>
+        <p:spPr/>
+        <p:txBody>
+          <a:bodyPr/>
+          <a:lstStyle/>
+          <a:p>
+            <a:endParaRPr lang="en-US"/>
+          </a:p>
+        </p:txBody>
+      </p:sp>
+      <p:sp>
+        <p:nvSpPr>
+          <p:cNvPr id="6" name="Slide Number Placeholder 5"/>
+          <p:cNvSpPr>
+            <a:spLocks noGrp="1"/>
+          </p:cNvSpPr>
+          <p:nvPr>
+            <p:ph type="sldNum" sz="quarter" idx="12"/>
+          </p:nvPr>
+        </p:nvSpPr>
+        <p:spPr/>
+        <p:txBody>
+          <a:bodyPr/>
+          <a:lstStyle/>
+          <a:p>
+            <a:fld id="{508F0AB3-6919-4ABB-A5D4-A75CF3328B38}" type="slidenum">
+              <a:rPr lang="en-US" smtClean="0"/>
+              <a:t>‹#›</a:t>
+            </a:fld>
+            <a:endParaRPr lang="en-US"/>
+          </a:p>
+        </p:txBody>
+      </p:sp>
+    </p:spTree>
+    <p:extLst>
+      <p:ext uri="{BB962C8B-B14F-4D97-AF65-F5344CB8AC3E}">
+        <p14:creationId xmlns:p14="http://schemas.microsoft.com/office/powerpoint/2010/main" val="3191521457"/>
+      </p:ext>
+    </p:extLst>
+  </p:cSld>
+  <p:clrMapOvr>
+    <a:masterClrMapping/>
+  </p:clrMapOvr>
+</p:sldLayout>
+</file>
+
+<file path=ppt/slideLayouts/slideLayout12.xml><?xml version="1.0" encoding="utf-8"?>
+<p:sldLayout xmlns:a="http://schemas.openxmlformats.org/drawingml/2006/main" xmlns:r="http://schemas.openxmlformats.org/officeDocument/2006/relationships" xmlns:p="http://schemas.openxmlformats.org/presentationml/2006/main" preserve="1">
+  <p:cSld name="Quote with Caption">
+    <p:spTree>
+      <p:nvGrpSpPr>
+        <p:cNvPr id="1" name=""/>
+        <p:cNvGrpSpPr/>
+        <p:nvPr/>
+      </p:nvGrpSpPr>
+      <p:grpSpPr>
+        <a:xfrm>
+          <a:off x="0" y="0"/>
+          <a:ext cx="0" cy="0"/>
+          <a:chOff x="0" y="0"/>
+          <a:chExt cx="0" cy="0"/>
+        </a:xfrm>
+      </p:grpSpPr>
+      <p:sp>
+        <p:nvSpPr>
+          <p:cNvPr id="2" name="Title 1"/>
+          <p:cNvSpPr>
+            <a:spLocks noGrp="1"/>
+          </p:cNvSpPr>
+          <p:nvPr>
+            <p:ph type="title"/>
+          </p:nvPr>
+        </p:nvSpPr>
+        <p:spPr>
+          <a:xfrm>
+            <a:off x="1574801" y="1447800"/>
+            <a:ext cx="7999315" cy="2323374"/>
+          </a:xfrm>
+        </p:spPr>
+        <p:txBody>
+          <a:bodyPr/>
+          <a:lstStyle>
+            <a:lvl1pPr>
+              <a:defRPr sz="4800"/>
+            </a:lvl1pPr>
+          </a:lstStyle>
+          <a:p>
+            <a:r>
+              <a:rPr lang="en-US" smtClean="0"/>
+              <a:t>Click to edit Master title style</a:t>
+            </a:r>
+            <a:endParaRPr lang="en-US" dirty="0"/>
+          </a:p>
+        </p:txBody>
+      </p:sp>
+      <p:sp>
+        <p:nvSpPr>
+          <p:cNvPr id="11" name="Text Placeholder 3"/>
+          <p:cNvSpPr>
+            <a:spLocks noGrp="1"/>
+          </p:cNvSpPr>
+          <p:nvPr>
+            <p:ph type="body" sz="half" idx="14"/>
+          </p:nvPr>
+        </p:nvSpPr>
+        <p:spPr>
+          <a:xfrm>
+            <a:off x="1930400" y="3771174"/>
+            <a:ext cx="7279649" cy="342174"/>
+          </a:xfrm>
+        </p:spPr>
+        <p:txBody>
+          <a:bodyPr vert="horz" lIns="91440" tIns="45720" rIns="91440" bIns="45720" rtlCol="0" anchor="t">
+            <a:normAutofit/>
+          </a:bodyPr>
+          <a:lstStyle>
+            <a:lvl1pPr marL="0" indent="0">
+              <a:buNone/>
+              <a:defRPr lang="en-US" sz="1400" b="0" i="0" kern="1200" cap="small" dirty="0">
+                <a:solidFill>
+                  <a:schemeClr val="bg2">
+                    <a:lumMod val="40000"/>
+                    <a:lumOff val="60000"/>
+                  </a:schemeClr>
+                </a:solidFill>
+                <a:latin typeface="+mj-lt"/>
+                <a:ea typeface="+mj-ea"/>
+                <a:cs typeface="+mj-cs"/>
+              </a:defRPr>
+            </a:lvl1pPr>
+            <a:lvl2pPr marL="457200" indent="0">
+              <a:buNone/>
+              <a:defRPr sz="1200"/>
+            </a:lvl2pPr>
+            <a:lvl3pPr marL="914400" indent="0">
+              <a:buNone/>
+              <a:defRPr sz="1000"/>
+            </a:lvl3pPr>
+            <a:lvl4pPr marL="1371600" indent="0">
+              <a:buNone/>
+              <a:defRPr sz="900"/>
+            </a:lvl4pPr>
+            <a:lvl5pPr marL="1828800" indent="0">
+              <a:buNone/>
+              <a:defRPr sz="900"/>
+            </a:lvl5pPr>
+            <a:lvl6pPr marL="2286000" indent="0">
+              <a:buNone/>
+              <a:defRPr sz="900"/>
+            </a:lvl6pPr>
+            <a:lvl7pPr marL="2743200" indent="0">
+              <a:buNone/>
+              <a:defRPr sz="900"/>
+            </a:lvl7pPr>
+            <a:lvl8pPr marL="3200400" indent="0">
+              <a:buNone/>
+              <a:defRPr sz="900"/>
+            </a:lvl8pPr>
+            <a:lvl9pPr marL="3657600" indent="0">
+              <a:buNone/>
+              <a:defRPr sz="900"/>
+            </a:lvl9pPr>
+          </a:lstStyle>
+          <a:p>
+            <a:pPr marL="0" lvl="0" indent="0">
+              <a:buNone/>
+            </a:pPr>
+            <a:r>
+              <a:rPr lang="en-US" smtClean="0"/>
+              <a:t>Click to edit Master text styles</a:t>
+            </a:r>
+          </a:p>
+        </p:txBody>
+      </p:sp>
+      <p:sp>
+        <p:nvSpPr>
+          <p:cNvPr id="10" name="Text Placeholder 3"/>
+          <p:cNvSpPr>
+            <a:spLocks noGrp="1"/>
+          </p:cNvSpPr>
+          <p:nvPr>
+            <p:ph type="body" sz="half" idx="2"/>
+          </p:nvPr>
+        </p:nvSpPr>
+        <p:spPr>
+          <a:xfrm>
+            <a:off x="1154954" y="4350657"/>
+            <a:ext cx="8825659" cy="1676400"/>
+          </a:xfrm>
+        </p:spPr>
+        <p:txBody>
+          <a:bodyPr anchor="ctr">
+            <a:normAutofit/>
+          </a:bodyPr>
+          <a:lstStyle>
+            <a:lvl1pPr marL="0" indent="0">
+              <a:buNone/>
+              <a:defRPr sz="1800"/>
+            </a:lvl1pPr>
+            <a:lvl2pPr marL="457200" indent="0">
+              <a:buNone/>
+              <a:defRPr sz="1200"/>
+            </a:lvl2pPr>
+            <a:lvl3pPr marL="914400" indent="0">
+              <a:buNone/>
+              <a:defRPr sz="1000"/>
+            </a:lvl3pPr>
+            <a:lvl4pPr marL="1371600" indent="0">
+              <a:buNone/>
+              <a:defRPr sz="900"/>
+            </a:lvl4pPr>
+            <a:lvl5pPr marL="1828800" indent="0">
+              <a:buNone/>
+              <a:defRPr sz="900"/>
+            </a:lvl5pPr>
+            <a:lvl6pPr marL="2286000" indent="0">
+              <a:buNone/>
+              <a:defRPr sz="900"/>
+            </a:lvl6pPr>
+            <a:lvl7pPr marL="2743200" indent="0">
+              <a:buNone/>
+              <a:defRPr sz="900"/>
+            </a:lvl7pPr>
+            <a:lvl8pPr marL="3200400" indent="0">
+              <a:buNone/>
+              <a:defRPr sz="900"/>
+            </a:lvl8pPr>
+            <a:lvl9pPr marL="3657600" indent="0">
+              <a:buNone/>
+              <a:defRPr sz="900"/>
+            </a:lvl9pPr>
+          </a:lstStyle>
+          <a:p>
+            <a:pPr lvl="0"/>
+            <a:r>
+              <a:rPr lang="en-US" smtClean="0"/>
+              <a:t>Click to edit Master text styles</a:t>
+            </a:r>
+          </a:p>
+        </p:txBody>
+      </p:sp>
+      <p:sp>
+        <p:nvSpPr>
+          <p:cNvPr id="4" name="Date Placeholder 3"/>
+          <p:cNvSpPr>
+            <a:spLocks noGrp="1"/>
+          </p:cNvSpPr>
+          <p:nvPr>
+            <p:ph type="dt" sz="half" idx="10"/>
+          </p:nvPr>
+        </p:nvSpPr>
+        <p:spPr/>
+        <p:txBody>
+          <a:bodyPr/>
+          <a:lstStyle/>
+          <a:p>
+            <a:fld id="{2612FB0F-5957-4199-B8A1-4B580505A0B0}" type="datetimeFigureOut">
+              <a:rPr lang="en-US" smtClean="0"/>
+              <a:t>12/5/2017</a:t>
+            </a:fld>
+            <a:endParaRPr lang="en-US"/>
+          </a:p>
+        </p:txBody>
+      </p:sp>
+      <p:sp>
+        <p:nvSpPr>
+          <p:cNvPr id="5" name="Footer Placeholder 4"/>
+          <p:cNvSpPr>
+            <a:spLocks noGrp="1"/>
+          </p:cNvSpPr>
+          <p:nvPr>
+            <p:ph type="ftr" sz="quarter" idx="11"/>
+          </p:nvPr>
+        </p:nvSpPr>
+        <p:spPr/>
+        <p:txBody>
+          <a:bodyPr/>
+          <a:lstStyle/>
+          <a:p>
+            <a:endParaRPr lang="en-US"/>
+          </a:p>
+        </p:txBody>
+      </p:sp>
+      <p:sp>
+        <p:nvSpPr>
+          <p:cNvPr id="6" name="Slide Number Placeholder 5"/>
+          <p:cNvSpPr>
+            <a:spLocks noGrp="1"/>
+          </p:cNvSpPr>
+          <p:nvPr>
+            <p:ph type="sldNum" sz="quarter" idx="12"/>
+          </p:nvPr>
+        </p:nvSpPr>
+        <p:spPr/>
+        <p:txBody>
+          <a:bodyPr/>
+          <a:lstStyle/>
+          <a:p>
+            <a:fld id="{508F0AB3-6919-4ABB-A5D4-A75CF3328B38}" type="slidenum">
+              <a:rPr lang="en-US" smtClean="0"/>
+              <a:t>‹#›</a:t>
+            </a:fld>
+            <a:endParaRPr lang="en-US"/>
+          </a:p>
+        </p:txBody>
+      </p:sp>
+      <p:sp>
+        <p:nvSpPr>
+          <p:cNvPr id="12" name="TextBox 11"/>
+          <p:cNvSpPr txBox="1"/>
+          <p:nvPr/>
+        </p:nvSpPr>
+        <p:spPr>
+          <a:xfrm>
+            <a:off x="898295" y="971253"/>
+            <a:ext cx="801912" cy="1969770"/>
+          </a:xfrm>
+          <a:prstGeom prst="rect">
+            <a:avLst/>
+          </a:prstGeom>
+          <a:noFill/>
+        </p:spPr>
+        <p:txBody>
+          <a:bodyPr wrap="square" rtlCol="0">
+            <a:spAutoFit/>
+          </a:bodyPr>
+          <a:lstStyle>
+            <a:defPPr>
+              <a:defRPr lang="en-US"/>
+            </a:defPPr>
+            <a:lvl1pPr algn="r">
+              <a:defRPr sz="12200" b="0" i="0">
+                <a:solidFill>
+                  <a:schemeClr val="bg2">
+                    <a:lumMod val="40000"/>
+                    <a:lumOff val="60000"/>
+                  </a:schemeClr>
+                </a:solidFill>
+                <a:latin typeface="Arial"/>
+                <a:ea typeface="+mj-ea"/>
+                <a:cs typeface="+mj-cs"/>
+              </a:defRPr>
+            </a:lvl1pPr>
+          </a:lstStyle>
+          <a:p>
+            <a:pPr lvl="0"/>
+            <a:r>
+              <a:rPr lang="en-US" dirty="0"/>
+              <a:t>“</a:t>
+            </a:r>
+          </a:p>
+        </p:txBody>
+      </p:sp>
+      <p:sp>
+        <p:nvSpPr>
+          <p:cNvPr id="15" name="TextBox 14"/>
+          <p:cNvSpPr txBox="1"/>
+          <p:nvPr/>
+        </p:nvSpPr>
+        <p:spPr>
+          <a:xfrm>
+            <a:off x="9330490" y="2613787"/>
+            <a:ext cx="801912" cy="1969770"/>
+          </a:xfrm>
+          <a:prstGeom prst="rect">
+            <a:avLst/>
+          </a:prstGeom>
+          <a:noFill/>
+        </p:spPr>
+        <p:txBody>
+          <a:bodyPr wrap="square" rtlCol="0">
+            <a:spAutoFit/>
+          </a:bodyPr>
+          <a:lstStyle>
+            <a:defPPr>
+              <a:defRPr lang="en-US"/>
+            </a:defPPr>
+            <a:lvl1pPr algn="r">
+              <a:defRPr sz="12200" b="0" i="0">
+                <a:solidFill>
+                  <a:schemeClr val="bg2">
+                    <a:lumMod val="40000"/>
+                    <a:lumOff val="60000"/>
+                  </a:schemeClr>
+                </a:solidFill>
+                <a:latin typeface="Arial"/>
+                <a:ea typeface="+mj-ea"/>
+                <a:cs typeface="+mj-cs"/>
+              </a:defRPr>
+            </a:lvl1pPr>
+          </a:lstStyle>
+          <a:p>
+            <a:pPr lvl="0"/>
+            <a:r>
+              <a:rPr lang="en-US" dirty="0"/>
+              <a:t>”</a:t>
+            </a:r>
+          </a:p>
+        </p:txBody>
+      </p:sp>
+    </p:spTree>
+    <p:extLst>
+      <p:ext uri="{BB962C8B-B14F-4D97-AF65-F5344CB8AC3E}">
+        <p14:creationId xmlns:p14="http://schemas.microsoft.com/office/powerpoint/2010/main" val="3986253870"/>
+      </p:ext>
+    </p:extLst>
+  </p:cSld>
+  <p:clrMapOvr>
+    <a:masterClrMapping/>
+  </p:clrMapOvr>
+</p:sldLayout>
+</file>
+
+<file path=ppt/slideLayouts/slideLayout13.xml><?xml version="1.0" encoding="utf-8"?>
+<p:sldLayout xmlns:a="http://schemas.openxmlformats.org/drawingml/2006/main" xmlns:r="http://schemas.openxmlformats.org/officeDocument/2006/relationships" xmlns:p="http://schemas.openxmlformats.org/presentationml/2006/main" preserve="1">
+  <p:cSld name="Name Card">
+    <p:spTree>
+      <p:nvGrpSpPr>
+        <p:cNvPr id="1" name=""/>
+        <p:cNvGrpSpPr/>
+        <p:nvPr/>
+      </p:nvGrpSpPr>
+      <p:grpSpPr>
+        <a:xfrm>
+          <a:off x="0" y="0"/>
+          <a:ext cx="0" cy="0"/>
+          <a:chOff x="0" y="0"/>
+          <a:chExt cx="0" cy="0"/>
+        </a:xfrm>
+      </p:grpSpPr>
+      <p:sp>
+        <p:nvSpPr>
+          <p:cNvPr id="2" name="Title 1"/>
+          <p:cNvSpPr>
+            <a:spLocks noGrp="1"/>
+          </p:cNvSpPr>
+          <p:nvPr>
+            <p:ph type="title"/>
+          </p:nvPr>
+        </p:nvSpPr>
+        <p:spPr>
+          <a:xfrm>
+            <a:off x="1154954" y="3124201"/>
+            <a:ext cx="8825660" cy="1653180"/>
+          </a:xfrm>
+        </p:spPr>
+        <p:txBody>
+          <a:bodyPr anchor="b"/>
+          <a:lstStyle>
+            <a:lvl1pPr algn="l">
+              <a:defRPr sz="4000" b="0" cap="none"/>
+            </a:lvl1pPr>
+          </a:lstStyle>
+          <a:p>
+            <a:r>
+              <a:rPr lang="en-US" smtClean="0"/>
+              <a:t>Click to edit Master title style</a:t>
+            </a:r>
+            <a:endParaRPr lang="en-US" dirty="0"/>
+          </a:p>
+        </p:txBody>
+      </p:sp>
+      <p:sp>
+        <p:nvSpPr>
+          <p:cNvPr id="3" name="Text Placeholder 2"/>
+          <p:cNvSpPr>
+            <a:spLocks noGrp="1"/>
+          </p:cNvSpPr>
+          <p:nvPr>
+            <p:ph type="body" idx="1"/>
+          </p:nvPr>
+        </p:nvSpPr>
+        <p:spPr>
+          <a:xfrm>
+            <a:off x="1154954" y="4777381"/>
+            <a:ext cx="8825659" cy="860400"/>
+          </a:xfrm>
+        </p:spPr>
+        <p:txBody>
+          <a:bodyPr anchor="t"/>
+          <a:lstStyle>
+            <a:lvl1pPr marL="0" indent="0" algn="l">
+              <a:buNone/>
+              <a:defRPr sz="2000" cap="none">
+                <a:solidFill>
+                  <a:schemeClr val="bg2">
+                    <a:lumMod val="40000"/>
+                    <a:lumOff val="60000"/>
+                  </a:schemeClr>
+                </a:solidFill>
+              </a:defRPr>
+            </a:lvl1pPr>
+            <a:lvl2pPr marL="457200" indent="0">
+              <a:buNone/>
+              <a:defRPr sz="1800">
+                <a:solidFill>
+                  <a:schemeClr val="tx1">
+                    <a:tint val="75000"/>
+                  </a:schemeClr>
+                </a:solidFill>
+              </a:defRPr>
+            </a:lvl2pPr>
+            <a:lvl3pPr marL="914400" indent="0">
+              <a:buNone/>
+              <a:defRPr sz="1600">
+                <a:solidFill>
+                  <a:schemeClr val="tx1">
+                    <a:tint val="75000"/>
+                  </a:schemeClr>
+                </a:solidFill>
+              </a:defRPr>
+            </a:lvl3pPr>
+            <a:lvl4pPr marL="1371600" indent="0">
+              <a:buNone/>
+              <a:defRPr sz="1400">
+                <a:solidFill>
+                  <a:schemeClr val="tx1">
+                    <a:tint val="75000"/>
+                  </a:schemeClr>
+                </a:solidFill>
+              </a:defRPr>
+            </a:lvl4pPr>
+            <a:lvl5pPr marL="1828800" indent="0">
+              <a:buNone/>
+              <a:defRPr sz="1400">
+                <a:solidFill>
+                  <a:schemeClr val="tx1">
+                    <a:tint val="75000"/>
+                  </a:schemeClr>
+                </a:solidFill>
+              </a:defRPr>
+            </a:lvl5pPr>
+            <a:lvl6pPr marL="2286000" indent="0">
+              <a:buNone/>
+              <a:defRPr sz="1400">
+                <a:solidFill>
+                  <a:schemeClr val="tx1">
+                    <a:tint val="75000"/>
+                  </a:schemeClr>
+                </a:solidFill>
+              </a:defRPr>
+            </a:lvl6pPr>
+            <a:lvl7pPr marL="2743200" indent="0">
+              <a:buNone/>
+              <a:defRPr sz="1400">
+                <a:solidFill>
+                  <a:schemeClr val="tx1">
+                    <a:tint val="75000"/>
+                  </a:schemeClr>
+                </a:solidFill>
+              </a:defRPr>
+            </a:lvl7pPr>
+            <a:lvl8pPr marL="3200400" indent="0">
+              <a:buNone/>
+              <a:defRPr sz="1400">
+                <a:solidFill>
+                  <a:schemeClr val="tx1">
+                    <a:tint val="75000"/>
+                  </a:schemeClr>
+                </a:solidFill>
+              </a:defRPr>
+            </a:lvl8pPr>
+            <a:lvl9pPr marL="3657600" indent="0">
+              <a:buNone/>
+              <a:defRPr sz="1400">
+                <a:solidFill>
+                  <a:schemeClr val="tx1">
+                    <a:tint val="75000"/>
+                  </a:schemeClr>
+                </a:solidFill>
+              </a:defRPr>
+            </a:lvl9pPr>
+          </a:lstStyle>
+          <a:p>
+            <a:pPr lvl="0"/>
+            <a:r>
+              <a:rPr lang="en-US" smtClean="0"/>
+              <a:t>Click to edit Master text styles</a:t>
+            </a:r>
+          </a:p>
+        </p:txBody>
+      </p:sp>
+      <p:sp>
+        <p:nvSpPr>
+          <p:cNvPr id="4" name="Date Placeholder 3"/>
+          <p:cNvSpPr>
+            <a:spLocks noGrp="1"/>
+          </p:cNvSpPr>
+          <p:nvPr>
+            <p:ph type="dt" sz="half" idx="10"/>
+          </p:nvPr>
+        </p:nvSpPr>
+        <p:spPr/>
+        <p:txBody>
+          <a:bodyPr/>
+          <a:lstStyle/>
+          <a:p>
+            <a:fld id="{2612FB0F-5957-4199-B8A1-4B580505A0B0}" type="datetimeFigureOut">
+              <a:rPr lang="en-US" smtClean="0"/>
+              <a:t>12/5/2017</a:t>
+            </a:fld>
+            <a:endParaRPr lang="en-US"/>
+          </a:p>
+        </p:txBody>
+      </p:sp>
+      <p:sp>
+        <p:nvSpPr>
+          <p:cNvPr id="5" name="Footer Placeholder 4"/>
+          <p:cNvSpPr>
+            <a:spLocks noGrp="1"/>
+          </p:cNvSpPr>
+          <p:nvPr>
+            <p:ph type="ftr" sz="quarter" idx="11"/>
+          </p:nvPr>
+        </p:nvSpPr>
+        <p:spPr/>
+        <p:txBody>
+          <a:bodyPr/>
+          <a:lstStyle/>
+          <a:p>
+            <a:endParaRPr lang="en-US"/>
+          </a:p>
+        </p:txBody>
+      </p:sp>
+      <p:sp>
+        <p:nvSpPr>
+          <p:cNvPr id="6" name="Slide Number Placeholder 5"/>
+          <p:cNvSpPr>
+            <a:spLocks noGrp="1"/>
+          </p:cNvSpPr>
+          <p:nvPr>
+            <p:ph type="sldNum" sz="quarter" idx="12"/>
+          </p:nvPr>
+        </p:nvSpPr>
+        <p:spPr/>
+        <p:txBody>
+          <a:bodyPr/>
+          <a:lstStyle/>
+          <a:p>
+            <a:fld id="{508F0AB3-6919-4ABB-A5D4-A75CF3328B38}" type="slidenum">
+              <a:rPr lang="en-US" smtClean="0"/>
+              <a:t>‹#›</a:t>
+            </a:fld>
+            <a:endParaRPr lang="en-US"/>
+          </a:p>
+        </p:txBody>
+      </p:sp>
+    </p:spTree>
+    <p:extLst>
+      <p:ext uri="{BB962C8B-B14F-4D97-AF65-F5344CB8AC3E}">
+        <p14:creationId xmlns:p14="http://schemas.microsoft.com/office/powerpoint/2010/main" val="3503857568"/>
+      </p:ext>
+    </p:extLst>
+  </p:cSld>
+  <p:clrMapOvr>
+    <a:masterClrMapping/>
+  </p:clrMapOvr>
+</p:sldLayout>
+</file>
+
+<file path=ppt/slideLayouts/slideLayout14.xml><?xml version="1.0" encoding="utf-8"?>
+<p:sldLayout xmlns:a="http://schemas.openxmlformats.org/drawingml/2006/main" xmlns:r="http://schemas.openxmlformats.org/officeDocument/2006/relationships" xmlns:p="http://schemas.openxmlformats.org/presentationml/2006/main" preserve="1">
+  <p:cSld name="3 Column">
+    <p:spTree>
+      <p:nvGrpSpPr>
+        <p:cNvPr id="1" name=""/>
+        <p:cNvGrpSpPr/>
+        <p:nvPr/>
+      </p:nvGrpSpPr>
+      <p:grpSpPr>
+        <a:xfrm>
+          <a:off x="0" y="0"/>
+          <a:ext cx="0" cy="0"/>
+          <a:chOff x="0" y="0"/>
+          <a:chExt cx="0" cy="0"/>
+        </a:xfrm>
+      </p:grpSpPr>
+      <p:sp>
+        <p:nvSpPr>
+          <p:cNvPr id="2" name="Title 1"/>
+          <p:cNvSpPr>
+            <a:spLocks noGrp="1"/>
+          </p:cNvSpPr>
+          <p:nvPr>
+            <p:ph type="title"/>
+          </p:nvPr>
+        </p:nvSpPr>
+        <p:spPr/>
+        <p:txBody>
+          <a:bodyPr/>
+          <a:lstStyle>
+            <a:lvl1pPr>
+              <a:defRPr sz="4200"/>
+            </a:lvl1pPr>
+          </a:lstStyle>
+          <a:p>
+            <a:r>
+              <a:rPr lang="en-US" smtClean="0"/>
+              <a:t>Click to edit Master title style</a:t>
+            </a:r>
+            <a:endParaRPr lang="en-US" dirty="0"/>
+          </a:p>
+        </p:txBody>
+      </p:sp>
+      <p:sp>
+        <p:nvSpPr>
+          <p:cNvPr id="3" name="Text Placeholder 2"/>
+          <p:cNvSpPr>
+            <a:spLocks noGrp="1"/>
+          </p:cNvSpPr>
+          <p:nvPr>
+            <p:ph type="body" idx="1"/>
+          </p:nvPr>
+        </p:nvSpPr>
+        <p:spPr>
+          <a:xfrm>
+            <a:off x="632947" y="1981200"/>
+            <a:ext cx="2946866" cy="576262"/>
+          </a:xfrm>
+        </p:spPr>
+        <p:txBody>
+          <a:bodyPr anchor="b">
+            <a:noAutofit/>
+          </a:bodyPr>
+          <a:lstStyle>
+            <a:lvl1pPr marL="0" indent="0">
+              <a:buNone/>
+              <a:defRPr sz="2400" b="0">
+                <a:solidFill>
+                  <a:schemeClr val="bg2">
+                    <a:lumMod val="40000"/>
+                    <a:lumOff val="60000"/>
+                  </a:schemeClr>
+                </a:solidFill>
+              </a:defRPr>
+            </a:lvl1pPr>
+            <a:lvl2pPr marL="457200" indent="0">
+              <a:buNone/>
+              <a:defRPr sz="2000" b="1"/>
+            </a:lvl2pPr>
+            <a:lvl3pPr marL="914400" indent="0">
+              <a:buNone/>
+              <a:defRPr sz="1800" b="1"/>
+            </a:lvl3pPr>
+            <a:lvl4pPr marL="1371600" indent="0">
+              <a:buNone/>
+              <a:defRPr sz="1600" b="1"/>
+            </a:lvl4pPr>
+            <a:lvl5pPr marL="1828800" indent="0">
+              <a:buNone/>
+              <a:defRPr sz="1600" b="1"/>
+            </a:lvl5pPr>
+            <a:lvl6pPr marL="2286000" indent="0">
+              <a:buNone/>
+              <a:defRPr sz="1600" b="1"/>
+            </a:lvl6pPr>
+            <a:lvl7pPr marL="2743200" indent="0">
+              <a:buNone/>
+              <a:defRPr sz="1600" b="1"/>
+            </a:lvl7pPr>
+            <a:lvl8pPr marL="3200400" indent="0">
+              <a:buNone/>
+              <a:defRPr sz="1600" b="1"/>
+            </a:lvl8pPr>
+            <a:lvl9pPr marL="3657600" indent="0">
+              <a:buNone/>
+              <a:defRPr sz="1600" b="1"/>
+            </a:lvl9pPr>
+          </a:lstStyle>
+          <a:p>
+            <a:pPr lvl="0"/>
+            <a:r>
+              <a:rPr lang="en-US" smtClean="0"/>
+              <a:t>Click to edit Master text styles</a:t>
+            </a:r>
+          </a:p>
+        </p:txBody>
+      </p:sp>
+      <p:sp>
+        <p:nvSpPr>
+          <p:cNvPr id="16" name="Text Placeholder 3"/>
+          <p:cNvSpPr>
+            <a:spLocks noGrp="1"/>
+          </p:cNvSpPr>
+          <p:nvPr>
+            <p:ph type="body" sz="half" idx="15"/>
+          </p:nvPr>
+        </p:nvSpPr>
+        <p:spPr>
+          <a:xfrm>
+            <a:off x="652463" y="2667000"/>
+            <a:ext cx="2927350" cy="3589338"/>
+          </a:xfrm>
+        </p:spPr>
+        <p:txBody>
+          <a:bodyPr anchor="t">
+            <a:normAutofit/>
+          </a:bodyPr>
+          <a:lstStyle>
+            <a:lvl1pPr marL="0" indent="0">
+              <a:buNone/>
+              <a:defRPr sz="1400"/>
+            </a:lvl1pPr>
+            <a:lvl2pPr marL="457200" indent="0">
+              <a:buNone/>
+              <a:defRPr sz="1200"/>
+            </a:lvl2pPr>
+            <a:lvl3pPr marL="914400" indent="0">
+              <a:buNone/>
+              <a:defRPr sz="1000"/>
+            </a:lvl3pPr>
+            <a:lvl4pPr marL="1371600" indent="0">
+              <a:buNone/>
+              <a:defRPr sz="900"/>
+            </a:lvl4pPr>
+            <a:lvl5pPr marL="1828800" indent="0">
+              <a:buNone/>
+              <a:defRPr sz="900"/>
+            </a:lvl5pPr>
+            <a:lvl6pPr marL="2286000" indent="0">
+              <a:buNone/>
+              <a:defRPr sz="900"/>
+            </a:lvl6pPr>
+            <a:lvl7pPr marL="2743200" indent="0">
+              <a:buNone/>
+              <a:defRPr sz="900"/>
+            </a:lvl7pPr>
+            <a:lvl8pPr marL="3200400" indent="0">
+              <a:buNone/>
+              <a:defRPr sz="900"/>
+            </a:lvl8pPr>
+            <a:lvl9pPr marL="3657600" indent="0">
+              <a:buNone/>
+              <a:defRPr sz="900"/>
+            </a:lvl9pPr>
+          </a:lstStyle>
+          <a:p>
+            <a:pPr lvl="0"/>
+            <a:r>
+              <a:rPr lang="en-US" smtClean="0"/>
+              <a:t>Click to edit Master text styles</a:t>
+            </a:r>
+          </a:p>
+        </p:txBody>
+      </p:sp>
+      <p:sp>
+        <p:nvSpPr>
+          <p:cNvPr id="5" name="Text Placeholder 4"/>
+          <p:cNvSpPr>
+            <a:spLocks noGrp="1"/>
+          </p:cNvSpPr>
+          <p:nvPr>
+            <p:ph type="body" sz="quarter" idx="3"/>
+          </p:nvPr>
+        </p:nvSpPr>
+        <p:spPr>
+          <a:xfrm>
+            <a:off x="3883659" y="1981200"/>
+            <a:ext cx="2936241" cy="576262"/>
+          </a:xfrm>
+        </p:spPr>
+        <p:txBody>
+          <a:bodyPr anchor="b">
+            <a:noAutofit/>
+          </a:bodyPr>
+          <a:lstStyle>
+            <a:lvl1pPr marL="0" indent="0">
+              <a:buNone/>
+              <a:defRPr sz="2400" b="0">
+                <a:solidFill>
+                  <a:schemeClr val="bg2">
+                    <a:lumMod val="40000"/>
+                    <a:lumOff val="60000"/>
+                  </a:schemeClr>
+                </a:solidFill>
+              </a:defRPr>
+            </a:lvl1pPr>
+            <a:lvl2pPr marL="457200" indent="0">
+              <a:buNone/>
+              <a:defRPr sz="2000" b="1"/>
+            </a:lvl2pPr>
+            <a:lvl3pPr marL="914400" indent="0">
+              <a:buNone/>
+              <a:defRPr sz="1800" b="1"/>
+            </a:lvl3pPr>
+            <a:lvl4pPr marL="1371600" indent="0">
+              <a:buNone/>
+              <a:defRPr sz="1600" b="1"/>
+            </a:lvl4pPr>
+            <a:lvl5pPr marL="1828800" indent="0">
+              <a:buNone/>
+              <a:defRPr sz="1600" b="1"/>
+            </a:lvl5pPr>
+            <a:lvl6pPr marL="2286000" indent="0">
+              <a:buNone/>
+              <a:defRPr sz="1600" b="1"/>
+            </a:lvl6pPr>
+            <a:lvl7pPr marL="2743200" indent="0">
+              <a:buNone/>
+              <a:defRPr sz="1600" b="1"/>
+            </a:lvl7pPr>
+            <a:lvl8pPr marL="3200400" indent="0">
+              <a:buNone/>
+              <a:defRPr sz="1600" b="1"/>
+            </a:lvl8pPr>
+            <a:lvl9pPr marL="3657600" indent="0">
+              <a:buNone/>
+              <a:defRPr sz="1600" b="1"/>
+            </a:lvl9pPr>
+          </a:lstStyle>
+          <a:p>
+            <a:pPr lvl="0"/>
+            <a:r>
+              <a:rPr lang="en-US" smtClean="0"/>
+              <a:t>Click to edit Master text styles</a:t>
+            </a:r>
+          </a:p>
+        </p:txBody>
+      </p:sp>
+      <p:sp>
+        <p:nvSpPr>
+          <p:cNvPr id="19" name="Text Placeholder 3"/>
+          <p:cNvSpPr>
+            <a:spLocks noGrp="1"/>
+          </p:cNvSpPr>
+          <p:nvPr>
+            <p:ph type="body" sz="half" idx="16"/>
+          </p:nvPr>
+        </p:nvSpPr>
+        <p:spPr>
+          <a:xfrm>
+            <a:off x="3873106" y="2667000"/>
+            <a:ext cx="2946794" cy="3589338"/>
+          </a:xfrm>
+        </p:spPr>
+        <p:txBody>
+          <a:bodyPr anchor="t">
+            <a:normAutofit/>
+          </a:bodyPr>
+          <a:lstStyle>
+            <a:lvl1pPr marL="0" indent="0">
+              <a:buNone/>
+              <a:defRPr sz="1400"/>
+            </a:lvl1pPr>
+            <a:lvl2pPr marL="457200" indent="0">
+              <a:buNone/>
+              <a:defRPr sz="1200"/>
+            </a:lvl2pPr>
+            <a:lvl3pPr marL="914400" indent="0">
+              <a:buNone/>
+              <a:defRPr sz="1000"/>
+            </a:lvl3pPr>
+            <a:lvl4pPr marL="1371600" indent="0">
+              <a:buNone/>
+              <a:defRPr sz="900"/>
+            </a:lvl4pPr>
+            <a:lvl5pPr marL="1828800" indent="0">
+              <a:buNone/>
+              <a:defRPr sz="900"/>
+            </a:lvl5pPr>
+            <a:lvl6pPr marL="2286000" indent="0">
+              <a:buNone/>
+              <a:defRPr sz="900"/>
+            </a:lvl6pPr>
+            <a:lvl7pPr marL="2743200" indent="0">
+              <a:buNone/>
+              <a:defRPr sz="900"/>
+            </a:lvl7pPr>
+            <a:lvl8pPr marL="3200400" indent="0">
+              <a:buNone/>
+              <a:defRPr sz="900"/>
+            </a:lvl8pPr>
+            <a:lvl9pPr marL="3657600" indent="0">
+              <a:buNone/>
+              <a:defRPr sz="900"/>
+            </a:lvl9pPr>
+          </a:lstStyle>
+          <a:p>
+            <a:pPr lvl="0"/>
+            <a:r>
+              <a:rPr lang="en-US" smtClean="0"/>
+              <a:t>Click to edit Master text styles</a:t>
+            </a:r>
+          </a:p>
+        </p:txBody>
+      </p:sp>
+      <p:sp>
+        <p:nvSpPr>
+          <p:cNvPr id="14" name="Text Placeholder 4"/>
+          <p:cNvSpPr>
+            <a:spLocks noGrp="1"/>
+          </p:cNvSpPr>
+          <p:nvPr>
+            <p:ph type="body" sz="quarter" idx="13"/>
+          </p:nvPr>
+        </p:nvSpPr>
+        <p:spPr>
+          <a:xfrm>
+            <a:off x="7124700" y="1981200"/>
+            <a:ext cx="2932113" cy="576262"/>
+          </a:xfrm>
+        </p:spPr>
+        <p:txBody>
+          <a:bodyPr anchor="b">
+            <a:noAutofit/>
+          </a:bodyPr>
+          <a:lstStyle>
+            <a:lvl1pPr marL="0" indent="0">
+              <a:buNone/>
+              <a:defRPr sz="2400" b="0">
+                <a:solidFill>
+                  <a:schemeClr val="bg2">
+                    <a:lumMod val="40000"/>
+                    <a:lumOff val="60000"/>
+                  </a:schemeClr>
+                </a:solidFill>
+              </a:defRPr>
+            </a:lvl1pPr>
+            <a:lvl2pPr marL="457200" indent="0">
+              <a:buNone/>
+              <a:defRPr sz="2000" b="1"/>
+            </a:lvl2pPr>
+            <a:lvl3pPr marL="914400" indent="0">
+              <a:buNone/>
+              <a:defRPr sz="1800" b="1"/>
+            </a:lvl3pPr>
+            <a:lvl4pPr marL="1371600" indent="0">
+              <a:buNone/>
+              <a:defRPr sz="1600" b="1"/>
+            </a:lvl4pPr>
+            <a:lvl5pPr marL="1828800" indent="0">
+              <a:buNone/>
+              <a:defRPr sz="1600" b="1"/>
+            </a:lvl5pPr>
+            <a:lvl6pPr marL="2286000" indent="0">
+              <a:buNone/>
+              <a:defRPr sz="1600" b="1"/>
+            </a:lvl6pPr>
+            <a:lvl7pPr marL="2743200" indent="0">
+              <a:buNone/>
+              <a:defRPr sz="1600" b="1"/>
+            </a:lvl7pPr>
+            <a:lvl8pPr marL="3200400" indent="0">
+              <a:buNone/>
+              <a:defRPr sz="1600" b="1"/>
+            </a:lvl8pPr>
+            <a:lvl9pPr marL="3657600" indent="0">
+              <a:buNone/>
+              <a:defRPr sz="1600" b="1"/>
+            </a:lvl9pPr>
+          </a:lstStyle>
+          <a:p>
+            <a:pPr lvl="0"/>
+            <a:r>
+              <a:rPr lang="en-US" smtClean="0"/>
+              <a:t>Click to edit Master text styles</a:t>
+            </a:r>
+          </a:p>
+        </p:txBody>
+      </p:sp>
+      <p:sp>
+        <p:nvSpPr>
+          <p:cNvPr id="20" name="Text Placeholder 3"/>
+          <p:cNvSpPr>
+            <a:spLocks noGrp="1"/>
+          </p:cNvSpPr>
+          <p:nvPr>
+            <p:ph type="body" sz="half" idx="17"/>
+          </p:nvPr>
+        </p:nvSpPr>
+        <p:spPr>
+          <a:xfrm>
+            <a:off x="7124700" y="2667000"/>
+            <a:ext cx="2932113" cy="3589338"/>
+          </a:xfrm>
+        </p:spPr>
+        <p:txBody>
+          <a:bodyPr anchor="t">
+            <a:normAutofit/>
+          </a:bodyPr>
+          <a:lstStyle>
+            <a:lvl1pPr marL="0" indent="0">
+              <a:buNone/>
+              <a:defRPr sz="1400"/>
+            </a:lvl1pPr>
+            <a:lvl2pPr marL="457200" indent="0">
+              <a:buNone/>
+              <a:defRPr sz="1200"/>
+            </a:lvl2pPr>
+            <a:lvl3pPr marL="914400" indent="0">
+              <a:buNone/>
+              <a:defRPr sz="1000"/>
+            </a:lvl3pPr>
+            <a:lvl4pPr marL="1371600" indent="0">
+              <a:buNone/>
+              <a:defRPr sz="900"/>
+            </a:lvl4pPr>
+            <a:lvl5pPr marL="1828800" indent="0">
+              <a:buNone/>
+              <a:defRPr sz="900"/>
+            </a:lvl5pPr>
+            <a:lvl6pPr marL="2286000" indent="0">
+              <a:buNone/>
+              <a:defRPr sz="900"/>
+            </a:lvl6pPr>
+            <a:lvl7pPr marL="2743200" indent="0">
+              <a:buNone/>
+              <a:defRPr sz="900"/>
+            </a:lvl7pPr>
+            <a:lvl8pPr marL="3200400" indent="0">
+              <a:buNone/>
+              <a:defRPr sz="900"/>
+            </a:lvl8pPr>
+            <a:lvl9pPr marL="3657600" indent="0">
+              <a:buNone/>
+              <a:defRPr sz="900"/>
+            </a:lvl9pPr>
+          </a:lstStyle>
+          <a:p>
+            <a:pPr lvl="0"/>
+            <a:r>
+              <a:rPr lang="en-US" smtClean="0"/>
+              <a:t>Click to edit Master text styles</a:t>
+            </a:r>
+          </a:p>
+        </p:txBody>
+      </p:sp>
+      <p:cxnSp>
+        <p:nvCxnSpPr>
+          <p:cNvPr id="17" name="Straight Connector 16"/>
+          <p:cNvCxnSpPr/>
+          <p:nvPr/>
+        </p:nvCxnSpPr>
+        <p:spPr>
+          <a:xfrm>
+            <a:off x="3726142" y="2133600"/>
+            <a:ext cx="0" cy="3962400"/>
+          </a:xfrm>
+          <a:prstGeom prst="line">
+            <a:avLst/>
+          </a:prstGeom>
+          <a:ln w="12700" cmpd="sng">
+            <a:solidFill>
+              <a:schemeClr val="bg2">
+                <a:lumMod val="40000"/>
+                <a:lumOff val="60000"/>
+                <a:alpha val="40000"/>
+              </a:schemeClr>
+            </a:solidFill>
+          </a:ln>
+        </p:spPr>
+        <p:style>
+          <a:lnRef idx="2">
+            <a:schemeClr val="accent1"/>
+          </a:lnRef>
+          <a:fillRef idx="0">
+            <a:schemeClr val="accent1"/>
+          </a:fillRef>
+          <a:effectRef idx="1">
+            <a:schemeClr val="accent1"/>
+          </a:effectRef>
+          <a:fontRef idx="minor">
+            <a:schemeClr val="tx1"/>
+          </a:fontRef>
+        </p:style>
+      </p:cxnSp>
+      <p:cxnSp>
+        <p:nvCxnSpPr>
+          <p:cNvPr id="18" name="Straight Connector 17"/>
+          <p:cNvCxnSpPr/>
+          <p:nvPr/>
+        </p:nvCxnSpPr>
+        <p:spPr>
+          <a:xfrm>
+            <a:off x="6962227" y="2133600"/>
+            <a:ext cx="0" cy="3966882"/>
+          </a:xfrm>
+          <a:prstGeom prst="line">
+            <a:avLst/>
+          </a:prstGeom>
+          <a:ln w="12700" cmpd="sng">
+            <a:solidFill>
+              <a:schemeClr val="bg2">
+                <a:lumMod val="40000"/>
+                <a:lumOff val="60000"/>
+                <a:alpha val="40000"/>
+              </a:schemeClr>
+            </a:solidFill>
+          </a:ln>
+        </p:spPr>
+        <p:style>
+          <a:lnRef idx="2">
+            <a:schemeClr val="accent1"/>
+          </a:lnRef>
+          <a:fillRef idx="0">
+            <a:schemeClr val="accent1"/>
+          </a:fillRef>
+          <a:effectRef idx="1">
+            <a:schemeClr val="accent1"/>
+          </a:effectRef>
+          <a:fontRef idx="minor">
+            <a:schemeClr val="tx1"/>
+          </a:fontRef>
+        </p:style>
+      </p:cxnSp>
+      <p:sp>
+        <p:nvSpPr>
+          <p:cNvPr id="7" name="Date Placeholder 3"/>
+          <p:cNvSpPr>
+            <a:spLocks noGrp="1"/>
+          </p:cNvSpPr>
+          <p:nvPr>
+            <p:ph type="dt" sz="half" idx="10"/>
+          </p:nvPr>
+        </p:nvSpPr>
+        <p:spPr/>
+        <p:txBody>
+          <a:bodyPr/>
+          <a:lstStyle/>
+          <a:p>
+            <a:fld id="{2612FB0F-5957-4199-B8A1-4B580505A0B0}" type="datetimeFigureOut">
+              <a:rPr lang="en-US" smtClean="0"/>
+              <a:t>12/5/2017</a:t>
+            </a:fld>
+            <a:endParaRPr lang="en-US"/>
+          </a:p>
+        </p:txBody>
+      </p:sp>
+      <p:sp>
+        <p:nvSpPr>
+          <p:cNvPr id="4" name="Footer Placeholder 4"/>
+          <p:cNvSpPr>
+            <a:spLocks noGrp="1"/>
+          </p:cNvSpPr>
+          <p:nvPr>
+            <p:ph type="ftr" sz="quarter" idx="11"/>
+          </p:nvPr>
+        </p:nvSpPr>
+        <p:spPr/>
+        <p:txBody>
+          <a:bodyPr/>
+          <a:lstStyle/>
+          <a:p>
+            <a:endParaRPr lang="en-US"/>
+          </a:p>
+        </p:txBody>
+      </p:sp>
+      <p:sp>
+        <p:nvSpPr>
+          <p:cNvPr id="6" name="Slide Number Placeholder 5"/>
+          <p:cNvSpPr>
+            <a:spLocks noGrp="1"/>
+          </p:cNvSpPr>
+          <p:nvPr>
+            <p:ph type="sldNum" sz="quarter" idx="12"/>
+          </p:nvPr>
+        </p:nvSpPr>
+        <p:spPr/>
+        <p:txBody>
+          <a:bodyPr/>
+          <a:lstStyle/>
+          <a:p>
+            <a:fld id="{508F0AB3-6919-4ABB-A5D4-A75CF3328B38}" type="slidenum">
+              <a:rPr lang="en-US" smtClean="0"/>
+              <a:t>‹#›</a:t>
+            </a:fld>
+            <a:endParaRPr lang="en-US"/>
+          </a:p>
+        </p:txBody>
+      </p:sp>
+    </p:spTree>
+    <p:extLst>
+      <p:ext uri="{BB962C8B-B14F-4D97-AF65-F5344CB8AC3E}">
+        <p14:creationId xmlns:p14="http://schemas.microsoft.com/office/powerpoint/2010/main" val="1364139024"/>
+      </p:ext>
+    </p:extLst>
+  </p:cSld>
+  <p:clrMapOvr>
+    <a:masterClrMapping/>
+  </p:clrMapOvr>
+</p:sldLayout>
+</file>
+
+<file path=ppt/slideLayouts/slideLayout15.xml><?xml version="1.0" encoding="utf-8"?>
+<p:sldLayout xmlns:a="http://schemas.openxmlformats.org/drawingml/2006/main" xmlns:r="http://schemas.openxmlformats.org/officeDocument/2006/relationships" xmlns:p="http://schemas.openxmlformats.org/presentationml/2006/main" preserve="1">
+  <p:cSld name="3 Picture Column">
+    <p:spTree>
+      <p:nvGrpSpPr>
+        <p:cNvPr id="1" name=""/>
+        <p:cNvGrpSpPr/>
+        <p:nvPr/>
+      </p:nvGrpSpPr>
+      <p:grpSpPr>
+        <a:xfrm>
+          <a:off x="0" y="0"/>
+          <a:ext cx="0" cy="0"/>
+          <a:chOff x="0" y="0"/>
+          <a:chExt cx="0" cy="0"/>
+        </a:xfrm>
+      </p:grpSpPr>
+      <p:sp>
+        <p:nvSpPr>
+          <p:cNvPr id="2" name="Title 1"/>
+          <p:cNvSpPr>
+            <a:spLocks noGrp="1"/>
+          </p:cNvSpPr>
+          <p:nvPr>
+            <p:ph type="title"/>
+          </p:nvPr>
+        </p:nvSpPr>
+        <p:spPr/>
+        <p:txBody>
+          <a:bodyPr/>
+          <a:lstStyle>
+            <a:lvl1pPr>
+              <a:defRPr sz="4200"/>
+            </a:lvl1pPr>
+          </a:lstStyle>
+          <a:p>
+            <a:r>
+              <a:rPr lang="en-US" smtClean="0"/>
+              <a:t>Click to edit Master title style</a:t>
+            </a:r>
+            <a:endParaRPr lang="en-US" dirty="0"/>
+          </a:p>
+        </p:txBody>
+      </p:sp>
+      <p:sp>
+        <p:nvSpPr>
+          <p:cNvPr id="3" name="Text Placeholder 2"/>
+          <p:cNvSpPr>
+            <a:spLocks noGrp="1"/>
+          </p:cNvSpPr>
+          <p:nvPr>
+            <p:ph type="body" idx="1"/>
+          </p:nvPr>
+        </p:nvSpPr>
+        <p:spPr>
+          <a:xfrm>
+            <a:off x="652463" y="4250949"/>
+            <a:ext cx="2940050" cy="576262"/>
+          </a:xfrm>
+        </p:spPr>
+        <p:txBody>
+          <a:bodyPr anchor="b">
+            <a:noAutofit/>
+          </a:bodyPr>
+          <a:lstStyle>
+            <a:lvl1pPr marL="0" indent="0">
+              <a:buNone/>
+              <a:defRPr sz="2400" b="0">
+                <a:solidFill>
+                  <a:schemeClr val="bg2">
+                    <a:lumMod val="40000"/>
+                    <a:lumOff val="60000"/>
+                  </a:schemeClr>
+                </a:solidFill>
+              </a:defRPr>
+            </a:lvl1pPr>
+            <a:lvl2pPr marL="457200" indent="0">
+              <a:buNone/>
+              <a:defRPr sz="2000" b="1"/>
+            </a:lvl2pPr>
+            <a:lvl3pPr marL="914400" indent="0">
+              <a:buNone/>
+              <a:defRPr sz="1800" b="1"/>
+            </a:lvl3pPr>
+            <a:lvl4pPr marL="1371600" indent="0">
+              <a:buNone/>
+              <a:defRPr sz="1600" b="1"/>
+            </a:lvl4pPr>
+            <a:lvl5pPr marL="1828800" indent="0">
+              <a:buNone/>
+              <a:defRPr sz="1600" b="1"/>
+            </a:lvl5pPr>
+            <a:lvl6pPr marL="2286000" indent="0">
+              <a:buNone/>
+              <a:defRPr sz="1600" b="1"/>
+            </a:lvl6pPr>
+            <a:lvl7pPr marL="2743200" indent="0">
+              <a:buNone/>
+              <a:defRPr sz="1600" b="1"/>
+            </a:lvl7pPr>
+            <a:lvl8pPr marL="3200400" indent="0">
+              <a:buNone/>
+              <a:defRPr sz="1600" b="1"/>
+            </a:lvl8pPr>
+            <a:lvl9pPr marL="3657600" indent="0">
+              <a:buNone/>
+              <a:defRPr sz="1600" b="1"/>
+            </a:lvl9pPr>
+          </a:lstStyle>
+          <a:p>
+            <a:pPr lvl="0"/>
+            <a:r>
+              <a:rPr lang="en-US" smtClean="0"/>
+              <a:t>Click to edit Master text styles</a:t>
+            </a:r>
+          </a:p>
+        </p:txBody>
+      </p:sp>
+      <p:sp>
+        <p:nvSpPr>
+          <p:cNvPr id="29" name="Picture Placeholder 2"/>
+          <p:cNvSpPr>
+            <a:spLocks noGrp="1" noChangeAspect="1"/>
+          </p:cNvSpPr>
+          <p:nvPr>
+            <p:ph type="pic" idx="15"/>
+          </p:nvPr>
+        </p:nvSpPr>
+        <p:spPr>
+          <a:xfrm>
+            <a:off x="652463" y="2209800"/>
+            <a:ext cx="2940050" cy="1524000"/>
+          </a:xfrm>
+          <a:prstGeom prst="roundRect">
+            <a:avLst>
+              <a:gd name="adj" fmla="val 1858"/>
+            </a:avLst>
+          </a:prstGeom>
+          <a:effectLst>
+            <a:outerShdw blurRad="50800" dist="50800" dir="5400000" algn="tl" rotWithShape="0">
+              <a:srgbClr val="000000">
+                <a:alpha val="43000"/>
+              </a:srgbClr>
+            </a:outerShdw>
+          </a:effectLst>
+        </p:spPr>
+        <p:txBody>
+          <a:bodyPr anchor="t">
+            <a:normAutofit/>
+          </a:bodyPr>
+          <a:lstStyle>
+            <a:lvl1pPr marL="0" indent="0" algn="ctr">
+              <a:buNone/>
+              <a:defRPr sz="1600"/>
+            </a:lvl1pPr>
+            <a:lvl2pPr marL="457200" indent="0">
+              <a:buNone/>
+              <a:defRPr sz="1600"/>
+            </a:lvl2pPr>
+            <a:lvl3pPr marL="914400" indent="0">
+              <a:buNone/>
+              <a:defRPr sz="1600"/>
+            </a:lvl3pPr>
+            <a:lvl4pPr marL="1371600" indent="0">
+              <a:buNone/>
+              <a:defRPr sz="1600"/>
+            </a:lvl4pPr>
+            <a:lvl5pPr marL="1828800" indent="0">
+              <a:buNone/>
+              <a:defRPr sz="1600"/>
+            </a:lvl5pPr>
+            <a:lvl6pPr marL="2286000" indent="0">
+              <a:buNone/>
+              <a:defRPr sz="1600"/>
+            </a:lvl6pPr>
+            <a:lvl7pPr marL="2743200" indent="0">
+              <a:buNone/>
+              <a:defRPr sz="1600"/>
+            </a:lvl7pPr>
+            <a:lvl8pPr marL="3200400" indent="0">
+              <a:buNone/>
+              <a:defRPr sz="1600"/>
+            </a:lvl8pPr>
+            <a:lvl9pPr marL="3657600" indent="0">
+              <a:buNone/>
+              <a:defRPr sz="1600"/>
+            </a:lvl9pPr>
+          </a:lstStyle>
+          <a:p>
+            <a:r>
+              <a:rPr lang="en-US" smtClean="0"/>
+              <a:t>Click icon to add picture</a:t>
+            </a:r>
+            <a:endParaRPr lang="en-US" dirty="0"/>
+          </a:p>
+        </p:txBody>
+      </p:sp>
+      <p:sp>
+        <p:nvSpPr>
+          <p:cNvPr id="22" name="Text Placeholder 3"/>
+          <p:cNvSpPr>
+            <a:spLocks noGrp="1"/>
+          </p:cNvSpPr>
+          <p:nvPr>
+            <p:ph type="body" sz="half" idx="18"/>
+          </p:nvPr>
+        </p:nvSpPr>
+        <p:spPr>
+          <a:xfrm>
+            <a:off x="652463" y="4827211"/>
+            <a:ext cx="2940050" cy="659189"/>
+          </a:xfrm>
+        </p:spPr>
+        <p:txBody>
+          <a:bodyPr anchor="t">
+            <a:normAutofit/>
+          </a:bodyPr>
+          <a:lstStyle>
+            <a:lvl1pPr marL="0" indent="0">
+              <a:buNone/>
+              <a:defRPr sz="1400"/>
+            </a:lvl1pPr>
+            <a:lvl2pPr marL="457200" indent="0">
+              <a:buNone/>
+              <a:defRPr sz="1200"/>
+            </a:lvl2pPr>
+            <a:lvl3pPr marL="914400" indent="0">
+              <a:buNone/>
+              <a:defRPr sz="1000"/>
+            </a:lvl3pPr>
+            <a:lvl4pPr marL="1371600" indent="0">
+              <a:buNone/>
+              <a:defRPr sz="900"/>
+            </a:lvl4pPr>
+            <a:lvl5pPr marL="1828800" indent="0">
+              <a:buNone/>
+              <a:defRPr sz="900"/>
+            </a:lvl5pPr>
+            <a:lvl6pPr marL="2286000" indent="0">
+              <a:buNone/>
+              <a:defRPr sz="900"/>
+            </a:lvl6pPr>
+            <a:lvl7pPr marL="2743200" indent="0">
+              <a:buNone/>
+              <a:defRPr sz="900"/>
+            </a:lvl7pPr>
+            <a:lvl8pPr marL="3200400" indent="0">
+              <a:buNone/>
+              <a:defRPr sz="900"/>
+            </a:lvl8pPr>
+            <a:lvl9pPr marL="3657600" indent="0">
+              <a:buNone/>
+              <a:defRPr sz="900"/>
+            </a:lvl9pPr>
+          </a:lstStyle>
+          <a:p>
+            <a:pPr lvl="0"/>
+            <a:r>
+              <a:rPr lang="en-US" smtClean="0"/>
+              <a:t>Click to edit Master text styles</a:t>
+            </a:r>
+          </a:p>
+        </p:txBody>
+      </p:sp>
+      <p:sp>
+        <p:nvSpPr>
+          <p:cNvPr id="5" name="Text Placeholder 4"/>
+          <p:cNvSpPr>
+            <a:spLocks noGrp="1"/>
+          </p:cNvSpPr>
+          <p:nvPr>
+            <p:ph type="body" sz="quarter" idx="3"/>
+          </p:nvPr>
+        </p:nvSpPr>
+        <p:spPr>
+          <a:xfrm>
+            <a:off x="3889375" y="4250949"/>
+            <a:ext cx="2930525" cy="576262"/>
+          </a:xfrm>
+        </p:spPr>
+        <p:txBody>
+          <a:bodyPr anchor="b">
+            <a:noAutofit/>
+          </a:bodyPr>
+          <a:lstStyle>
+            <a:lvl1pPr marL="0" indent="0">
+              <a:buNone/>
+              <a:defRPr sz="2400" b="0">
+                <a:solidFill>
+                  <a:schemeClr val="bg2">
+                    <a:lumMod val="40000"/>
+                    <a:lumOff val="60000"/>
+                  </a:schemeClr>
+                </a:solidFill>
+              </a:defRPr>
+            </a:lvl1pPr>
+            <a:lvl2pPr marL="457200" indent="0">
+              <a:buNone/>
+              <a:defRPr sz="2000" b="1"/>
+            </a:lvl2pPr>
+            <a:lvl3pPr marL="914400" indent="0">
+              <a:buNone/>
+              <a:defRPr sz="1800" b="1"/>
+            </a:lvl3pPr>
+            <a:lvl4pPr marL="1371600" indent="0">
+              <a:buNone/>
+              <a:defRPr sz="1600" b="1"/>
+            </a:lvl4pPr>
+            <a:lvl5pPr marL="1828800" indent="0">
+              <a:buNone/>
+              <a:defRPr sz="1600" b="1"/>
+            </a:lvl5pPr>
+            <a:lvl6pPr marL="2286000" indent="0">
+              <a:buNone/>
+              <a:defRPr sz="1600" b="1"/>
+            </a:lvl6pPr>
+            <a:lvl7pPr marL="2743200" indent="0">
+              <a:buNone/>
+              <a:defRPr sz="1600" b="1"/>
+            </a:lvl7pPr>
+            <a:lvl8pPr marL="3200400" indent="0">
+              <a:buNone/>
+              <a:defRPr sz="1600" b="1"/>
+            </a:lvl8pPr>
+            <a:lvl9pPr marL="3657600" indent="0">
+              <a:buNone/>
+              <a:defRPr sz="1600" b="1"/>
+            </a:lvl9pPr>
+          </a:lstStyle>
+          <a:p>
+            <a:pPr lvl="0"/>
+            <a:r>
+              <a:rPr lang="en-US" smtClean="0"/>
+              <a:t>Click to edit Master text styles</a:t>
+            </a:r>
+          </a:p>
+        </p:txBody>
+      </p:sp>
+      <p:sp>
+        <p:nvSpPr>
+          <p:cNvPr id="30" name="Picture Placeholder 2"/>
+          <p:cNvSpPr>
+            <a:spLocks noGrp="1" noChangeAspect="1"/>
+          </p:cNvSpPr>
+          <p:nvPr>
+            <p:ph type="pic" idx="21"/>
+          </p:nvPr>
+        </p:nvSpPr>
+        <p:spPr>
+          <a:xfrm>
+            <a:off x="3889374" y="2209800"/>
+            <a:ext cx="2930525" cy="1524000"/>
+          </a:xfrm>
+          <a:prstGeom prst="roundRect">
+            <a:avLst>
+              <a:gd name="adj" fmla="val 1858"/>
+            </a:avLst>
+          </a:prstGeom>
+          <a:effectLst>
+            <a:outerShdw blurRad="50800" dist="50800" dir="5400000" algn="tl" rotWithShape="0">
+              <a:srgbClr val="000000">
+                <a:alpha val="43000"/>
+              </a:srgbClr>
+            </a:outerShdw>
+          </a:effectLst>
+        </p:spPr>
+        <p:txBody>
+          <a:bodyPr anchor="t">
+            <a:normAutofit/>
+          </a:bodyPr>
+          <a:lstStyle>
+            <a:lvl1pPr marL="0" indent="0" algn="ctr">
+              <a:buNone/>
+              <a:defRPr sz="1600"/>
+            </a:lvl1pPr>
+            <a:lvl2pPr marL="457200" indent="0">
+              <a:buNone/>
+              <a:defRPr sz="1600"/>
+            </a:lvl2pPr>
+            <a:lvl3pPr marL="914400" indent="0">
+              <a:buNone/>
+              <a:defRPr sz="1600"/>
+            </a:lvl3pPr>
+            <a:lvl4pPr marL="1371600" indent="0">
+              <a:buNone/>
+              <a:defRPr sz="1600"/>
+            </a:lvl4pPr>
+            <a:lvl5pPr marL="1828800" indent="0">
+              <a:buNone/>
+              <a:defRPr sz="1600"/>
+            </a:lvl5pPr>
+            <a:lvl6pPr marL="2286000" indent="0">
+              <a:buNone/>
+              <a:defRPr sz="1600"/>
+            </a:lvl6pPr>
+            <a:lvl7pPr marL="2743200" indent="0">
+              <a:buNone/>
+              <a:defRPr sz="1600"/>
+            </a:lvl7pPr>
+            <a:lvl8pPr marL="3200400" indent="0">
+              <a:buNone/>
+              <a:defRPr sz="1600"/>
+            </a:lvl8pPr>
+            <a:lvl9pPr marL="3657600" indent="0">
+              <a:buNone/>
+              <a:defRPr sz="1600"/>
+            </a:lvl9pPr>
+          </a:lstStyle>
+          <a:p>
+            <a:r>
+              <a:rPr lang="en-US" smtClean="0"/>
+              <a:t>Click icon to add picture</a:t>
+            </a:r>
+            <a:endParaRPr lang="en-US" dirty="0"/>
+          </a:p>
+        </p:txBody>
+      </p:sp>
+      <p:sp>
+        <p:nvSpPr>
+          <p:cNvPr id="23" name="Text Placeholder 3"/>
+          <p:cNvSpPr>
+            <a:spLocks noGrp="1"/>
+          </p:cNvSpPr>
+          <p:nvPr>
+            <p:ph type="body" sz="half" idx="19"/>
+          </p:nvPr>
+        </p:nvSpPr>
+        <p:spPr>
+          <a:xfrm>
+            <a:off x="3888022" y="4827210"/>
+            <a:ext cx="2934406" cy="659189"/>
+          </a:xfrm>
+        </p:spPr>
+        <p:txBody>
+          <a:bodyPr anchor="t">
+            <a:normAutofit/>
+          </a:bodyPr>
+          <a:lstStyle>
+            <a:lvl1pPr marL="0" indent="0">
+              <a:buNone/>
+              <a:defRPr sz="1400"/>
+            </a:lvl1pPr>
+            <a:lvl2pPr marL="457200" indent="0">
+              <a:buNone/>
+              <a:defRPr sz="1200"/>
+            </a:lvl2pPr>
+            <a:lvl3pPr marL="914400" indent="0">
+              <a:buNone/>
+              <a:defRPr sz="1000"/>
+            </a:lvl3pPr>
+            <a:lvl4pPr marL="1371600" indent="0">
+              <a:buNone/>
+              <a:defRPr sz="900"/>
+            </a:lvl4pPr>
+            <a:lvl5pPr marL="1828800" indent="0">
+              <a:buNone/>
+              <a:defRPr sz="900"/>
+            </a:lvl5pPr>
+            <a:lvl6pPr marL="2286000" indent="0">
+              <a:buNone/>
+              <a:defRPr sz="900"/>
+            </a:lvl6pPr>
+            <a:lvl7pPr marL="2743200" indent="0">
+              <a:buNone/>
+              <a:defRPr sz="900"/>
+            </a:lvl7pPr>
+            <a:lvl8pPr marL="3200400" indent="0">
+              <a:buNone/>
+              <a:defRPr sz="900"/>
+            </a:lvl8pPr>
+            <a:lvl9pPr marL="3657600" indent="0">
+              <a:buNone/>
+              <a:defRPr sz="900"/>
+            </a:lvl9pPr>
+          </a:lstStyle>
+          <a:p>
+            <a:pPr lvl="0"/>
+            <a:r>
+              <a:rPr lang="en-US" smtClean="0"/>
+              <a:t>Click to edit Master text styles</a:t>
+            </a:r>
+          </a:p>
+        </p:txBody>
+      </p:sp>
+      <p:sp>
+        <p:nvSpPr>
+          <p:cNvPr id="14" name="Text Placeholder 4"/>
+          <p:cNvSpPr>
+            <a:spLocks noGrp="1"/>
+          </p:cNvSpPr>
+          <p:nvPr>
+            <p:ph type="body" sz="quarter" idx="13"/>
+          </p:nvPr>
+        </p:nvSpPr>
+        <p:spPr>
+          <a:xfrm>
+            <a:off x="7124700" y="4250949"/>
+            <a:ext cx="2932113" cy="576262"/>
+          </a:xfrm>
+        </p:spPr>
+        <p:txBody>
+          <a:bodyPr anchor="b">
+            <a:noAutofit/>
+          </a:bodyPr>
+          <a:lstStyle>
+            <a:lvl1pPr marL="0" indent="0">
+              <a:buNone/>
+              <a:defRPr sz="2400" b="0">
+                <a:solidFill>
+                  <a:schemeClr val="bg2">
+                    <a:lumMod val="40000"/>
+                    <a:lumOff val="60000"/>
+                  </a:schemeClr>
+                </a:solidFill>
+              </a:defRPr>
+            </a:lvl1pPr>
+            <a:lvl2pPr marL="457200" indent="0">
+              <a:buNone/>
+              <a:defRPr sz="2000" b="1"/>
+            </a:lvl2pPr>
+            <a:lvl3pPr marL="914400" indent="0">
+              <a:buNone/>
+              <a:defRPr sz="1800" b="1"/>
+            </a:lvl3pPr>
+            <a:lvl4pPr marL="1371600" indent="0">
+              <a:buNone/>
+              <a:defRPr sz="1600" b="1"/>
+            </a:lvl4pPr>
+            <a:lvl5pPr marL="1828800" indent="0">
+              <a:buNone/>
+              <a:defRPr sz="1600" b="1"/>
+            </a:lvl5pPr>
+            <a:lvl6pPr marL="2286000" indent="0">
+              <a:buNone/>
+              <a:defRPr sz="1600" b="1"/>
+            </a:lvl6pPr>
+            <a:lvl7pPr marL="2743200" indent="0">
+              <a:buNone/>
+              <a:defRPr sz="1600" b="1"/>
+            </a:lvl7pPr>
+            <a:lvl8pPr marL="3200400" indent="0">
+              <a:buNone/>
+              <a:defRPr sz="1600" b="1"/>
+            </a:lvl8pPr>
+            <a:lvl9pPr marL="3657600" indent="0">
+              <a:buNone/>
+              <a:defRPr sz="1600" b="1"/>
+            </a:lvl9pPr>
+          </a:lstStyle>
+          <a:p>
+            <a:pPr lvl="0"/>
+            <a:r>
+              <a:rPr lang="en-US" smtClean="0"/>
+              <a:t>Click to edit Master text styles</a:t>
+            </a:r>
+          </a:p>
+        </p:txBody>
+      </p:sp>
+      <p:sp>
+        <p:nvSpPr>
+          <p:cNvPr id="31" name="Picture Placeholder 2"/>
+          <p:cNvSpPr>
+            <a:spLocks noGrp="1" noChangeAspect="1"/>
+          </p:cNvSpPr>
+          <p:nvPr>
+            <p:ph type="pic" idx="22"/>
+          </p:nvPr>
+        </p:nvSpPr>
+        <p:spPr>
+          <a:xfrm>
+            <a:off x="7124699" y="2209800"/>
+            <a:ext cx="2932113" cy="1524000"/>
+          </a:xfrm>
+          <a:prstGeom prst="roundRect">
+            <a:avLst>
+              <a:gd name="adj" fmla="val 1858"/>
+            </a:avLst>
+          </a:prstGeom>
+          <a:effectLst>
+            <a:outerShdw blurRad="50800" dist="50800" dir="5400000" algn="tl" rotWithShape="0">
+              <a:srgbClr val="000000">
+                <a:alpha val="43000"/>
+              </a:srgbClr>
+            </a:outerShdw>
+          </a:effectLst>
+        </p:spPr>
+        <p:txBody>
+          <a:bodyPr anchor="t">
+            <a:normAutofit/>
+          </a:bodyPr>
+          <a:lstStyle>
+            <a:lvl1pPr marL="0" indent="0" algn="ctr">
+              <a:buNone/>
+              <a:defRPr sz="1600"/>
+            </a:lvl1pPr>
+            <a:lvl2pPr marL="457200" indent="0">
+              <a:buNone/>
+              <a:defRPr sz="1600"/>
+            </a:lvl2pPr>
+            <a:lvl3pPr marL="914400" indent="0">
+              <a:buNone/>
+              <a:defRPr sz="1600"/>
+            </a:lvl3pPr>
+            <a:lvl4pPr marL="1371600" indent="0">
+              <a:buNone/>
+              <a:defRPr sz="1600"/>
+            </a:lvl4pPr>
+            <a:lvl5pPr marL="1828800" indent="0">
+              <a:buNone/>
+              <a:defRPr sz="1600"/>
+            </a:lvl5pPr>
+            <a:lvl6pPr marL="2286000" indent="0">
+              <a:buNone/>
+              <a:defRPr sz="1600"/>
+            </a:lvl6pPr>
+            <a:lvl7pPr marL="2743200" indent="0">
+              <a:buNone/>
+              <a:defRPr sz="1600"/>
+            </a:lvl7pPr>
+            <a:lvl8pPr marL="3200400" indent="0">
+              <a:buNone/>
+              <a:defRPr sz="1600"/>
+            </a:lvl8pPr>
+            <a:lvl9pPr marL="3657600" indent="0">
+              <a:buNone/>
+              <a:defRPr sz="1600"/>
+            </a:lvl9pPr>
+          </a:lstStyle>
+          <a:p>
+            <a:r>
+              <a:rPr lang="en-US" smtClean="0"/>
+              <a:t>Click icon to add picture</a:t>
+            </a:r>
+            <a:endParaRPr lang="en-US" dirty="0"/>
+          </a:p>
+        </p:txBody>
+      </p:sp>
+      <p:sp>
+        <p:nvSpPr>
+          <p:cNvPr id="24" name="Text Placeholder 3"/>
+          <p:cNvSpPr>
+            <a:spLocks noGrp="1"/>
+          </p:cNvSpPr>
+          <p:nvPr>
+            <p:ph type="body" sz="half" idx="20"/>
+          </p:nvPr>
+        </p:nvSpPr>
+        <p:spPr>
+          <a:xfrm>
+            <a:off x="7124575" y="4827208"/>
+            <a:ext cx="2935997" cy="659189"/>
+          </a:xfrm>
+        </p:spPr>
+        <p:txBody>
+          <a:bodyPr anchor="t">
+            <a:normAutofit/>
+          </a:bodyPr>
+          <a:lstStyle>
+            <a:lvl1pPr marL="0" indent="0">
+              <a:buNone/>
+              <a:defRPr sz="1400"/>
+            </a:lvl1pPr>
+            <a:lvl2pPr marL="457200" indent="0">
+              <a:buNone/>
+              <a:defRPr sz="1200"/>
+            </a:lvl2pPr>
+            <a:lvl3pPr marL="914400" indent="0">
+              <a:buNone/>
+              <a:defRPr sz="1000"/>
+            </a:lvl3pPr>
+            <a:lvl4pPr marL="1371600" indent="0">
+              <a:buNone/>
+              <a:defRPr sz="900"/>
+            </a:lvl4pPr>
+            <a:lvl5pPr marL="1828800" indent="0">
+              <a:buNone/>
+              <a:defRPr sz="900"/>
+            </a:lvl5pPr>
+            <a:lvl6pPr marL="2286000" indent="0">
+              <a:buNone/>
+              <a:defRPr sz="900"/>
+            </a:lvl6pPr>
+            <a:lvl7pPr marL="2743200" indent="0">
+              <a:buNone/>
+              <a:defRPr sz="900"/>
+            </a:lvl7pPr>
+            <a:lvl8pPr marL="3200400" indent="0">
+              <a:buNone/>
+              <a:defRPr sz="900"/>
+            </a:lvl8pPr>
+            <a:lvl9pPr marL="3657600" indent="0">
+              <a:buNone/>
+              <a:defRPr sz="900"/>
+            </a:lvl9pPr>
+          </a:lstStyle>
+          <a:p>
+            <a:pPr lvl="0"/>
+            <a:r>
+              <a:rPr lang="en-US" smtClean="0"/>
+              <a:t>Click to edit Master text styles</a:t>
+            </a:r>
+          </a:p>
+        </p:txBody>
+      </p:sp>
+      <p:cxnSp>
+        <p:nvCxnSpPr>
+          <p:cNvPr id="19" name="Straight Connector 18"/>
+          <p:cNvCxnSpPr/>
+          <p:nvPr/>
+        </p:nvCxnSpPr>
+        <p:spPr>
+          <a:xfrm>
+            <a:off x="3726142" y="2133600"/>
+            <a:ext cx="0" cy="3962400"/>
+          </a:xfrm>
+          <a:prstGeom prst="line">
+            <a:avLst/>
+          </a:prstGeom>
+          <a:ln w="12700" cmpd="sng">
+            <a:solidFill>
+              <a:schemeClr val="bg2">
+                <a:lumMod val="40000"/>
+                <a:lumOff val="60000"/>
+                <a:alpha val="40000"/>
+              </a:schemeClr>
+            </a:solidFill>
+          </a:ln>
+        </p:spPr>
+        <p:style>
+          <a:lnRef idx="2">
+            <a:schemeClr val="accent1"/>
+          </a:lnRef>
+          <a:fillRef idx="0">
+            <a:schemeClr val="accent1"/>
+          </a:fillRef>
+          <a:effectRef idx="1">
+            <a:schemeClr val="accent1"/>
+          </a:effectRef>
+          <a:fontRef idx="minor">
+            <a:schemeClr val="tx1"/>
+          </a:fontRef>
+        </p:style>
+      </p:cxnSp>
+      <p:cxnSp>
+        <p:nvCxnSpPr>
+          <p:cNvPr id="20" name="Straight Connector 19"/>
+          <p:cNvCxnSpPr/>
+          <p:nvPr/>
+        </p:nvCxnSpPr>
+        <p:spPr>
+          <a:xfrm>
+            <a:off x="6962227" y="2133600"/>
+            <a:ext cx="0" cy="3966882"/>
+          </a:xfrm>
+          <a:prstGeom prst="line">
+            <a:avLst/>
+          </a:prstGeom>
+          <a:ln w="12700" cmpd="sng">
+            <a:solidFill>
+              <a:schemeClr val="bg2">
+                <a:lumMod val="40000"/>
+                <a:lumOff val="60000"/>
+                <a:alpha val="40000"/>
+              </a:schemeClr>
+            </a:solidFill>
+          </a:ln>
+        </p:spPr>
+        <p:style>
+          <a:lnRef idx="2">
+            <a:schemeClr val="accent1"/>
+          </a:lnRef>
+          <a:fillRef idx="0">
+            <a:schemeClr val="accent1"/>
+          </a:fillRef>
+          <a:effectRef idx="1">
+            <a:schemeClr val="accent1"/>
+          </a:effectRef>
+          <a:fontRef idx="minor">
+            <a:schemeClr val="tx1"/>
+          </a:fontRef>
+        </p:style>
+      </p:cxnSp>
+      <p:sp>
+        <p:nvSpPr>
+          <p:cNvPr id="7" name="Date Placeholder 3"/>
+          <p:cNvSpPr>
+            <a:spLocks noGrp="1"/>
+          </p:cNvSpPr>
+          <p:nvPr>
+            <p:ph type="dt" sz="half" idx="10"/>
+          </p:nvPr>
+        </p:nvSpPr>
+        <p:spPr/>
+        <p:txBody>
+          <a:bodyPr/>
+          <a:lstStyle/>
+          <a:p>
+            <a:fld id="{2612FB0F-5957-4199-B8A1-4B580505A0B0}" type="datetimeFigureOut">
+              <a:rPr lang="en-US" smtClean="0"/>
+              <a:t>12/5/2017</a:t>
+            </a:fld>
+            <a:endParaRPr lang="en-US"/>
+          </a:p>
+        </p:txBody>
+      </p:sp>
+      <p:sp>
+        <p:nvSpPr>
+          <p:cNvPr id="4" name="Footer Placeholder 4"/>
+          <p:cNvSpPr>
+            <a:spLocks noGrp="1"/>
+          </p:cNvSpPr>
+          <p:nvPr>
+            <p:ph type="ftr" sz="quarter" idx="11"/>
+          </p:nvPr>
+        </p:nvSpPr>
+        <p:spPr/>
+        <p:txBody>
+          <a:bodyPr/>
+          <a:lstStyle/>
+          <a:p>
+            <a:endParaRPr lang="en-US"/>
+          </a:p>
+        </p:txBody>
+      </p:sp>
+      <p:sp>
+        <p:nvSpPr>
+          <p:cNvPr id="6" name="Slide Number Placeholder 5"/>
+          <p:cNvSpPr>
+            <a:spLocks noGrp="1"/>
+          </p:cNvSpPr>
+          <p:nvPr>
+            <p:ph type="sldNum" sz="quarter" idx="12"/>
+          </p:nvPr>
+        </p:nvSpPr>
+        <p:spPr/>
+        <p:txBody>
+          <a:bodyPr/>
+          <a:lstStyle/>
+          <a:p>
+            <a:fld id="{508F0AB3-6919-4ABB-A5D4-A75CF3328B38}" type="slidenum">
+              <a:rPr lang="en-US" smtClean="0"/>
+              <a:t>‹#›</a:t>
+            </a:fld>
+            <a:endParaRPr lang="en-US"/>
+          </a:p>
+        </p:txBody>
+      </p:sp>
+    </p:spTree>
+    <p:extLst>
+      <p:ext uri="{BB962C8B-B14F-4D97-AF65-F5344CB8AC3E}">
+        <p14:creationId xmlns:p14="http://schemas.microsoft.com/office/powerpoint/2010/main" val="2937292544"/>
+      </p:ext>
+    </p:extLst>
+  </p:cSld>
+  <p:clrMapOvr>
+    <a:masterClrMapping/>
+  </p:clrMapOvr>
+</p:sldLayout>
+</file>
+
+<file path=ppt/slideLayouts/slideLayout16.xml><?xml version="1.0" encoding="utf-8"?>
 <p:sldLayout xmlns:a="http://schemas.openxmlformats.org/drawingml/2006/main" xmlns:r="http://schemas.openxmlformats.org/officeDocument/2006/relationships" xmlns:p="http://schemas.openxmlformats.org/presentationml/2006/main" type="vertTx" preserve="1">
   <p:cSld name="Title and Vertical Text">
     <p:spTree>
@@ -497,7 +2985,7 @@
         </p:nvSpPr>
         <p:spPr/>
         <p:txBody>
-          <a:bodyPr vert="eaVert" lIns="45720" tIns="0" rIns="45720" bIns="0"/>
+          <a:bodyPr vert="eaVert" anchor="t" anchorCtr="0"/>
           <a:lstStyle/>
           <a:p>
             <a:pPr lvl="0"/>
@@ -605,7 +3093,7 @@
     </p:spTree>
     <p:extLst>
       <p:ext uri="{BB962C8B-B14F-4D97-AF65-F5344CB8AC3E}">
-        <p14:creationId xmlns:p14="http://schemas.microsoft.com/office/powerpoint/2010/main" val="2879245322"/>
+        <p14:creationId xmlns:p14="http://schemas.microsoft.com/office/powerpoint/2010/main" val="4114268470"/>
       </p:ext>
     </p:extLst>
   </p:cSld>
@@ -615,8 +3103,8 @@
 </p:sldLayout>
 </file>
 
-<file path=ppt/slideLayouts/slideLayout11.xml><?xml version="1.0" encoding="utf-8"?>
-<p:sldLayout xmlns:a="http://schemas.openxmlformats.org/drawingml/2006/main" xmlns:r="http://schemas.openxmlformats.org/officeDocument/2006/relationships" xmlns:p="http://schemas.openxmlformats.org/presentationml/2006/main" showMasterSp="0" type="vertTitleAndTx" preserve="1">
+<file path=ppt/slideLayouts/slideLayout17.xml><?xml version="1.0" encoding="utf-8"?>
+<p:sldLayout xmlns:a="http://schemas.openxmlformats.org/drawingml/2006/main" xmlns:r="http://schemas.openxmlformats.org/officeDocument/2006/relationships" xmlns:p="http://schemas.openxmlformats.org/presentationml/2006/main" type="vertTitleAndTx" preserve="1">
   <p:cSld name="Vertical Title and Text">
     <p:spTree>
       <p:nvGrpSpPr>
@@ -634,126 +3122,50 @@
       </p:grpSpPr>
       <p:sp>
         <p:nvSpPr>
-          <p:cNvPr id="7" name="Rectangle 6"/>
-          <p:cNvSpPr/>
-          <p:nvPr/>
+          <p:cNvPr id="2" name="Vertical Title 1"/>
+          <p:cNvSpPr>
+            <a:spLocks noGrp="1"/>
+          </p:cNvSpPr>
+          <p:nvPr>
+            <p:ph type="title" orient="vert"/>
+          </p:nvPr>
         </p:nvSpPr>
         <p:spPr>
           <a:xfrm>
-            <a:off x="3175" y="6400800"/>
-            <a:ext cx="12188825" cy="457200"/>
+            <a:off x="8304212" y="430213"/>
+            <a:ext cx="1752601" cy="5826125"/>
           </a:xfrm>
-          <a:prstGeom prst="rect">
-            <a:avLst/>
-          </a:prstGeom>
-          <a:solidFill>
-            <a:schemeClr val="accent2"/>
-          </a:solidFill>
-          <a:ln>
-            <a:noFill/>
-          </a:ln>
         </p:spPr>
-        <p:style>
-          <a:lnRef idx="2">
-            <a:schemeClr val="accent1">
-              <a:shade val="50000"/>
-            </a:schemeClr>
-          </a:lnRef>
-          <a:fillRef idx="1">
-            <a:schemeClr val="accent1"/>
-          </a:fillRef>
-          <a:effectRef idx="0">
-            <a:schemeClr val="accent1"/>
-          </a:effectRef>
-          <a:fontRef idx="minor">
-            <a:schemeClr val="lt1"/>
-          </a:fontRef>
-        </p:style>
-      </p:sp>
-      <p:sp>
-        <p:nvSpPr>
-          <p:cNvPr id="8" name="Rectangle 7"/>
-          <p:cNvSpPr/>
-          <p:nvPr/>
+        <p:txBody>
+          <a:bodyPr vert="eaVert" anchor="b" anchorCtr="0"/>
+          <a:lstStyle/>
+          <a:p>
+            <a:r>
+              <a:rPr lang="en-US" smtClean="0"/>
+              <a:t>Click to edit Master title style</a:t>
+            </a:r>
+            <a:endParaRPr lang="en-US" dirty="0"/>
+          </a:p>
+        </p:txBody>
+      </p:sp>
+      <p:sp>
+        <p:nvSpPr>
+          <p:cNvPr id="3" name="Vertical Text Placeholder 2"/>
+          <p:cNvSpPr>
+            <a:spLocks noGrp="1"/>
+          </p:cNvSpPr>
+          <p:nvPr>
+            <p:ph type="body" orient="vert" idx="1"/>
+          </p:nvPr>
         </p:nvSpPr>
         <p:spPr>
           <a:xfrm>
-            <a:off x="15" y="6334316"/>
-            <a:ext cx="12188825" cy="64008"/>
-          </a:xfrm>
-          <a:prstGeom prst="rect">
-            <a:avLst/>
-          </a:prstGeom>
-          <a:solidFill>
-            <a:schemeClr val="accent1"/>
-          </a:solidFill>
-          <a:ln>
-            <a:noFill/>
-          </a:ln>
-        </p:spPr>
-        <p:style>
-          <a:lnRef idx="2">
-            <a:schemeClr val="accent1">
-              <a:shade val="50000"/>
-            </a:schemeClr>
-          </a:lnRef>
-          <a:fillRef idx="1">
-            <a:schemeClr val="accent1"/>
-          </a:fillRef>
-          <a:effectRef idx="0">
-            <a:schemeClr val="accent1"/>
-          </a:effectRef>
-          <a:fontRef idx="minor">
-            <a:schemeClr val="lt1"/>
-          </a:fontRef>
-        </p:style>
-      </p:sp>
-      <p:sp>
-        <p:nvSpPr>
-          <p:cNvPr id="2" name="Vertical Title 1"/>
-          <p:cNvSpPr>
-            <a:spLocks noGrp="1"/>
-          </p:cNvSpPr>
-          <p:nvPr>
-            <p:ph type="title" orient="vert"/>
-          </p:nvPr>
-        </p:nvSpPr>
-        <p:spPr>
-          <a:xfrm>
-            <a:off x="8724900" y="414778"/>
-            <a:ext cx="2628900" cy="5757421"/>
+            <a:off x="652463" y="887414"/>
+            <a:ext cx="7423149" cy="5368924"/>
           </a:xfrm>
         </p:spPr>
         <p:txBody>
           <a:bodyPr vert="eaVert"/>
-          <a:lstStyle/>
-          <a:p>
-            <a:r>
-              <a:rPr lang="en-US" smtClean="0"/>
-              <a:t>Click to edit Master title style</a:t>
-            </a:r>
-            <a:endParaRPr lang="en-US" dirty="0"/>
-          </a:p>
-        </p:txBody>
-      </p:sp>
-      <p:sp>
-        <p:nvSpPr>
-          <p:cNvPr id="3" name="Vertical Text Placeholder 2"/>
-          <p:cNvSpPr>
-            <a:spLocks noGrp="1"/>
-          </p:cNvSpPr>
-          <p:nvPr>
-            <p:ph type="body" orient="vert" idx="1"/>
-          </p:nvPr>
-        </p:nvSpPr>
-        <p:spPr>
-          <a:xfrm>
-            <a:off x="838200" y="414778"/>
-            <a:ext cx="7734300" cy="5757422"/>
-          </a:xfrm>
-        </p:spPr>
-        <p:txBody>
-          <a:bodyPr vert="eaVert" lIns="45720" tIns="0" rIns="45720" bIns="0"/>
           <a:lstStyle/>
           <a:p>
             <a:pPr lvl="0"/>
@@ -861,7 +3273,7 @@
     </p:spTree>
     <p:extLst>
       <p:ext uri="{BB962C8B-B14F-4D97-AF65-F5344CB8AC3E}">
-        <p14:creationId xmlns:p14="http://schemas.microsoft.com/office/powerpoint/2010/main" val="1876234417"/>
+        <p14:creationId xmlns:p14="http://schemas.microsoft.com/office/powerpoint/2010/main" val="3233252680"/>
       </p:ext>
     </p:extLst>
   </p:cSld>
@@ -901,11 +3313,7 @@
         <p:spPr/>
         <p:txBody>
           <a:bodyPr/>
-          <a:lstStyle>
-            <a:lvl1pPr marL="0">
-              <a:defRPr/>
-            </a:lvl1pPr>
-          </a:lstStyle>
+          <a:lstStyle/>
           <a:p>
             <a:r>
               <a:rPr lang="en-US" smtClean="0"/>
@@ -969,7 +3377,7 @@
       </p:sp>
       <p:sp>
         <p:nvSpPr>
-          <p:cNvPr id="4" name="Date Placeholder 3"/>
+          <p:cNvPr id="7" name="Date Placeholder 3"/>
           <p:cNvSpPr>
             <a:spLocks noGrp="1"/>
           </p:cNvSpPr>
@@ -1035,7 +3443,7 @@
     </p:spTree>
     <p:extLst>
       <p:ext uri="{BB962C8B-B14F-4D97-AF65-F5344CB8AC3E}">
-        <p14:creationId xmlns:p14="http://schemas.microsoft.com/office/powerpoint/2010/main" val="785195921"/>
+        <p14:creationId xmlns:p14="http://schemas.microsoft.com/office/powerpoint/2010/main" val="1909118829"/>
       </p:ext>
     </p:extLst>
   </p:cSld>
@@ -1046,16 +3454,8 @@
 </file>
 
 <file path=ppt/slideLayouts/slideLayout3.xml><?xml version="1.0" encoding="utf-8"?>
-<p:sldLayout xmlns:a="http://schemas.openxmlformats.org/drawingml/2006/main" xmlns:r="http://schemas.openxmlformats.org/officeDocument/2006/relationships" xmlns:p="http://schemas.openxmlformats.org/presentationml/2006/main" showMasterSp="0" type="secHead" preserve="1">
+<p:sldLayout xmlns:a="http://schemas.openxmlformats.org/drawingml/2006/main" xmlns:r="http://schemas.openxmlformats.org/officeDocument/2006/relationships" xmlns:p="http://schemas.openxmlformats.org/presentationml/2006/main" type="secHead" preserve="1">
   <p:cSld name="Section Header">
-    <p:bg>
-      <p:bgPr>
-        <a:solidFill>
-          <a:schemeClr val="bg1"/>
-        </a:solidFill>
-        <a:effectLst/>
-      </p:bgPr>
-    </p:bg>
     <p:spTree>
       <p:nvGrpSpPr>
         <p:cNvPr id="1" name=""/>
@@ -1072,152 +3472,64 @@
       </p:grpSpPr>
       <p:sp>
         <p:nvSpPr>
-          <p:cNvPr id="7" name="Rectangle 6"/>
-          <p:cNvSpPr/>
-          <p:nvPr/>
+          <p:cNvPr id="2" name="Title 1"/>
+          <p:cNvSpPr>
+            <a:spLocks noGrp="1"/>
+          </p:cNvSpPr>
+          <p:nvPr>
+            <p:ph type="title"/>
+          </p:nvPr>
         </p:nvSpPr>
         <p:spPr>
           <a:xfrm>
-            <a:off x="3175" y="6400800"/>
-            <a:ext cx="12188825" cy="457200"/>
+            <a:off x="1154956" y="2861733"/>
+            <a:ext cx="8825657" cy="1915647"/>
           </a:xfrm>
-          <a:prstGeom prst="rect">
-            <a:avLst/>
-          </a:prstGeom>
-          <a:solidFill>
-            <a:schemeClr val="accent2"/>
-          </a:solidFill>
-          <a:ln>
-            <a:noFill/>
-          </a:ln>
         </p:spPr>
-        <p:style>
-          <a:lnRef idx="2">
-            <a:schemeClr val="accent1">
-              <a:shade val="50000"/>
-            </a:schemeClr>
-          </a:lnRef>
-          <a:fillRef idx="1">
-            <a:schemeClr val="accent1"/>
-          </a:fillRef>
-          <a:effectRef idx="0">
-            <a:schemeClr val="accent1"/>
-          </a:effectRef>
-          <a:fontRef idx="minor">
-            <a:schemeClr val="lt1"/>
-          </a:fontRef>
-        </p:style>
-      </p:sp>
-      <p:sp>
-        <p:nvSpPr>
-          <p:cNvPr id="8" name="Rectangle 7"/>
-          <p:cNvSpPr/>
-          <p:nvPr/>
+        <p:txBody>
+          <a:bodyPr anchor="b"/>
+          <a:lstStyle>
+            <a:lvl1pPr algn="l">
+              <a:defRPr sz="4000" b="0" cap="none"/>
+            </a:lvl1pPr>
+          </a:lstStyle>
+          <a:p>
+            <a:r>
+              <a:rPr lang="en-US" smtClean="0"/>
+              <a:t>Click to edit Master title style</a:t>
+            </a:r>
+            <a:endParaRPr lang="en-US" dirty="0"/>
+          </a:p>
+        </p:txBody>
+      </p:sp>
+      <p:sp>
+        <p:nvSpPr>
+          <p:cNvPr id="3" name="Text Placeholder 2"/>
+          <p:cNvSpPr>
+            <a:spLocks noGrp="1"/>
+          </p:cNvSpPr>
+          <p:nvPr>
+            <p:ph type="body" idx="1"/>
+          </p:nvPr>
         </p:nvSpPr>
         <p:spPr>
           <a:xfrm>
-            <a:off x="15" y="6334316"/>
-            <a:ext cx="12188825" cy="64008"/>
-          </a:xfrm>
-          <a:prstGeom prst="rect">
-            <a:avLst/>
-          </a:prstGeom>
-          <a:solidFill>
-            <a:schemeClr val="accent1"/>
-          </a:solidFill>
-          <a:ln>
-            <a:noFill/>
-          </a:ln>
-        </p:spPr>
-        <p:style>
-          <a:lnRef idx="2">
-            <a:schemeClr val="accent1">
-              <a:shade val="50000"/>
-            </a:schemeClr>
-          </a:lnRef>
-          <a:fillRef idx="1">
-            <a:schemeClr val="accent1"/>
-          </a:fillRef>
-          <a:effectRef idx="0">
-            <a:schemeClr val="accent1"/>
-          </a:effectRef>
-          <a:fontRef idx="minor">
-            <a:schemeClr val="lt1"/>
-          </a:fontRef>
-        </p:style>
-      </p:sp>
-      <p:sp>
-        <p:nvSpPr>
-          <p:cNvPr id="2" name="Title 1"/>
-          <p:cNvSpPr>
-            <a:spLocks noGrp="1"/>
-          </p:cNvSpPr>
-          <p:nvPr>
-            <p:ph type="title"/>
-          </p:nvPr>
-        </p:nvSpPr>
-        <p:spPr>
-          <a:xfrm>
-            <a:off x="1097280" y="758952"/>
-            <a:ext cx="10058400" cy="3566160"/>
+            <a:off x="1154955" y="4777381"/>
+            <a:ext cx="8825658" cy="860400"/>
           </a:xfrm>
         </p:spPr>
         <p:txBody>
-          <a:bodyPr anchor="b" anchorCtr="0">
-            <a:normAutofit/>
-          </a:bodyPr>
+          <a:bodyPr anchor="t"/>
           <a:lstStyle>
-            <a:lvl1pPr>
-              <a:lnSpc>
-                <a:spcPct val="85000"/>
-              </a:lnSpc>
-              <a:defRPr sz="8000" b="0">
+            <a:lvl1pPr marL="0" indent="0" algn="l">
+              <a:buNone/>
+              <a:defRPr sz="2000" cap="all">
                 <a:solidFill>
-                  <a:schemeClr val="tx1">
-                    <a:lumMod val="85000"/>
-                    <a:lumOff val="15000"/>
+                  <a:schemeClr val="bg2">
+                    <a:lumMod val="40000"/>
+                    <a:lumOff val="60000"/>
                   </a:schemeClr>
                 </a:solidFill>
-              </a:defRPr>
-            </a:lvl1pPr>
-          </a:lstStyle>
-          <a:p>
-            <a:r>
-              <a:rPr lang="en-US" smtClean="0"/>
-              <a:t>Click to edit Master title style</a:t>
-            </a:r>
-            <a:endParaRPr lang="en-US" dirty="0"/>
-          </a:p>
-        </p:txBody>
-      </p:sp>
-      <p:sp>
-        <p:nvSpPr>
-          <p:cNvPr id="3" name="Text Placeholder 2"/>
-          <p:cNvSpPr>
-            <a:spLocks noGrp="1"/>
-          </p:cNvSpPr>
-          <p:nvPr>
-            <p:ph type="body" idx="1"/>
-          </p:nvPr>
-        </p:nvSpPr>
-        <p:spPr>
-          <a:xfrm>
-            <a:off x="1097280" y="4453128"/>
-            <a:ext cx="10058400" cy="1143000"/>
-          </a:xfrm>
-        </p:spPr>
-        <p:txBody>
-          <a:bodyPr lIns="91440" rIns="91440" anchor="t" anchorCtr="0">
-            <a:normAutofit/>
-          </a:bodyPr>
-          <a:lstStyle>
-            <a:lvl1pPr marL="0" indent="0">
-              <a:buNone/>
-              <a:defRPr sz="2400" cap="all" spc="200" baseline="0">
-                <a:solidFill>
-                  <a:schemeClr val="tx2"/>
-                </a:solidFill>
-                <a:latin typeface="+mj-lt"/>
               </a:defRPr>
             </a:lvl1pPr>
             <a:lvl2pPr marL="457200" indent="0">
@@ -1375,48 +3687,10 @@
           </a:p>
         </p:txBody>
       </p:sp>
-      <p:cxnSp>
-        <p:nvCxnSpPr>
-          <p:cNvPr id="9" name="Straight Connector 8"/>
-          <p:cNvCxnSpPr/>
-          <p:nvPr/>
-        </p:nvCxnSpPr>
-        <p:spPr>
-          <a:xfrm>
-            <a:off x="1207658" y="4343400"/>
-            <a:ext cx="9875520" cy="0"/>
-          </a:xfrm>
-          <a:prstGeom prst="line">
-            <a:avLst/>
-          </a:prstGeom>
-          <a:ln w="6350">
-            <a:solidFill>
-              <a:schemeClr val="tx1">
-                <a:lumMod val="50000"/>
-                <a:lumOff val="50000"/>
-              </a:schemeClr>
-            </a:solidFill>
-          </a:ln>
-        </p:spPr>
-        <p:style>
-          <a:lnRef idx="1">
-            <a:schemeClr val="accent1"/>
-          </a:lnRef>
-          <a:fillRef idx="0">
-            <a:schemeClr val="accent1"/>
-          </a:fillRef>
-          <a:effectRef idx="0">
-            <a:schemeClr val="accent1"/>
-          </a:effectRef>
-          <a:fontRef idx="minor">
-            <a:schemeClr val="tx1"/>
-          </a:fontRef>
-        </p:style>
-      </p:cxnSp>
     </p:spTree>
     <p:extLst>
       <p:ext uri="{BB962C8B-B14F-4D97-AF65-F5344CB8AC3E}">
-        <p14:creationId xmlns:p14="http://schemas.microsoft.com/office/powerpoint/2010/main" val="4141204777"/>
+        <p14:creationId xmlns:p14="http://schemas.microsoft.com/office/powerpoint/2010/main" val="1006435283"/>
       </p:ext>
     </p:extLst>
   </p:cSld>
@@ -1445,27 +3719,109 @@
       </p:grpSpPr>
       <p:sp>
         <p:nvSpPr>
-          <p:cNvPr id="8" name="Title 7"/>
+          <p:cNvPr id="2" name="Title 1"/>
           <p:cNvSpPr>
             <a:spLocks noGrp="1"/>
           </p:cNvSpPr>
           <p:nvPr>
             <p:ph type="title"/>
+          </p:nvPr>
+        </p:nvSpPr>
+        <p:spPr/>
+        <p:txBody>
+          <a:bodyPr/>
+          <a:lstStyle/>
+          <a:p>
+            <a:r>
+              <a:rPr lang="en-US" smtClean="0"/>
+              <a:t>Click to edit Master title style</a:t>
+            </a:r>
+            <a:endParaRPr lang="en-US" dirty="0"/>
+          </a:p>
+        </p:txBody>
+      </p:sp>
+      <p:sp>
+        <p:nvSpPr>
+          <p:cNvPr id="3" name="Content Placeholder 2"/>
+          <p:cNvSpPr>
+            <a:spLocks noGrp="1"/>
+          </p:cNvSpPr>
+          <p:nvPr>
+            <p:ph sz="half" idx="1"/>
           </p:nvPr>
         </p:nvSpPr>
         <p:spPr>
           <a:xfrm>
-            <a:off x="1097280" y="286603"/>
-            <a:ext cx="10058400" cy="1450757"/>
+            <a:off x="1103312" y="2060575"/>
+            <a:ext cx="4396339" cy="4195763"/>
           </a:xfrm>
         </p:spPr>
         <p:txBody>
-          <a:bodyPr/>
-          <a:lstStyle/>
-          <a:p>
-            <a:r>
-              <a:rPr lang="en-US" smtClean="0"/>
-              <a:t>Click to edit Master title style</a:t>
+          <a:bodyPr>
+            <a:normAutofit/>
+          </a:bodyPr>
+          <a:lstStyle>
+            <a:lvl1pPr>
+              <a:defRPr sz="1800"/>
+            </a:lvl1pPr>
+            <a:lvl2pPr>
+              <a:defRPr sz="1600"/>
+            </a:lvl2pPr>
+            <a:lvl3pPr>
+              <a:defRPr sz="1400"/>
+            </a:lvl3pPr>
+            <a:lvl4pPr>
+              <a:defRPr sz="1200"/>
+            </a:lvl4pPr>
+            <a:lvl5pPr>
+              <a:defRPr sz="1200"/>
+            </a:lvl5pPr>
+            <a:lvl6pPr>
+              <a:defRPr sz="1200"/>
+            </a:lvl6pPr>
+            <a:lvl7pPr>
+              <a:defRPr sz="1200"/>
+            </a:lvl7pPr>
+            <a:lvl8pPr>
+              <a:defRPr sz="1200"/>
+            </a:lvl8pPr>
+            <a:lvl9pPr>
+              <a:defRPr sz="1200"/>
+            </a:lvl9pPr>
+          </a:lstStyle>
+          <a:p>
+            <a:pPr lvl="0"/>
+            <a:r>
+              <a:rPr lang="en-US" smtClean="0"/>
+              <a:t>Click to edit Master text styles</a:t>
+            </a:r>
+          </a:p>
+          <a:p>
+            <a:pPr lvl="1"/>
+            <a:r>
+              <a:rPr lang="en-US" smtClean="0"/>
+              <a:t>Second level</a:t>
+            </a:r>
+          </a:p>
+          <a:p>
+            <a:pPr lvl="2"/>
+            <a:r>
+              <a:rPr lang="en-US" smtClean="0"/>
+              <a:t>Third level</a:t>
+            </a:r>
+          </a:p>
+          <a:p>
+            <a:pPr lvl="3"/>
+            <a:r>
+              <a:rPr lang="en-US" smtClean="0"/>
+              <a:t>Fourth level</a:t>
+            </a:r>
+          </a:p>
+          <a:p>
+            <a:pPr lvl="4"/>
+            <a:r>
+              <a:rPr lang="en-US" smtClean="0"/>
+              <a:t>Fifth level</a:t>
             </a:r>
             <a:endParaRPr lang="en-US" dirty="0"/>
           </a:p>
@@ -1473,80 +3829,53 @@
       </p:sp>
       <p:sp>
         <p:nvSpPr>
-          <p:cNvPr id="3" name="Content Placeholder 2"/>
-          <p:cNvSpPr>
-            <a:spLocks noGrp="1"/>
-          </p:cNvSpPr>
-          <p:nvPr>
-            <p:ph sz="half" idx="1"/>
+          <p:cNvPr id="4" name="Content Placeholder 3"/>
+          <p:cNvSpPr>
+            <a:spLocks noGrp="1"/>
+          </p:cNvSpPr>
+          <p:nvPr>
+            <p:ph sz="half" idx="2"/>
           </p:nvPr>
         </p:nvSpPr>
         <p:spPr>
           <a:xfrm>
-            <a:off x="1097279" y="1845734"/>
-            <a:ext cx="4937760" cy="4023360"/>
+            <a:off x="5654493" y="2056092"/>
+            <a:ext cx="4396341" cy="4200245"/>
           </a:xfrm>
         </p:spPr>
         <p:txBody>
-          <a:bodyPr/>
-          <a:lstStyle/>
-          <a:p>
-            <a:pPr lvl="0"/>
-            <a:r>
-              <a:rPr lang="en-US" smtClean="0"/>
-              <a:t>Click to edit Master text styles</a:t>
-            </a:r>
-          </a:p>
-          <a:p>
-            <a:pPr lvl="1"/>
-            <a:r>
-              <a:rPr lang="en-US" smtClean="0"/>
-              <a:t>Second level</a:t>
-            </a:r>
-          </a:p>
-          <a:p>
-            <a:pPr lvl="2"/>
-            <a:r>
-              <a:rPr lang="en-US" smtClean="0"/>
-              <a:t>Third level</a:t>
-            </a:r>
-          </a:p>
-          <a:p>
-            <a:pPr lvl="3"/>
-            <a:r>
-              <a:rPr lang="en-US" smtClean="0"/>
-              <a:t>Fourth level</a:t>
-            </a:r>
-          </a:p>
-          <a:p>
-            <a:pPr lvl="4"/>
-            <a:r>
-              <a:rPr lang="en-US" smtClean="0"/>
-              <a:t>Fifth level</a:t>
-            </a:r>
-            <a:endParaRPr lang="en-US" dirty="0"/>
-          </a:p>
-        </p:txBody>
-      </p:sp>
-      <p:sp>
-        <p:nvSpPr>
-          <p:cNvPr id="4" name="Content Placeholder 3"/>
-          <p:cNvSpPr>
-            <a:spLocks noGrp="1"/>
-          </p:cNvSpPr>
-          <p:nvPr>
-            <p:ph sz="half" idx="2"/>
-          </p:nvPr>
-        </p:nvSpPr>
-        <p:spPr>
-          <a:xfrm>
-            <a:off x="6217920" y="1845735"/>
-            <a:ext cx="4937760" cy="4023360"/>
-          </a:xfrm>
-        </p:spPr>
-        <p:txBody>
-          <a:bodyPr/>
-          <a:lstStyle/>
+          <a:bodyPr>
+            <a:normAutofit/>
+          </a:bodyPr>
+          <a:lstStyle>
+            <a:lvl1pPr>
+              <a:defRPr sz="1800"/>
+            </a:lvl1pPr>
+            <a:lvl2pPr>
+              <a:defRPr sz="1600"/>
+            </a:lvl2pPr>
+            <a:lvl3pPr>
+              <a:defRPr sz="1400"/>
+            </a:lvl3pPr>
+            <a:lvl4pPr>
+              <a:defRPr sz="1200"/>
+            </a:lvl4pPr>
+            <a:lvl5pPr>
+              <a:defRPr sz="1200"/>
+            </a:lvl5pPr>
+            <a:lvl6pPr>
+              <a:defRPr sz="1200"/>
+            </a:lvl6pPr>
+            <a:lvl7pPr>
+              <a:defRPr sz="1200"/>
+            </a:lvl7pPr>
+            <a:lvl8pPr>
+              <a:defRPr sz="1200"/>
+            </a:lvl8pPr>
+            <a:lvl9pPr>
+              <a:defRPr sz="1200"/>
+            </a:lvl9pPr>
+          </a:lstStyle>
           <a:p>
             <a:pPr lvl="0"/>
             <a:r>
@@ -1653,7 +3982,7 @@
     </p:spTree>
     <p:extLst>
       <p:ext uri="{BB962C8B-B14F-4D97-AF65-F5344CB8AC3E}">
-        <p14:creationId xmlns:p14="http://schemas.microsoft.com/office/powerpoint/2010/main" val="1568668852"/>
+        <p14:creationId xmlns:p14="http://schemas.microsoft.com/office/powerpoint/2010/main" val="2120811354"/>
       </p:ext>
     </p:extLst>
   </p:cSld>
@@ -1682,58 +4011,60 @@
       </p:grpSpPr>
       <p:sp>
         <p:nvSpPr>
-          <p:cNvPr id="10" name="Title 9"/>
+          <p:cNvPr id="2" name="Title 1"/>
           <p:cNvSpPr>
             <a:spLocks noGrp="1"/>
           </p:cNvSpPr>
           <p:nvPr>
             <p:ph type="title"/>
+          </p:nvPr>
+        </p:nvSpPr>
+        <p:spPr/>
+        <p:txBody>
+          <a:bodyPr/>
+          <a:lstStyle>
+            <a:lvl1pPr>
+              <a:defRPr/>
+            </a:lvl1pPr>
+          </a:lstStyle>
+          <a:p>
+            <a:r>
+              <a:rPr lang="en-US" smtClean="0"/>
+              <a:t>Click to edit Master title style</a:t>
+            </a:r>
+            <a:endParaRPr lang="en-US" dirty="0"/>
+          </a:p>
+        </p:txBody>
+      </p:sp>
+      <p:sp>
+        <p:nvSpPr>
+          <p:cNvPr id="3" name="Text Placeholder 2"/>
+          <p:cNvSpPr>
+            <a:spLocks noGrp="1"/>
+          </p:cNvSpPr>
+          <p:nvPr>
+            <p:ph type="body" idx="1"/>
           </p:nvPr>
         </p:nvSpPr>
         <p:spPr>
           <a:xfrm>
-            <a:off x="1097280" y="286603"/>
-            <a:ext cx="10058400" cy="1450757"/>
+            <a:off x="1103313" y="1905000"/>
+            <a:ext cx="4396338" cy="576262"/>
           </a:xfrm>
         </p:spPr>
         <p:txBody>
-          <a:bodyPr/>
-          <a:lstStyle/>
-          <a:p>
-            <a:r>
-              <a:rPr lang="en-US" smtClean="0"/>
-              <a:t>Click to edit Master title style</a:t>
-            </a:r>
-            <a:endParaRPr lang="en-US" dirty="0"/>
-          </a:p>
-        </p:txBody>
-      </p:sp>
-      <p:sp>
-        <p:nvSpPr>
-          <p:cNvPr id="3" name="Text Placeholder 2"/>
-          <p:cNvSpPr>
-            <a:spLocks noGrp="1"/>
-          </p:cNvSpPr>
-          <p:nvPr>
-            <p:ph type="body" idx="1"/>
-          </p:nvPr>
-        </p:nvSpPr>
-        <p:spPr>
-          <a:xfrm>
-            <a:off x="1097280" y="1846052"/>
-            <a:ext cx="4937760" cy="736282"/>
-          </a:xfrm>
-        </p:spPr>
-        <p:txBody>
-          <a:bodyPr lIns="91440" rIns="91440" anchor="ctr">
-            <a:normAutofit/>
+          <a:bodyPr anchor="b">
+            <a:noAutofit/>
           </a:bodyPr>
           <a:lstStyle>
             <a:lvl1pPr marL="0" indent="0">
               <a:buNone/>
-              <a:defRPr sz="2000" b="0" cap="all" baseline="0">
+              <a:defRPr sz="2400" b="0">
                 <a:solidFill>
-                  <a:schemeClr val="tx2"/>
+                  <a:schemeClr val="bg2">
+                    <a:lumMod val="40000"/>
+                    <a:lumOff val="60000"/>
+                  </a:schemeClr>
                 </a:solidFill>
               </a:defRPr>
             </a:lvl1pPr>
@@ -1791,77 +4122,110 @@
         </p:nvSpPr>
         <p:spPr>
           <a:xfrm>
-            <a:off x="1097280" y="2582334"/>
-            <a:ext cx="4937760" cy="3378200"/>
+            <a:off x="1103312" y="2514600"/>
+            <a:ext cx="4396339" cy="3741738"/>
           </a:xfrm>
         </p:spPr>
         <p:txBody>
-          <a:bodyPr/>
-          <a:lstStyle/>
-          <a:p>
-            <a:pPr lvl="0"/>
-            <a:r>
-              <a:rPr lang="en-US" smtClean="0"/>
-              <a:t>Click to edit Master text styles</a:t>
-            </a:r>
-          </a:p>
-          <a:p>
-            <a:pPr lvl="1"/>
-            <a:r>
-              <a:rPr lang="en-US" smtClean="0"/>
-              <a:t>Second level</a:t>
-            </a:r>
-          </a:p>
-          <a:p>
-            <a:pPr lvl="2"/>
-            <a:r>
-              <a:rPr lang="en-US" smtClean="0"/>
-              <a:t>Third level</a:t>
-            </a:r>
-          </a:p>
-          <a:p>
-            <a:pPr lvl="3"/>
-            <a:r>
-              <a:rPr lang="en-US" smtClean="0"/>
-              <a:t>Fourth level</a:t>
-            </a:r>
-          </a:p>
-          <a:p>
-            <a:pPr lvl="4"/>
-            <a:r>
-              <a:rPr lang="en-US" smtClean="0"/>
-              <a:t>Fifth level</a:t>
-            </a:r>
-            <a:endParaRPr lang="en-US" dirty="0"/>
-          </a:p>
-        </p:txBody>
-      </p:sp>
-      <p:sp>
-        <p:nvSpPr>
-          <p:cNvPr id="5" name="Text Placeholder 4"/>
-          <p:cNvSpPr>
-            <a:spLocks noGrp="1"/>
-          </p:cNvSpPr>
-          <p:nvPr>
-            <p:ph type="body" sz="quarter" idx="3"/>
-          </p:nvPr>
-        </p:nvSpPr>
-        <p:spPr>
-          <a:xfrm>
-            <a:off x="6217920" y="1846052"/>
-            <a:ext cx="4937760" cy="736282"/>
-          </a:xfrm>
-        </p:spPr>
-        <p:txBody>
-          <a:bodyPr lIns="91440" rIns="91440" anchor="ctr">
+          <a:bodyPr>
             <a:normAutofit/>
           </a:bodyPr>
           <a:lstStyle>
+            <a:lvl1pPr>
+              <a:defRPr sz="1800"/>
+            </a:lvl1pPr>
+            <a:lvl2pPr>
+              <a:defRPr sz="1600"/>
+            </a:lvl2pPr>
+            <a:lvl3pPr>
+              <a:defRPr sz="1400"/>
+            </a:lvl3pPr>
+            <a:lvl4pPr>
+              <a:defRPr sz="1200"/>
+            </a:lvl4pPr>
+            <a:lvl5pPr>
+              <a:defRPr sz="1200"/>
+            </a:lvl5pPr>
+            <a:lvl6pPr>
+              <a:defRPr sz="1200"/>
+            </a:lvl6pPr>
+            <a:lvl7pPr>
+              <a:defRPr sz="1200"/>
+            </a:lvl7pPr>
+            <a:lvl8pPr>
+              <a:defRPr sz="1200"/>
+            </a:lvl8pPr>
+            <a:lvl9pPr>
+              <a:defRPr sz="1200"/>
+            </a:lvl9pPr>
+          </a:lstStyle>
+          <a:p>
+            <a:pPr lvl="0"/>
+            <a:r>
+              <a:rPr lang="en-US" smtClean="0"/>
+              <a:t>Click to edit Master text styles</a:t>
+            </a:r>
+          </a:p>
+          <a:p>
+            <a:pPr lvl="1"/>
+            <a:r>
+              <a:rPr lang="en-US" smtClean="0"/>
+              <a:t>Second level</a:t>
+            </a:r>
+          </a:p>
+          <a:p>
+            <a:pPr lvl="2"/>
+            <a:r>
+              <a:rPr lang="en-US" smtClean="0"/>
+              <a:t>Third level</a:t>
+            </a:r>
+          </a:p>
+          <a:p>
+            <a:pPr lvl="3"/>
+            <a:r>
+              <a:rPr lang="en-US" smtClean="0"/>
+              <a:t>Fourth level</a:t>
+            </a:r>
+          </a:p>
+          <a:p>
+            <a:pPr lvl="4"/>
+            <a:r>
+              <a:rPr lang="en-US" smtClean="0"/>
+              <a:t>Fifth level</a:t>
+            </a:r>
+            <a:endParaRPr lang="en-US" dirty="0"/>
+          </a:p>
+        </p:txBody>
+      </p:sp>
+      <p:sp>
+        <p:nvSpPr>
+          <p:cNvPr id="5" name="Text Placeholder 4"/>
+          <p:cNvSpPr>
+            <a:spLocks noGrp="1"/>
+          </p:cNvSpPr>
+          <p:nvPr>
+            <p:ph type="body" sz="quarter" idx="3"/>
+          </p:nvPr>
+        </p:nvSpPr>
+        <p:spPr>
+          <a:xfrm>
+            <a:off x="5654495" y="1905000"/>
+            <a:ext cx="4396339" cy="576262"/>
+          </a:xfrm>
+        </p:spPr>
+        <p:txBody>
+          <a:bodyPr anchor="b">
+            <a:noAutofit/>
+          </a:bodyPr>
+          <a:lstStyle>
             <a:lvl1pPr marL="0" indent="0">
               <a:buNone/>
-              <a:defRPr sz="2000" b="0" cap="all" baseline="0">
+              <a:defRPr sz="2400" b="0">
                 <a:solidFill>
-                  <a:schemeClr val="tx2"/>
+                  <a:schemeClr val="bg2">
+                    <a:lumMod val="40000"/>
+                    <a:lumOff val="60000"/>
+                  </a:schemeClr>
                 </a:solidFill>
               </a:defRPr>
             </a:lvl1pPr>
@@ -1919,13 +4283,43 @@
         </p:nvSpPr>
         <p:spPr>
           <a:xfrm>
-            <a:off x="6217920" y="2582334"/>
-            <a:ext cx="4937760" cy="3378200"/>
+            <a:off x="5654495" y="2514600"/>
+            <a:ext cx="4396339" cy="3741738"/>
           </a:xfrm>
         </p:spPr>
         <p:txBody>
-          <a:bodyPr/>
-          <a:lstStyle/>
+          <a:bodyPr>
+            <a:normAutofit/>
+          </a:bodyPr>
+          <a:lstStyle>
+            <a:lvl1pPr>
+              <a:defRPr sz="1800"/>
+            </a:lvl1pPr>
+            <a:lvl2pPr>
+              <a:defRPr sz="1600"/>
+            </a:lvl2pPr>
+            <a:lvl3pPr>
+              <a:defRPr sz="1400"/>
+            </a:lvl3pPr>
+            <a:lvl4pPr>
+              <a:defRPr sz="1200"/>
+            </a:lvl4pPr>
+            <a:lvl5pPr>
+              <a:defRPr sz="1200"/>
+            </a:lvl5pPr>
+            <a:lvl6pPr>
+              <a:defRPr sz="1200"/>
+            </a:lvl6pPr>
+            <a:lvl7pPr>
+              <a:defRPr sz="1200"/>
+            </a:lvl7pPr>
+            <a:lvl8pPr>
+              <a:defRPr sz="1200"/>
+            </a:lvl8pPr>
+            <a:lvl9pPr>
+              <a:defRPr sz="1200"/>
+            </a:lvl9pPr>
+          </a:lstStyle>
           <a:p>
             <a:pPr lvl="0"/>
             <a:r>
@@ -2032,7 +4426,7 @@
     </p:spTree>
     <p:extLst>
       <p:ext uri="{BB962C8B-B14F-4D97-AF65-F5344CB8AC3E}">
-        <p14:creationId xmlns:p14="http://schemas.microsoft.com/office/powerpoint/2010/main" val="2522674877"/>
+        <p14:creationId xmlns:p14="http://schemas.microsoft.com/office/powerpoint/2010/main" val="1205246256"/>
       </p:ext>
     </p:extLst>
   </p:cSld>
@@ -2084,7 +4478,7 @@
       </p:sp>
       <p:sp>
         <p:nvSpPr>
-          <p:cNvPr id="3" name="Date Placeholder 2"/>
+          <p:cNvPr id="7" name="Date Placeholder 2"/>
           <p:cNvSpPr>
             <a:spLocks noGrp="1"/>
           </p:cNvSpPr>
@@ -2107,7 +4501,7 @@
       </p:sp>
       <p:sp>
         <p:nvSpPr>
-          <p:cNvPr id="4" name="Footer Placeholder 3"/>
+          <p:cNvPr id="5" name="Footer Placeholder 3"/>
           <p:cNvSpPr>
             <a:spLocks noGrp="1"/>
           </p:cNvSpPr>
@@ -2126,7 +4520,7 @@
       </p:sp>
       <p:sp>
         <p:nvSpPr>
-          <p:cNvPr id="5" name="Slide Number Placeholder 4"/>
+          <p:cNvPr id="6" name="Slide Number Placeholder 4"/>
           <p:cNvSpPr>
             <a:spLocks noGrp="1"/>
           </p:cNvSpPr>
@@ -2150,7 +4544,7 @@
     </p:spTree>
     <p:extLst>
       <p:ext uri="{BB962C8B-B14F-4D97-AF65-F5344CB8AC3E}">
-        <p14:creationId xmlns:p14="http://schemas.microsoft.com/office/powerpoint/2010/main" val="846133922"/>
+        <p14:creationId xmlns:p14="http://schemas.microsoft.com/office/powerpoint/2010/main" val="2084025732"/>
       </p:ext>
     </p:extLst>
   </p:cSld>
@@ -2161,7 +4555,7 @@
 </file>
 
 <file path=ppt/slideLayouts/slideLayout7.xml><?xml version="1.0" encoding="utf-8"?>
-<p:sldLayout xmlns:a="http://schemas.openxmlformats.org/drawingml/2006/main" xmlns:r="http://schemas.openxmlformats.org/officeDocument/2006/relationships" xmlns:p="http://schemas.openxmlformats.org/presentationml/2006/main" showMasterSp="0" type="blank" preserve="1">
+<p:sldLayout xmlns:a="http://schemas.openxmlformats.org/drawingml/2006/main" xmlns:r="http://schemas.openxmlformats.org/officeDocument/2006/relationships" xmlns:p="http://schemas.openxmlformats.org/presentationml/2006/main" type="blank" preserve="1">
   <p:cSld name="Blank">
     <p:spTree>
       <p:nvGrpSpPr>
@@ -2179,83 +4573,7 @@
       </p:grpSpPr>
       <p:sp>
         <p:nvSpPr>
-          <p:cNvPr id="5" name="Rectangle 4"/>
-          <p:cNvSpPr/>
-          <p:nvPr/>
-        </p:nvSpPr>
-        <p:spPr>
-          <a:xfrm>
-            <a:off x="3175" y="6400800"/>
-            <a:ext cx="12188825" cy="457200"/>
-          </a:xfrm>
-          <a:prstGeom prst="rect">
-            <a:avLst/>
-          </a:prstGeom>
-          <a:solidFill>
-            <a:schemeClr val="accent2"/>
-          </a:solidFill>
-          <a:ln>
-            <a:noFill/>
-          </a:ln>
-        </p:spPr>
-        <p:style>
-          <a:lnRef idx="2">
-            <a:schemeClr val="accent1">
-              <a:shade val="50000"/>
-            </a:schemeClr>
-          </a:lnRef>
-          <a:fillRef idx="1">
-            <a:schemeClr val="accent1"/>
-          </a:fillRef>
-          <a:effectRef idx="0">
-            <a:schemeClr val="accent1"/>
-          </a:effectRef>
-          <a:fontRef idx="minor">
-            <a:schemeClr val="lt1"/>
-          </a:fontRef>
-        </p:style>
-      </p:sp>
-      <p:sp>
-        <p:nvSpPr>
-          <p:cNvPr id="6" name="Rectangle 5"/>
-          <p:cNvSpPr/>
-          <p:nvPr/>
-        </p:nvSpPr>
-        <p:spPr>
-          <a:xfrm>
-            <a:off x="15" y="6334316"/>
-            <a:ext cx="12188825" cy="64008"/>
-          </a:xfrm>
-          <a:prstGeom prst="rect">
-            <a:avLst/>
-          </a:prstGeom>
-          <a:solidFill>
-            <a:schemeClr val="accent1"/>
-          </a:solidFill>
-          <a:ln>
-            <a:noFill/>
-          </a:ln>
-        </p:spPr>
-        <p:style>
-          <a:lnRef idx="2">
-            <a:schemeClr val="accent1">
-              <a:shade val="50000"/>
-            </a:schemeClr>
-          </a:lnRef>
-          <a:fillRef idx="1">
-            <a:schemeClr val="accent1"/>
-          </a:fillRef>
-          <a:effectRef idx="0">
-            <a:schemeClr val="accent1"/>
-          </a:effectRef>
-          <a:fontRef idx="minor">
-            <a:schemeClr val="lt1"/>
-          </a:fontRef>
-        </p:style>
-      </p:sp>
-      <p:sp>
-        <p:nvSpPr>
-          <p:cNvPr id="7" name="Date Placeholder 6"/>
+          <p:cNvPr id="7" name="Date Placeholder 1"/>
           <p:cNvSpPr>
             <a:spLocks noGrp="1"/>
           </p:cNvSpPr>
@@ -2278,7 +4596,7 @@
       </p:sp>
       <p:sp>
         <p:nvSpPr>
-          <p:cNvPr id="8" name="Footer Placeholder 7"/>
+          <p:cNvPr id="5" name="Footer Placeholder 2"/>
           <p:cNvSpPr>
             <a:spLocks noGrp="1"/>
           </p:cNvSpPr>
@@ -2289,15 +4607,7 @@
         <p:spPr/>
         <p:txBody>
           <a:bodyPr/>
-          <a:lstStyle>
-            <a:lvl1pPr>
-              <a:defRPr>
-                <a:solidFill>
-                  <a:srgbClr val="FFFFFF"/>
-                </a:solidFill>
-              </a:defRPr>
-            </a:lvl1pPr>
-          </a:lstStyle>
+          <a:lstStyle/>
           <a:p>
             <a:endParaRPr lang="en-US"/>
           </a:p>
@@ -2305,7 +4615,7 @@
       </p:sp>
       <p:sp>
         <p:nvSpPr>
-          <p:cNvPr id="9" name="Slide Number Placeholder 8"/>
+          <p:cNvPr id="6" name="Slide Number Placeholder 3"/>
           <p:cNvSpPr>
             <a:spLocks noGrp="1"/>
           </p:cNvSpPr>
@@ -2329,7 +4639,7 @@
     </p:spTree>
     <p:extLst>
       <p:ext uri="{BB962C8B-B14F-4D97-AF65-F5344CB8AC3E}">
-        <p14:creationId xmlns:p14="http://schemas.microsoft.com/office/powerpoint/2010/main" val="2405018455"/>
+        <p14:creationId xmlns:p14="http://schemas.microsoft.com/office/powerpoint/2010/main" val="1378533339"/>
       </p:ext>
     </p:extLst>
   </p:cSld>
@@ -2340,7 +4650,7 @@
 </file>
 
 <file path=ppt/slideLayouts/slideLayout8.xml><?xml version="1.0" encoding="utf-8"?>
-<p:sldLayout xmlns:a="http://schemas.openxmlformats.org/drawingml/2006/main" xmlns:r="http://schemas.openxmlformats.org/officeDocument/2006/relationships" xmlns:p="http://schemas.openxmlformats.org/presentationml/2006/main" showMasterSp="0" type="objTx" preserve="1">
+<p:sldLayout xmlns:a="http://schemas.openxmlformats.org/drawingml/2006/main" xmlns:r="http://schemas.openxmlformats.org/officeDocument/2006/relationships" xmlns:p="http://schemas.openxmlformats.org/presentationml/2006/main" type="objTx" preserve="1">
   <p:cSld name="Content with Caption">
     <p:spTree>
       <p:nvGrpSpPr>
@@ -2358,113 +4668,118 @@
       </p:grpSpPr>
       <p:sp>
         <p:nvSpPr>
-          <p:cNvPr id="8" name="Rectangle 7"/>
-          <p:cNvSpPr/>
-          <p:nvPr/>
+          <p:cNvPr id="2" name="Title 1"/>
+          <p:cNvSpPr>
+            <a:spLocks noGrp="1"/>
+          </p:cNvSpPr>
+          <p:nvPr>
+            <p:ph type="title"/>
+          </p:nvPr>
         </p:nvSpPr>
         <p:spPr>
           <a:xfrm>
-            <a:off x="16" y="0"/>
-            <a:ext cx="4050791" cy="6858000"/>
+            <a:off x="1154953" y="1447800"/>
+            <a:ext cx="3401064" cy="1447800"/>
           </a:xfrm>
-          <a:prstGeom prst="rect">
-            <a:avLst/>
-          </a:prstGeom>
-          <a:solidFill>
-            <a:schemeClr val="accent2"/>
-          </a:solidFill>
-          <a:ln>
-            <a:noFill/>
-          </a:ln>
         </p:spPr>
-        <p:style>
-          <a:lnRef idx="2">
-            <a:schemeClr val="accent1">
-              <a:shade val="50000"/>
-            </a:schemeClr>
-          </a:lnRef>
-          <a:fillRef idx="1">
-            <a:schemeClr val="accent1"/>
-          </a:fillRef>
-          <a:effectRef idx="0">
-            <a:schemeClr val="accent1"/>
-          </a:effectRef>
-          <a:fontRef idx="minor">
-            <a:schemeClr val="lt1"/>
-          </a:fontRef>
-        </p:style>
-      </p:sp>
-      <p:sp>
-        <p:nvSpPr>
-          <p:cNvPr id="9" name="Rectangle 8"/>
-          <p:cNvSpPr/>
-          <p:nvPr/>
+        <p:txBody>
+          <a:bodyPr anchor="b"/>
+          <a:lstStyle>
+            <a:lvl1pPr algn="l">
+              <a:defRPr sz="2400" b="0"/>
+            </a:lvl1pPr>
+          </a:lstStyle>
+          <a:p>
+            <a:r>
+              <a:rPr lang="en-US" smtClean="0"/>
+              <a:t>Click to edit Master title style</a:t>
+            </a:r>
+            <a:endParaRPr lang="en-US" dirty="0"/>
+          </a:p>
+        </p:txBody>
+      </p:sp>
+      <p:sp>
+        <p:nvSpPr>
+          <p:cNvPr id="3" name="Content Placeholder 2"/>
+          <p:cNvSpPr>
+            <a:spLocks noGrp="1"/>
+          </p:cNvSpPr>
+          <p:nvPr>
+            <p:ph idx="1"/>
+          </p:nvPr>
         </p:nvSpPr>
         <p:spPr>
           <a:xfrm>
-            <a:off x="4040071" y="0"/>
-            <a:ext cx="64008" cy="6858000"/>
-          </a:xfrm>
-          <a:prstGeom prst="rect">
-            <a:avLst/>
-          </a:prstGeom>
-          <a:solidFill>
-            <a:schemeClr val="accent1"/>
-          </a:solidFill>
-          <a:ln>
-            <a:noFill/>
-          </a:ln>
-        </p:spPr>
-        <p:style>
-          <a:lnRef idx="2">
-            <a:schemeClr val="accent1">
-              <a:shade val="50000"/>
-            </a:schemeClr>
-          </a:lnRef>
-          <a:fillRef idx="1">
-            <a:schemeClr val="accent1"/>
-          </a:fillRef>
-          <a:effectRef idx="0">
-            <a:schemeClr val="accent1"/>
-          </a:effectRef>
-          <a:fontRef idx="minor">
-            <a:schemeClr val="lt1"/>
-          </a:fontRef>
-        </p:style>
-      </p:sp>
-      <p:sp>
-        <p:nvSpPr>
-          <p:cNvPr id="2" name="Title 1"/>
-          <p:cNvSpPr>
-            <a:spLocks noGrp="1"/>
-          </p:cNvSpPr>
-          <p:nvPr>
-            <p:ph type="title"/>
-          </p:nvPr>
-        </p:nvSpPr>
-        <p:spPr>
-          <a:xfrm>
-            <a:off x="457200" y="594359"/>
-            <a:ext cx="3200400" cy="2286000"/>
+            <a:off x="4784616" y="1447800"/>
+            <a:ext cx="5195997" cy="4572000"/>
           </a:xfrm>
         </p:spPr>
         <p:txBody>
-          <a:bodyPr anchor="b">
+          <a:bodyPr anchor="ctr">
             <a:normAutofit/>
           </a:bodyPr>
           <a:lstStyle>
             <a:lvl1pPr>
-              <a:defRPr sz="3600" b="0">
-                <a:solidFill>
-                  <a:srgbClr val="FFFFFF"/>
-                </a:solidFill>
-              </a:defRPr>
+              <a:defRPr sz="2000"/>
             </a:lvl1pPr>
+            <a:lvl2pPr>
+              <a:defRPr sz="1800"/>
+            </a:lvl2pPr>
+            <a:lvl3pPr>
+              <a:defRPr sz="1600"/>
+            </a:lvl3pPr>
+            <a:lvl4pPr>
+              <a:defRPr sz="1400"/>
+            </a:lvl4pPr>
+            <a:lvl5pPr>
+              <a:defRPr sz="1400"/>
+            </a:lvl5pPr>
+            <a:lvl6pPr>
+              <a:defRPr sz="1400"/>
+            </a:lvl6pPr>
+            <a:lvl7pPr>
+              <a:defRPr sz="1400"/>
+            </a:lvl7pPr>
+            <a:lvl8pPr>
+              <a:defRPr sz="1400"/>
+            </a:lvl8pPr>
+            <a:lvl9pPr>
+              <a:defRPr sz="1400"/>
+            </a:lvl9pPr>
           </a:lstStyle>
           <a:p>
-            <a:r>
-              <a:rPr lang="en-US" smtClean="0"/>
-              <a:t>Click to edit Master title style</a:t>
+            <a:pPr lvl="0"/>
+            <a:r>
+              <a:rPr lang="en-US" smtClean="0"/>
+              <a:t>Click to edit Master text styles</a:t>
+            </a:r>
+          </a:p>
+          <a:p>
+            <a:pPr lvl="1"/>
+            <a:r>
+              <a:rPr lang="en-US" smtClean="0"/>
+              <a:t>Second level</a:t>
+            </a:r>
+          </a:p>
+          <a:p>
+            <a:pPr lvl="2"/>
+            <a:r>
+              <a:rPr lang="en-US" smtClean="0"/>
+              <a:t>Third level</a:t>
+            </a:r>
+          </a:p>
+          <a:p>
+            <a:pPr lvl="3"/>
+            <a:r>
+              <a:rPr lang="en-US" smtClean="0"/>
+              <a:t>Fourth level</a:t>
+            </a:r>
+          </a:p>
+          <a:p>
+            <a:pPr lvl="4"/>
+            <a:r>
+              <a:rPr lang="en-US" smtClean="0"/>
+              <a:t>Fifth level</a:t>
             </a:r>
             <a:endParaRPr lang="en-US" dirty="0"/>
           </a:p>
@@ -2472,89 +4787,26 @@
       </p:sp>
       <p:sp>
         <p:nvSpPr>
-          <p:cNvPr id="3" name="Content Placeholder 2"/>
-          <p:cNvSpPr>
-            <a:spLocks noGrp="1"/>
-          </p:cNvSpPr>
-          <p:nvPr>
-            <p:ph idx="1"/>
+          <p:cNvPr id="4" name="Text Placeholder 3"/>
+          <p:cNvSpPr>
+            <a:spLocks noGrp="1"/>
+          </p:cNvSpPr>
+          <p:nvPr>
+            <p:ph type="body" sz="half" idx="2"/>
           </p:nvPr>
         </p:nvSpPr>
         <p:spPr>
           <a:xfrm>
-            <a:off x="4800600" y="731520"/>
-            <a:ext cx="6492240" cy="5257800"/>
+            <a:off x="1154953" y="3129280"/>
+            <a:ext cx="3401063" cy="2895599"/>
           </a:xfrm>
         </p:spPr>
         <p:txBody>
           <a:bodyPr/>
-          <a:lstStyle/>
-          <a:p>
-            <a:pPr lvl="0"/>
-            <a:r>
-              <a:rPr lang="en-US" smtClean="0"/>
-              <a:t>Click to edit Master text styles</a:t>
-            </a:r>
-          </a:p>
-          <a:p>
-            <a:pPr lvl="1"/>
-            <a:r>
-              <a:rPr lang="en-US" smtClean="0"/>
-              <a:t>Second level</a:t>
-            </a:r>
-          </a:p>
-          <a:p>
-            <a:pPr lvl="2"/>
-            <a:r>
-              <a:rPr lang="en-US" smtClean="0"/>
-              <a:t>Third level</a:t>
-            </a:r>
-          </a:p>
-          <a:p>
-            <a:pPr lvl="3"/>
-            <a:r>
-              <a:rPr lang="en-US" smtClean="0"/>
-              <a:t>Fourth level</a:t>
-            </a:r>
-          </a:p>
-          <a:p>
-            <a:pPr lvl="4"/>
-            <a:r>
-              <a:rPr lang="en-US" smtClean="0"/>
-              <a:t>Fifth level</a:t>
-            </a:r>
-            <a:endParaRPr lang="en-US" dirty="0"/>
-          </a:p>
-        </p:txBody>
-      </p:sp>
-      <p:sp>
-        <p:nvSpPr>
-          <p:cNvPr id="4" name="Text Placeholder 3"/>
-          <p:cNvSpPr>
-            <a:spLocks noGrp="1"/>
-          </p:cNvSpPr>
-          <p:nvPr>
-            <p:ph type="body" sz="half" idx="2"/>
-          </p:nvPr>
-        </p:nvSpPr>
-        <p:spPr>
-          <a:xfrm>
-            <a:off x="457200" y="2926080"/>
-            <a:ext cx="3200400" cy="3379124"/>
-          </a:xfrm>
-        </p:spPr>
-        <p:txBody>
-          <a:bodyPr lIns="91440" rIns="91440">
-            <a:normAutofit/>
-          </a:bodyPr>
           <a:lstStyle>
             <a:lvl1pPr marL="0" indent="0">
               <a:buNone/>
-              <a:defRPr sz="1500">
-                <a:solidFill>
-                  <a:srgbClr val="FFFFFF"/>
-                </a:solidFill>
-              </a:defRPr>
+              <a:defRPr sz="1400"/>
             </a:lvl1pPr>
             <a:lvl2pPr marL="457200" indent="0">
               <a:buNone/>
@@ -2600,7 +4852,7 @@
       </p:sp>
       <p:sp>
         <p:nvSpPr>
-          <p:cNvPr id="5" name="Date Placeholder 4"/>
+          <p:cNvPr id="7" name="Date Placeholder 4"/>
           <p:cNvSpPr>
             <a:spLocks noGrp="1"/>
           </p:cNvSpPr>
@@ -2608,19 +4860,10 @@
             <p:ph type="dt" sz="half" idx="10"/>
           </p:nvPr>
         </p:nvSpPr>
-        <p:spPr>
-          <a:xfrm>
-            <a:off x="465512" y="6459785"/>
-            <a:ext cx="2618510" cy="365125"/>
-          </a:xfrm>
-        </p:spPr>
+        <p:spPr/>
         <p:txBody>
           <a:bodyPr/>
-          <a:lstStyle>
-            <a:lvl1pPr algn="l">
-              <a:defRPr/>
-            </a:lvl1pPr>
-          </a:lstStyle>
+          <a:lstStyle/>
           <a:p>
             <a:fld id="{2612FB0F-5957-4199-B8A1-4B580505A0B0}" type="datetimeFigureOut">
               <a:rPr lang="en-US" smtClean="0"/>
@@ -2632,7 +4875,7 @@
       </p:sp>
       <p:sp>
         <p:nvSpPr>
-          <p:cNvPr id="6" name="Footer Placeholder 5"/>
+          <p:cNvPr id="5" name="Footer Placeholder 5"/>
           <p:cNvSpPr>
             <a:spLocks noGrp="1"/>
           </p:cNvSpPr>
@@ -2640,23 +4883,10 @@
             <p:ph type="ftr" sz="quarter" idx="11"/>
           </p:nvPr>
         </p:nvSpPr>
-        <p:spPr>
-          <a:xfrm>
-            <a:off x="4800600" y="6459785"/>
-            <a:ext cx="4648200" cy="365125"/>
-          </a:xfrm>
-        </p:spPr>
+        <p:spPr/>
         <p:txBody>
           <a:bodyPr/>
-          <a:lstStyle>
-            <a:lvl1pPr algn="l">
-              <a:defRPr>
-                <a:solidFill>
-                  <a:schemeClr val="tx2"/>
-                </a:solidFill>
-              </a:defRPr>
-            </a:lvl1pPr>
-          </a:lstStyle>
+          <a:lstStyle/>
           <a:p>
             <a:endParaRPr lang="en-US"/>
           </a:p>
@@ -2664,7 +4894,7 @@
       </p:sp>
       <p:sp>
         <p:nvSpPr>
-          <p:cNvPr id="7" name="Slide Number Placeholder 6"/>
+          <p:cNvPr id="6" name="Slide Number Placeholder 6"/>
           <p:cNvSpPr>
             <a:spLocks noGrp="1"/>
           </p:cNvSpPr>
@@ -2675,15 +4905,7 @@
         <p:spPr/>
         <p:txBody>
           <a:bodyPr/>
-          <a:lstStyle>
-            <a:lvl1pPr>
-              <a:defRPr>
-                <a:solidFill>
-                  <a:schemeClr val="tx2"/>
-                </a:solidFill>
-              </a:defRPr>
-            </a:lvl1pPr>
-          </a:lstStyle>
+          <a:lstStyle/>
           <a:p>
             <a:fld id="{508F0AB3-6919-4ABB-A5D4-A75CF3328B38}" type="slidenum">
               <a:rPr lang="en-US" smtClean="0"/>
@@ -2696,7 +4918,7 @@
     </p:spTree>
     <p:extLst>
       <p:ext uri="{BB962C8B-B14F-4D97-AF65-F5344CB8AC3E}">
-        <p14:creationId xmlns:p14="http://schemas.microsoft.com/office/powerpoint/2010/main" val="3750729976"/>
+        <p14:creationId xmlns:p14="http://schemas.microsoft.com/office/powerpoint/2010/main" val="757809427"/>
       </p:ext>
     </p:extLst>
   </p:cSld>
@@ -2707,7 +4929,7 @@
 </file>
 
 <file path=ppt/slideLayouts/slideLayout9.xml><?xml version="1.0" encoding="utf-8"?>
-<p:sldLayout xmlns:a="http://schemas.openxmlformats.org/drawingml/2006/main" xmlns:r="http://schemas.openxmlformats.org/officeDocument/2006/relationships" xmlns:p="http://schemas.openxmlformats.org/presentationml/2006/main" showMasterSp="0" type="picTx" preserve="1">
+<p:sldLayout xmlns:a="http://schemas.openxmlformats.org/drawingml/2006/main" xmlns:r="http://schemas.openxmlformats.org/officeDocument/2006/relationships" xmlns:p="http://schemas.openxmlformats.org/presentationml/2006/main" type="picTx" preserve="1">
   <p:cSld name="Picture with Caption">
     <p:spTree>
       <p:nvGrpSpPr>
@@ -2725,227 +4947,141 @@
       </p:grpSpPr>
       <p:sp>
         <p:nvSpPr>
-          <p:cNvPr id="8" name="Rectangle 7"/>
-          <p:cNvSpPr/>
-          <p:nvPr/>
+          <p:cNvPr id="2" name="Title 1"/>
+          <p:cNvSpPr>
+            <a:spLocks noGrp="1"/>
+          </p:cNvSpPr>
+          <p:nvPr>
+            <p:ph type="title"/>
+          </p:nvPr>
         </p:nvSpPr>
         <p:spPr>
           <a:xfrm>
-            <a:off x="0" y="4953000"/>
-            <a:ext cx="12188825" cy="1905000"/>
+            <a:off x="1153907" y="1854192"/>
+            <a:ext cx="5092906" cy="1574808"/>
           </a:xfrm>
-          <a:prstGeom prst="rect">
-            <a:avLst/>
-          </a:prstGeom>
-          <a:solidFill>
-            <a:schemeClr val="accent2"/>
-          </a:solidFill>
-          <a:ln>
-            <a:noFill/>
-          </a:ln>
         </p:spPr>
-        <p:style>
-          <a:lnRef idx="2">
-            <a:schemeClr val="accent1">
-              <a:shade val="50000"/>
-            </a:schemeClr>
-          </a:lnRef>
-          <a:fillRef idx="1">
-            <a:schemeClr val="accent1"/>
-          </a:fillRef>
-          <a:effectRef idx="0">
-            <a:schemeClr val="accent1"/>
-          </a:effectRef>
-          <a:fontRef idx="minor">
-            <a:schemeClr val="lt1"/>
-          </a:fontRef>
-        </p:style>
-      </p:sp>
-      <p:sp>
-        <p:nvSpPr>
-          <p:cNvPr id="9" name="Rectangle 8"/>
-          <p:cNvSpPr/>
-          <p:nvPr/>
+        <p:txBody>
+          <a:bodyPr anchor="b">
+            <a:normAutofit/>
+          </a:bodyPr>
+          <a:lstStyle>
+            <a:lvl1pPr algn="l">
+              <a:defRPr sz="3600" b="0"/>
+            </a:lvl1pPr>
+          </a:lstStyle>
+          <a:p>
+            <a:r>
+              <a:rPr lang="en-US" smtClean="0"/>
+              <a:t>Click to edit Master title style</a:t>
+            </a:r>
+            <a:endParaRPr lang="en-US" dirty="0"/>
+          </a:p>
+        </p:txBody>
+      </p:sp>
+      <p:sp>
+        <p:nvSpPr>
+          <p:cNvPr id="3" name="Picture Placeholder 2"/>
+          <p:cNvSpPr>
+            <a:spLocks noGrp="1" noChangeAspect="1"/>
+          </p:cNvSpPr>
+          <p:nvPr>
+            <p:ph type="pic" idx="1"/>
+          </p:nvPr>
         </p:nvSpPr>
         <p:spPr>
           <a:xfrm>
-            <a:off x="15" y="4915076"/>
-            <a:ext cx="12188825" cy="64008"/>
+            <a:off x="6949546" y="1143000"/>
+            <a:ext cx="3200400" cy="4572000"/>
           </a:xfrm>
-          <a:prstGeom prst="rect">
-            <a:avLst/>
+          <a:prstGeom prst="roundRect">
+            <a:avLst>
+              <a:gd name="adj" fmla="val 1858"/>
+            </a:avLst>
           </a:prstGeom>
-          <a:solidFill>
-            <a:schemeClr val="accent1"/>
-          </a:solidFill>
-          <a:ln>
-            <a:noFill/>
-          </a:ln>
+          <a:effectLst>
+            <a:outerShdw blurRad="50800" dist="50800" dir="5400000" algn="tl" rotWithShape="0">
+              <a:srgbClr val="000000">
+                <a:alpha val="43000"/>
+              </a:srgbClr>
+            </a:outerShdw>
+          </a:effectLst>
         </p:spPr>
-        <p:style>
-          <a:lnRef idx="2">
-            <a:schemeClr val="accent1">
-              <a:shade val="50000"/>
-            </a:schemeClr>
-          </a:lnRef>
-          <a:fillRef idx="1">
-            <a:schemeClr val="accent1"/>
-          </a:fillRef>
-          <a:effectRef idx="0">
-            <a:schemeClr val="accent1"/>
-          </a:effectRef>
-          <a:fontRef idx="minor">
-            <a:schemeClr val="lt1"/>
-          </a:fontRef>
-        </p:style>
-      </p:sp>
-      <p:sp>
-        <p:nvSpPr>
-          <p:cNvPr id="2" name="Title 1"/>
-          <p:cNvSpPr>
-            <a:spLocks noGrp="1"/>
-          </p:cNvSpPr>
-          <p:nvPr>
-            <p:ph type="title"/>
+        <p:txBody>
+          <a:bodyPr anchor="t">
+            <a:normAutofit/>
+          </a:bodyPr>
+          <a:lstStyle>
+            <a:lvl1pPr marL="0" indent="0" algn="ctr">
+              <a:buNone/>
+              <a:defRPr sz="1600"/>
+            </a:lvl1pPr>
+            <a:lvl2pPr marL="457200" indent="0">
+              <a:buNone/>
+              <a:defRPr sz="1600"/>
+            </a:lvl2pPr>
+            <a:lvl3pPr marL="914400" indent="0">
+              <a:buNone/>
+              <a:defRPr sz="1600"/>
+            </a:lvl3pPr>
+            <a:lvl4pPr marL="1371600" indent="0">
+              <a:buNone/>
+              <a:defRPr sz="1600"/>
+            </a:lvl4pPr>
+            <a:lvl5pPr marL="1828800" indent="0">
+              <a:buNone/>
+              <a:defRPr sz="1600"/>
+            </a:lvl5pPr>
+            <a:lvl6pPr marL="2286000" indent="0">
+              <a:buNone/>
+              <a:defRPr sz="1600"/>
+            </a:lvl6pPr>
+            <a:lvl7pPr marL="2743200" indent="0">
+              <a:buNone/>
+              <a:defRPr sz="1600"/>
+            </a:lvl7pPr>
+            <a:lvl8pPr marL="3200400" indent="0">
+              <a:buNone/>
+              <a:defRPr sz="1600"/>
+            </a:lvl8pPr>
+            <a:lvl9pPr marL="3657600" indent="0">
+              <a:buNone/>
+              <a:defRPr sz="1600"/>
+            </a:lvl9pPr>
+          </a:lstStyle>
+          <a:p>
+            <a:r>
+              <a:rPr lang="en-US" smtClean="0"/>
+              <a:t>Click icon to add picture</a:t>
+            </a:r>
+            <a:endParaRPr lang="en-US" dirty="0"/>
+          </a:p>
+        </p:txBody>
+      </p:sp>
+      <p:sp>
+        <p:nvSpPr>
+          <p:cNvPr id="4" name="Text Placeholder 3"/>
+          <p:cNvSpPr>
+            <a:spLocks noGrp="1"/>
+          </p:cNvSpPr>
+          <p:nvPr>
+            <p:ph type="body" sz="half" idx="2"/>
           </p:nvPr>
         </p:nvSpPr>
         <p:spPr>
           <a:xfrm>
-            <a:off x="1097280" y="5074920"/>
-            <a:ext cx="10113264" cy="822960"/>
+            <a:off x="1154954" y="3657600"/>
+            <a:ext cx="5084979" cy="1371600"/>
           </a:xfrm>
         </p:spPr>
         <p:txBody>
-          <a:bodyPr lIns="91440" tIns="0" rIns="91440" bIns="0" anchor="b">
-            <a:noAutofit/>
-          </a:bodyPr>
-          <a:lstStyle>
-            <a:lvl1pPr>
-              <a:defRPr sz="3600" b="0">
-                <a:solidFill>
-                  <a:srgbClr val="FFFFFF"/>
-                </a:solidFill>
-              </a:defRPr>
-            </a:lvl1pPr>
-          </a:lstStyle>
-          <a:p>
-            <a:r>
-              <a:rPr lang="en-US" smtClean="0"/>
-              <a:t>Click to edit Master title style</a:t>
-            </a:r>
-            <a:endParaRPr lang="en-US" dirty="0"/>
-          </a:p>
-        </p:txBody>
-      </p:sp>
-      <p:sp>
-        <p:nvSpPr>
-          <p:cNvPr id="3" name="Picture Placeholder 2"/>
-          <p:cNvSpPr>
-            <a:spLocks noGrp="1" noChangeAspect="1"/>
-          </p:cNvSpPr>
-          <p:nvPr>
-            <p:ph type="pic" idx="1"/>
-          </p:nvPr>
-        </p:nvSpPr>
-        <p:spPr>
-          <a:xfrm>
-            <a:off x="15" y="0"/>
-            <a:ext cx="12191985" cy="4915076"/>
-          </a:xfrm>
-          <a:blipFill>
-            <a:blip r:embed="rId2"/>
-            <a:stretch>
-              <a:fillRect/>
-            </a:stretch>
-          </a:blipFill>
-        </p:spPr>
-        <p:txBody>
-          <a:bodyPr lIns="457200" tIns="457200" anchor="t"/>
-          <a:lstStyle>
-            <a:lvl1pPr marL="0" indent="0">
-              <a:buNone/>
-              <a:defRPr sz="3200">
-                <a:solidFill>
-                  <a:schemeClr val="bg1"/>
-                </a:solidFill>
-              </a:defRPr>
-            </a:lvl1pPr>
-            <a:lvl2pPr marL="457200" indent="0">
-              <a:buNone/>
-              <a:defRPr sz="2800"/>
-            </a:lvl2pPr>
-            <a:lvl3pPr marL="914400" indent="0">
-              <a:buNone/>
-              <a:defRPr sz="2400"/>
-            </a:lvl3pPr>
-            <a:lvl4pPr marL="1371600" indent="0">
-              <a:buNone/>
-              <a:defRPr sz="2000"/>
-            </a:lvl4pPr>
-            <a:lvl5pPr marL="1828800" indent="0">
-              <a:buNone/>
-              <a:defRPr sz="2000"/>
-            </a:lvl5pPr>
-            <a:lvl6pPr marL="2286000" indent="0">
-              <a:buNone/>
-              <a:defRPr sz="2000"/>
-            </a:lvl6pPr>
-            <a:lvl7pPr marL="2743200" indent="0">
-              <a:buNone/>
-              <a:defRPr sz="2000"/>
-            </a:lvl7pPr>
-            <a:lvl8pPr marL="3200400" indent="0">
-              <a:buNone/>
-              <a:defRPr sz="2000"/>
-            </a:lvl8pPr>
-            <a:lvl9pPr marL="3657600" indent="0">
-              <a:buNone/>
-              <a:defRPr sz="2000"/>
-            </a:lvl9pPr>
-          </a:lstStyle>
-          <a:p>
-            <a:r>
-              <a:rPr lang="en-US" smtClean="0"/>
-              <a:t>Click icon to add picture</a:t>
-            </a:r>
-            <a:endParaRPr lang="en-US" dirty="0"/>
-          </a:p>
-        </p:txBody>
-      </p:sp>
-      <p:sp>
-        <p:nvSpPr>
-          <p:cNvPr id="4" name="Text Placeholder 3"/>
-          <p:cNvSpPr>
-            <a:spLocks noGrp="1"/>
-          </p:cNvSpPr>
-          <p:nvPr>
-            <p:ph type="body" sz="half" idx="2"/>
-          </p:nvPr>
-        </p:nvSpPr>
-        <p:spPr>
-          <a:xfrm>
-            <a:off x="1097280" y="5907023"/>
-            <a:ext cx="10113264" cy="594360"/>
-          </a:xfrm>
-        </p:spPr>
-        <p:txBody>
-          <a:bodyPr lIns="91440" tIns="0" rIns="91440" bIns="0">
+          <a:bodyPr>
             <a:normAutofit/>
           </a:bodyPr>
           <a:lstStyle>
             <a:lvl1pPr marL="0" indent="0">
-              <a:spcBef>
-                <a:spcPts val="0"/>
-              </a:spcBef>
-              <a:spcAft>
-                <a:spcPts val="600"/>
-              </a:spcAft>
-              <a:buNone/>
-              <a:defRPr sz="1500">
-                <a:solidFill>
-                  <a:srgbClr val="FFFFFF"/>
-                </a:solidFill>
-              </a:defRPr>
+              <a:buNone/>
+              <a:defRPr sz="1400"/>
             </a:lvl1pPr>
             <a:lvl2pPr marL="457200" indent="0">
               <a:buNone/>
@@ -3057,7 +5193,7 @@
     </p:spTree>
     <p:extLst>
       <p:ext uri="{BB962C8B-B14F-4D97-AF65-F5344CB8AC3E}">
-        <p14:creationId xmlns:p14="http://schemas.microsoft.com/office/powerpoint/2010/main" val="1447446643"/>
+        <p14:creationId xmlns:p14="http://schemas.microsoft.com/office/powerpoint/2010/main" val="1788516557"/>
       </p:ext>
     </p:extLst>
   </p:cSld>
@@ -3071,8 +5207,8 @@
 <p:sldMaster xmlns:a="http://schemas.openxmlformats.org/drawingml/2006/main" xmlns:r="http://schemas.openxmlformats.org/officeDocument/2006/relationships" xmlns:p="http://schemas.openxmlformats.org/presentationml/2006/main">
   <p:cSld>
     <p:bg>
-      <p:bgRef idx="1001">
-        <a:schemeClr val="bg1"/>
+      <p:bgRef idx="1003">
+        <a:schemeClr val="bg2"/>
       </p:bgRef>
     </p:bg>
     <p:spTree>
@@ -3089,37 +5225,120 @@
           <a:chExt cx="0" cy="0"/>
         </a:xfrm>
       </p:grpSpPr>
-      <p:sp>
-        <p:nvSpPr>
-          <p:cNvPr id="7" name="Rectangle 6"/>
-          <p:cNvSpPr/>
+      <p:pic>
+        <p:nvPicPr>
+          <p:cNvPr id="8" name="Picture 7"/>
+          <p:cNvPicPr>
+            <a:picLocks noChangeAspect="1"/>
+          </p:cNvPicPr>
           <p:nvPr/>
-        </p:nvSpPr>
+        </p:nvPicPr>
+        <p:blipFill rotWithShape="1">
+          <a:blip r:embed="rId19">
+            <a:extLst>
+              <a:ext uri="{28A0092B-C50C-407E-A947-70E740481C1C}">
+                <a14:useLocalDpi xmlns:a14="http://schemas.microsoft.com/office/drawing/2010/main" val="0"/>
+              </a:ext>
+            </a:extLst>
+          </a:blip>
+          <a:srcRect l="3613"/>
+          <a:stretch/>
+        </p:blipFill>
         <p:spPr>
           <a:xfrm>
-            <a:off x="1" y="6400800"/>
-            <a:ext cx="12192000" cy="457200"/>
+            <a:off x="0" y="2669685"/>
+            <a:ext cx="4037012" cy="4188315"/>
           </a:xfrm>
           <a:prstGeom prst="rect">
             <a:avLst/>
           </a:prstGeom>
-          <a:solidFill>
-            <a:schemeClr val="accent2"/>
-          </a:solidFill>
+        </p:spPr>
+      </p:pic>
+      <p:pic>
+        <p:nvPicPr>
+          <p:cNvPr id="7" name="Picture 6"/>
+          <p:cNvPicPr>
+            <a:picLocks noChangeAspect="1"/>
+          </p:cNvPicPr>
+          <p:nvPr/>
+        </p:nvPicPr>
+        <p:blipFill rotWithShape="1">
+          <a:blip r:embed="rId20">
+            <a:extLst>
+              <a:ext uri="{28A0092B-C50C-407E-A947-70E740481C1C}">
+                <a14:useLocalDpi xmlns:a14="http://schemas.microsoft.com/office/drawing/2010/main" val="0"/>
+              </a:ext>
+            </a:extLst>
+          </a:blip>
+          <a:srcRect l="35640"/>
+          <a:stretch/>
+        </p:blipFill>
+        <p:spPr>
+          <a:xfrm>
+            <a:off x="0" y="2892347"/>
+            <a:ext cx="1522412" cy="2365453"/>
+          </a:xfrm>
+          <a:prstGeom prst="rect">
+            <a:avLst/>
+          </a:prstGeom>
+        </p:spPr>
+      </p:pic>
+      <p:sp>
+        <p:nvSpPr>
+          <p:cNvPr id="16" name="Oval 15"/>
+          <p:cNvSpPr/>
+          <p:nvPr/>
+        </p:nvSpPr>
+        <p:spPr>
+          <a:xfrm>
+            <a:off x="8609012" y="1676400"/>
+            <a:ext cx="2819400" cy="2819400"/>
+          </a:xfrm>
+          <a:prstGeom prst="ellipse">
+            <a:avLst/>
+          </a:prstGeom>
+          <a:gradFill flip="none" rotWithShape="1">
+            <a:gsLst>
+              <a:gs pos="0">
+                <a:schemeClr val="bg2">
+                  <a:lumMod val="60000"/>
+                  <a:lumOff val="40000"/>
+                  <a:alpha val="7000"/>
+                </a:schemeClr>
+              </a:gs>
+              <a:gs pos="69000">
+                <a:schemeClr val="bg2">
+                  <a:lumMod val="60000"/>
+                  <a:lumOff val="40000"/>
+                  <a:alpha val="0"/>
+                </a:schemeClr>
+              </a:gs>
+              <a:gs pos="36000">
+                <a:schemeClr val="bg2">
+                  <a:lumMod val="60000"/>
+                  <a:lumOff val="40000"/>
+                  <a:alpha val="6000"/>
+                </a:schemeClr>
+              </a:gs>
+            </a:gsLst>
+            <a:path path="circle">
+              <a:fillToRect l="50000" t="50000" r="50000" b="50000"/>
+            </a:path>
+            <a:tileRect/>
+          </a:gradFill>
           <a:ln>
             <a:noFill/>
           </a:ln>
+          <a:effectLst/>
         </p:spPr>
         <p:style>
-          <a:lnRef idx="2">
-            <a:schemeClr val="accent1">
-              <a:shade val="50000"/>
-            </a:schemeClr>
+          <a:lnRef idx="1">
+            <a:schemeClr val="accent1"/>
           </a:lnRef>
-          <a:fillRef idx="1">
+          <a:fillRef idx="3">
             <a:schemeClr val="accent1"/>
           </a:fillRef>
-          <a:effectRef idx="0">
+          <a:effectRef idx="2">
             <a:schemeClr val="accent1"/>
           </a:effectRef>
           <a:fontRef idx="minor">
@@ -3127,16 +5346,74 @@
           </a:fontRef>
         </p:style>
       </p:sp>
-      <p:sp>
-        <p:nvSpPr>
-          <p:cNvPr id="9" name="Rectangle 8"/>
+      <p:pic>
+        <p:nvPicPr>
+          <p:cNvPr id="9" name="Picture 8"/>
+          <p:cNvPicPr>
+            <a:picLocks noChangeAspect="1"/>
+          </p:cNvPicPr>
+          <p:nvPr/>
+        </p:nvPicPr>
+        <p:blipFill rotWithShape="1">
+          <a:blip r:embed="rId21">
+            <a:extLst>
+              <a:ext uri="{28A0092B-C50C-407E-A947-70E740481C1C}">
+                <a14:useLocalDpi xmlns:a14="http://schemas.microsoft.com/office/drawing/2010/main" val="0"/>
+              </a:ext>
+            </a:extLst>
+          </a:blip>
+          <a:srcRect t="28813"/>
+          <a:stretch/>
+        </p:blipFill>
+        <p:spPr>
+          <a:xfrm>
+            <a:off x="7999412" y="0"/>
+            <a:ext cx="1603387" cy="1141407"/>
+          </a:xfrm>
+          <a:prstGeom prst="rect">
+            <a:avLst/>
+          </a:prstGeom>
+        </p:spPr>
+      </p:pic>
+      <p:pic>
+        <p:nvPicPr>
+          <p:cNvPr id="10" name="Picture 9"/>
+          <p:cNvPicPr>
+            <a:picLocks noChangeAspect="1"/>
+          </p:cNvPicPr>
+          <p:nvPr/>
+        </p:nvPicPr>
+        <p:blipFill rotWithShape="1">
+          <a:blip r:embed="rId22">
+            <a:extLst>
+              <a:ext uri="{28A0092B-C50C-407E-A947-70E740481C1C}">
+                <a14:useLocalDpi xmlns:a14="http://schemas.microsoft.com/office/drawing/2010/main" val="0"/>
+              </a:ext>
+            </a:extLst>
+          </a:blip>
+          <a:srcRect b="23320"/>
+          <a:stretch/>
+        </p:blipFill>
+        <p:spPr>
+          <a:xfrm>
+            <a:off x="8605878" y="6096000"/>
+            <a:ext cx="993734" cy="762000"/>
+          </a:xfrm>
+          <a:prstGeom prst="rect">
+            <a:avLst/>
+          </a:prstGeom>
+        </p:spPr>
+      </p:pic>
+      <p:sp>
+        <p:nvSpPr>
+          <p:cNvPr id="14" name="Rectangle 13"/>
           <p:cNvSpPr/>
           <p:nvPr/>
         </p:nvSpPr>
         <p:spPr>
           <a:xfrm>
-            <a:off x="0" y="6334316"/>
-            <a:ext cx="12192001" cy="65998"/>
+            <a:off x="10437812" y="0"/>
+            <a:ext cx="685800" cy="1143000"/>
           </a:xfrm>
           <a:prstGeom prst="rect">
             <a:avLst/>
@@ -3149,15 +5426,13 @@
           </a:ln>
         </p:spPr>
         <p:style>
-          <a:lnRef idx="2">
-            <a:schemeClr val="accent1">
-              <a:shade val="50000"/>
-            </a:schemeClr>
+          <a:lnRef idx="1">
+            <a:schemeClr val="accent1"/>
           </a:lnRef>
-          <a:fillRef idx="1">
+          <a:fillRef idx="3">
             <a:schemeClr val="accent1"/>
           </a:fillRef>
-          <a:effectRef idx="0">
+          <a:effectRef idx="2">
             <a:schemeClr val="accent1"/>
           </a:effectRef>
           <a:fontRef idx="minor">
@@ -3177,16 +5452,16 @@
         </p:nvSpPr>
         <p:spPr>
           <a:xfrm>
-            <a:off x="1097280" y="286603"/>
-            <a:ext cx="10058400" cy="1450757"/>
+            <a:off x="646111" y="452718"/>
+            <a:ext cx="9404723" cy="1400530"/>
           </a:xfrm>
           <a:prstGeom prst="rect">
             <a:avLst/>
           </a:prstGeom>
         </p:spPr>
         <p:txBody>
-          <a:bodyPr vert="horz" lIns="91440" tIns="45720" rIns="91440" bIns="45720" rtlCol="0" anchor="b">
-            <a:normAutofit/>
+          <a:bodyPr vert="horz" lIns="91440" tIns="45720" rIns="91440" bIns="45720" rtlCol="0" anchor="t">
+            <a:noAutofit/>
           </a:bodyPr>
           <a:lstStyle/>
           <a:p>
@@ -3210,15 +5485,15 @@
         </p:nvSpPr>
         <p:spPr>
           <a:xfrm>
-            <a:off x="1097280" y="1845734"/>
-            <a:ext cx="10058400" cy="4023360"/>
+            <a:off x="1103312" y="2052918"/>
+            <a:ext cx="8946541" cy="4195481"/>
           </a:xfrm>
           <a:prstGeom prst="rect">
             <a:avLst/>
           </a:prstGeom>
         </p:spPr>
         <p:txBody>
-          <a:bodyPr vert="horz" lIns="0" tIns="45720" rIns="0" bIns="45720" rtlCol="0">
+          <a:bodyPr vert="horz" lIns="91440" tIns="45720" rIns="91440" bIns="45720" rtlCol="0">
             <a:normAutofit/>
           </a:bodyPr>
           <a:lstStyle/>
@@ -3271,21 +5546,24 @@
           </p:nvPr>
         </p:nvSpPr>
         <p:spPr>
-          <a:xfrm>
-            <a:off x="1097280" y="6459785"/>
-            <a:ext cx="2472271" cy="365125"/>
+          <a:xfrm rot="5400000">
+            <a:off x="10155639" y="1790701"/>
+            <a:ext cx="990599" cy="304799"/>
           </a:xfrm>
           <a:prstGeom prst="rect">
             <a:avLst/>
           </a:prstGeom>
         </p:spPr>
         <p:txBody>
-          <a:bodyPr vert="horz" lIns="91440" tIns="45720" rIns="91440" bIns="45720" rtlCol="0" anchor="ctr"/>
+          <a:bodyPr vert="horz" lIns="91440" tIns="45720" rIns="91440" bIns="45720" rtlCol="0" anchor="t"/>
           <a:lstStyle>
             <a:lvl1pPr algn="l">
-              <a:defRPr sz="900">
+              <a:defRPr sz="1100" b="0" i="0">
                 <a:solidFill>
-                  <a:srgbClr val="FFFFFF"/>
+                  <a:schemeClr val="tx1">
+                    <a:tint val="75000"/>
+                    <a:alpha val="60000"/>
+                  </a:schemeClr>
                 </a:solidFill>
               </a:defRPr>
             </a:lvl1pPr>
@@ -3310,21 +5588,24 @@
           </p:nvPr>
         </p:nvSpPr>
         <p:spPr>
-          <a:xfrm>
-            <a:off x="3686185" y="6459785"/>
-            <a:ext cx="4822804" cy="365125"/>
+          <a:xfrm rot="5400000">
+            <a:off x="8951573" y="3225297"/>
+            <a:ext cx="3859795" cy="304801"/>
           </a:xfrm>
           <a:prstGeom prst="rect">
             <a:avLst/>
           </a:prstGeom>
         </p:spPr>
         <p:txBody>
-          <a:bodyPr vert="horz" lIns="91440" tIns="45720" rIns="91440" bIns="45720" rtlCol="0" anchor="ctr"/>
+          <a:bodyPr vert="horz" lIns="91440" tIns="45720" rIns="91440" bIns="45720" rtlCol="0" anchor="b"/>
           <a:lstStyle>
-            <a:lvl1pPr algn="ctr">
-              <a:defRPr sz="900" cap="all" baseline="0">
+            <a:lvl1pPr algn="l">
+              <a:defRPr sz="1100" b="0" i="0">
                 <a:solidFill>
-                  <a:srgbClr val="FFFFFF"/>
+                  <a:schemeClr val="tx1">
+                    <a:tint val="75000"/>
+                    <a:alpha val="60000"/>
+                  </a:schemeClr>
                 </a:solidFill>
               </a:defRPr>
             </a:lvl1pPr>
@@ -3344,22 +5625,24 @@
             <p:ph type="sldNum" sz="quarter" idx="4"/>
           </p:nvPr>
         </p:nvSpPr>
-        <p:spPr>
+        <p:spPr bwMode="gray">
           <a:xfrm>
-            <a:off x="9900458" y="6459785"/>
-            <a:ext cx="1312025" cy="365125"/>
+            <a:off x="10352540" y="295729"/>
+            <a:ext cx="838199" cy="767687"/>
           </a:xfrm>
           <a:prstGeom prst="rect">
             <a:avLst/>
           </a:prstGeom>
         </p:spPr>
         <p:txBody>
-          <a:bodyPr vert="horz" lIns="91440" tIns="45720" rIns="91440" bIns="45720" rtlCol="0" anchor="ctr"/>
+          <a:bodyPr vert="horz" lIns="91440" tIns="45720" rIns="91440" bIns="45720" rtlCol="0" anchor="b"/>
           <a:lstStyle>
-            <a:lvl1pPr algn="r">
-              <a:defRPr sz="1050">
+            <a:lvl1pPr algn="ctr">
+              <a:defRPr sz="2800" b="0" i="0">
                 <a:solidFill>
-                  <a:srgbClr val="FFFFFF"/>
+                  <a:schemeClr val="tx1">
+                    <a:tint val="75000"/>
+                  </a:schemeClr>
                 </a:solidFill>
               </a:defRPr>
             </a:lvl1pPr>
@@ -3373,331 +5656,330 @@
           </a:p>
         </p:txBody>
       </p:sp>
-      <p:cxnSp>
-        <p:nvCxnSpPr>
-          <p:cNvPr id="10" name="Straight Connector 9"/>
-          <p:cNvCxnSpPr/>
-          <p:nvPr/>
-        </p:nvCxnSpPr>
-        <p:spPr>
-          <a:xfrm>
-            <a:off x="1193532" y="1737845"/>
-            <a:ext cx="9966960" cy="0"/>
-          </a:xfrm>
-          <a:prstGeom prst="line">
-            <a:avLst/>
-          </a:prstGeom>
-          <a:ln w="6350">
-            <a:solidFill>
-              <a:schemeClr val="tx1">
-                <a:lumMod val="50000"/>
-                <a:lumOff val="50000"/>
-              </a:schemeClr>
-            </a:solidFill>
-          </a:ln>
-        </p:spPr>
-        <p:style>
-          <a:lnRef idx="1">
-            <a:schemeClr val="accent1"/>
-          </a:lnRef>
-          <a:fillRef idx="0">
-            <a:schemeClr val="accent1"/>
-          </a:fillRef>
-          <a:effectRef idx="0">
-            <a:schemeClr val="accent1"/>
-          </a:effectRef>
-          <a:fontRef idx="minor">
-            <a:schemeClr val="tx1"/>
-          </a:fontRef>
-        </p:style>
-      </p:cxnSp>
     </p:spTree>
     <p:extLst>
       <p:ext uri="{BB962C8B-B14F-4D97-AF65-F5344CB8AC3E}">
-        <p14:creationId xmlns:p14="http://schemas.microsoft.com/office/powerpoint/2010/main" val="1447019785"/>
+        <p14:creationId xmlns:p14="http://schemas.microsoft.com/office/powerpoint/2010/main" val="1151193781"/>
       </p:ext>
     </p:extLst>
   </p:cSld>
-  <p:clrMap bg1="lt1" tx1="dk1" bg2="lt2" tx2="dk2" accent1="accent1" accent2="accent2" accent3="accent3" accent4="accent4" accent5="accent5" accent6="accent6" hlink="hlink" folHlink="folHlink"/>
+  <p:clrMap bg1="dk1" tx1="lt1" bg2="dk2" tx2="lt2" accent1="accent1" accent2="accent2" accent3="accent3" accent4="accent4" accent5="accent5" accent6="accent6" hlink="hlink" folHlink="folHlink"/>
   <p:sldLayoutIdLst>
-    <p:sldLayoutId id="2147483726" r:id="rId1"/>
-    <p:sldLayoutId id="2147483727" r:id="rId2"/>
-    <p:sldLayoutId id="2147483728" r:id="rId3"/>
-    <p:sldLayoutId id="2147483729" r:id="rId4"/>
-    <p:sldLayoutId id="2147483730" r:id="rId5"/>
-    <p:sldLayoutId id="2147483731" r:id="rId6"/>
-    <p:sldLayoutId id="2147483732" r:id="rId7"/>
-    <p:sldLayoutId id="2147483733" r:id="rId8"/>
-    <p:sldLayoutId id="2147483734" r:id="rId9"/>
-    <p:sldLayoutId id="2147483735" r:id="rId10"/>
-    <p:sldLayoutId id="2147483736" r:id="rId11"/>
+    <p:sldLayoutId id="2147483738" r:id="rId1"/>
+    <p:sldLayoutId id="2147483739" r:id="rId2"/>
+    <p:sldLayoutId id="2147483740" r:id="rId3"/>
+    <p:sldLayoutId id="2147483741" r:id="rId4"/>
+    <p:sldLayoutId id="2147483742" r:id="rId5"/>
+    <p:sldLayoutId id="2147483743" r:id="rId6"/>
+    <p:sldLayoutId id="2147483744" r:id="rId7"/>
+    <p:sldLayoutId id="2147483745" r:id="rId8"/>
+    <p:sldLayoutId id="2147483746" r:id="rId9"/>
+    <p:sldLayoutId id="2147483747" r:id="rId10"/>
+    <p:sldLayoutId id="2147483748" r:id="rId11"/>
+    <p:sldLayoutId id="2147483749" r:id="rId12"/>
+    <p:sldLayoutId id="2147483750" r:id="rId13"/>
+    <p:sldLayoutId id="2147483751" r:id="rId14"/>
+    <p:sldLayoutId id="2147483752" r:id="rId15"/>
+    <p:sldLayoutId id="2147483753" r:id="rId16"/>
+    <p:sldLayoutId id="2147483754" r:id="rId17"/>
   </p:sldLayoutIdLst>
   <p:txStyles>
     <p:titleStyle>
-      <a:lvl1pPr algn="l" defTabSz="914400" rtl="0" eaLnBrk="1" latinLnBrk="0" hangingPunct="1">
-        <a:lnSpc>
-          <a:spcPct val="85000"/>
-        </a:lnSpc>
+      <a:lvl1pPr algn="l" defTabSz="457200" rtl="0" eaLnBrk="1" latinLnBrk="0" hangingPunct="1">
         <a:spcBef>
           <a:spcPct val="0"/>
         </a:spcBef>
         <a:buNone/>
-        <a:defRPr sz="4800" kern="1200" spc="-50" baseline="0">
+        <a:defRPr sz="4200" b="0" i="0" kern="1200">
           <a:solidFill>
-            <a:schemeClr val="tx1">
-              <a:lumMod val="75000"/>
-              <a:lumOff val="25000"/>
-            </a:schemeClr>
+            <a:schemeClr val="tx2"/>
           </a:solidFill>
           <a:latin typeface="+mj-lt"/>
           <a:ea typeface="+mj-ea"/>
           <a:cs typeface="+mj-cs"/>
         </a:defRPr>
       </a:lvl1pPr>
+      <a:lvl2pPr eaLnBrk="1" hangingPunct="1">
+        <a:defRPr>
+          <a:solidFill>
+            <a:schemeClr val="tx2"/>
+          </a:solidFill>
+        </a:defRPr>
+      </a:lvl2pPr>
+      <a:lvl3pPr eaLnBrk="1" hangingPunct="1">
+        <a:defRPr>
+          <a:solidFill>
+            <a:schemeClr val="tx2"/>
+          </a:solidFill>
+        </a:defRPr>
+      </a:lvl3pPr>
+      <a:lvl4pPr eaLnBrk="1" hangingPunct="1">
+        <a:defRPr>
+          <a:solidFill>
+            <a:schemeClr val="tx2"/>
+          </a:solidFill>
+        </a:defRPr>
+      </a:lvl4pPr>
+      <a:lvl5pPr eaLnBrk="1" hangingPunct="1">
+        <a:defRPr>
+          <a:solidFill>
+            <a:schemeClr val="tx2"/>
+          </a:solidFill>
+        </a:defRPr>
+      </a:lvl5pPr>
+      <a:lvl6pPr eaLnBrk="1" hangingPunct="1">
+        <a:defRPr>
+          <a:solidFill>
+            <a:schemeClr val="tx2"/>
+          </a:solidFill>
+        </a:defRPr>
+      </a:lvl6pPr>
+      <a:lvl7pPr eaLnBrk="1" hangingPunct="1">
+        <a:defRPr>
+          <a:solidFill>
+            <a:schemeClr val="tx2"/>
+          </a:solidFill>
+        </a:defRPr>
+      </a:lvl7pPr>
+      <a:lvl8pPr eaLnBrk="1" hangingPunct="1">
+        <a:defRPr>
+          <a:solidFill>
+            <a:schemeClr val="tx2"/>
+          </a:solidFill>
+        </a:defRPr>
+      </a:lvl8pPr>
+      <a:lvl9pPr eaLnBrk="1" hangingPunct="1">
+        <a:defRPr>
+          <a:solidFill>
+            <a:schemeClr val="tx2"/>
+          </a:solidFill>
+        </a:defRPr>
+      </a:lvl9pPr>
     </p:titleStyle>
     <p:bodyStyle>
-      <a:lvl1pPr marL="91440" indent="-91440" algn="l" defTabSz="914400" rtl="0" eaLnBrk="1" latinLnBrk="0" hangingPunct="1">
-        <a:lnSpc>
-          <a:spcPct val="90000"/>
-        </a:lnSpc>
+      <a:lvl1pPr marL="342900" indent="-342900" algn="l" defTabSz="457200" rtl="0" eaLnBrk="1" latinLnBrk="0" hangingPunct="1">
         <a:spcBef>
-          <a:spcPts val="1200"/>
+          <a:spcPts val="1000"/>
         </a:spcBef>
         <a:spcAft>
-          <a:spcPts val="200"/>
+          <a:spcPts val="0"/>
         </a:spcAft>
         <a:buClr>
-          <a:schemeClr val="accent1"/>
+          <a:schemeClr val="bg2">
+            <a:lumMod val="40000"/>
+            <a:lumOff val="60000"/>
+          </a:schemeClr>
         </a:buClr>
-        <a:buSzPct val="100000"/>
-        <a:buFont typeface="Calibri" panose="020F0502020204030204" pitchFamily="34" charset="0"/>
-        <a:buChar char=" "/>
-        <a:defRPr sz="2000" kern="1200">
+        <a:buSzPct val="80000"/>
+        <a:buFont typeface="Wingdings 3" charset="2"/>
+        <a:buChar char=""/>
+        <a:defRPr sz="2000" b="0" i="0" kern="1200">
           <a:solidFill>
-            <a:schemeClr val="tx1">
-              <a:lumMod val="75000"/>
-              <a:lumOff val="25000"/>
-            </a:schemeClr>
+            <a:schemeClr val="tx1"/>
           </a:solidFill>
-          <a:latin typeface="+mn-lt"/>
-          <a:ea typeface="+mn-ea"/>
-          <a:cs typeface="+mn-cs"/>
+          <a:latin typeface="+mj-lt"/>
+          <a:ea typeface="+mj-ea"/>
+          <a:cs typeface="+mj-cs"/>
         </a:defRPr>
       </a:lvl1pPr>
-      <a:lvl2pPr marL="384048" indent="-182880" algn="l" defTabSz="914400" rtl="0" eaLnBrk="1" latinLnBrk="0" hangingPunct="1">
-        <a:lnSpc>
-          <a:spcPct val="90000"/>
-        </a:lnSpc>
+      <a:lvl2pPr marL="742950" indent="-285750" algn="l" defTabSz="457200" rtl="0" eaLnBrk="1" latinLnBrk="0" hangingPunct="1">
         <a:spcBef>
-          <a:spcPts val="200"/>
+          <a:spcPts val="1000"/>
         </a:spcBef>
         <a:spcAft>
-          <a:spcPts val="400"/>
+          <a:spcPts val="0"/>
         </a:spcAft>
         <a:buClr>
-          <a:schemeClr val="accent1"/>
+          <a:schemeClr val="bg2">
+            <a:lumMod val="40000"/>
+            <a:lumOff val="60000"/>
+          </a:schemeClr>
         </a:buClr>
-        <a:buFont typeface="Calibri" pitchFamily="34" charset="0"/>
-        <a:buChar char="◦"/>
-        <a:defRPr sz="1800" kern="1200">
+        <a:buSzPct val="80000"/>
+        <a:buFont typeface="Wingdings 3" charset="2"/>
+        <a:buChar char=""/>
+        <a:defRPr sz="1800" b="0" i="0" kern="1200">
           <a:solidFill>
-            <a:schemeClr val="tx1">
-              <a:lumMod val="75000"/>
-              <a:lumOff val="25000"/>
-            </a:schemeClr>
+            <a:schemeClr val="tx1"/>
           </a:solidFill>
-          <a:latin typeface="+mn-lt"/>
-          <a:ea typeface="+mn-ea"/>
-          <a:cs typeface="+mn-cs"/>
+          <a:latin typeface="+mj-lt"/>
+          <a:ea typeface="+mj-ea"/>
+          <a:cs typeface="+mj-cs"/>
         </a:defRPr>
       </a:lvl2pPr>
-      <a:lvl3pPr marL="566928" indent="-182880" algn="l" defTabSz="914400" rtl="0" eaLnBrk="1" latinLnBrk="0" hangingPunct="1">
-        <a:lnSpc>
-          <a:spcPct val="90000"/>
-        </a:lnSpc>
+      <a:lvl3pPr marL="1143000" indent="-228600" algn="l" defTabSz="457200" rtl="0" eaLnBrk="1" latinLnBrk="0" hangingPunct="1">
         <a:spcBef>
-          <a:spcPts val="200"/>
+          <a:spcPts val="1000"/>
         </a:spcBef>
         <a:spcAft>
-          <a:spcPts val="400"/>
+          <a:spcPts val="0"/>
         </a:spcAft>
         <a:buClr>
-          <a:schemeClr val="accent1"/>
+          <a:schemeClr val="bg2">
+            <a:lumMod val="40000"/>
+            <a:lumOff val="60000"/>
+          </a:schemeClr>
         </a:buClr>
-        <a:buFont typeface="Calibri" pitchFamily="34" charset="0"/>
-        <a:buChar char="◦"/>
-        <a:defRPr sz="1400" kern="1200">
+        <a:buSzPct val="80000"/>
+        <a:buFont typeface="Wingdings 3" charset="2"/>
+        <a:buChar char=""/>
+        <a:defRPr sz="1600" b="0" i="0" kern="1200">
           <a:solidFill>
-            <a:schemeClr val="tx1">
-              <a:lumMod val="75000"/>
-              <a:lumOff val="25000"/>
-            </a:schemeClr>
+            <a:schemeClr val="tx1"/>
           </a:solidFill>
-          <a:latin typeface="+mn-lt"/>
-          <a:ea typeface="+mn-ea"/>
-          <a:cs typeface="+mn-cs"/>
+          <a:latin typeface="+mj-lt"/>
+          <a:ea typeface="+mj-ea"/>
+          <a:cs typeface="+mj-cs"/>
         </a:defRPr>
       </a:lvl3pPr>
-      <a:lvl4pPr marL="749808" indent="-182880" algn="l" defTabSz="914400" rtl="0" eaLnBrk="1" latinLnBrk="0" hangingPunct="1">
-        <a:lnSpc>
-          <a:spcPct val="90000"/>
-        </a:lnSpc>
+      <a:lvl4pPr marL="1600200" indent="-228600" algn="l" defTabSz="457200" rtl="0" eaLnBrk="1" latinLnBrk="0" hangingPunct="1">
         <a:spcBef>
-          <a:spcPts val="200"/>
+          <a:spcPts val="1000"/>
         </a:spcBef>
         <a:spcAft>
-          <a:spcPts val="400"/>
+          <a:spcPts val="0"/>
         </a:spcAft>
         <a:buClr>
-          <a:schemeClr val="accent1"/>
+          <a:schemeClr val="bg2">
+            <a:lumMod val="40000"/>
+            <a:lumOff val="60000"/>
+          </a:schemeClr>
         </a:buClr>
-        <a:buFont typeface="Calibri" pitchFamily="34" charset="0"/>
-        <a:buChar char="◦"/>
-        <a:defRPr sz="1400" kern="1200">
+        <a:buSzPct val="80000"/>
+        <a:buFont typeface="Wingdings 3" charset="2"/>
+        <a:buChar char=""/>
+        <a:defRPr sz="1400" b="0" i="0" kern="1200">
           <a:solidFill>
-            <a:schemeClr val="tx1">
-              <a:lumMod val="75000"/>
-              <a:lumOff val="25000"/>
-            </a:schemeClr>
+            <a:schemeClr val="tx1"/>
           </a:solidFill>
-          <a:latin typeface="+mn-lt"/>
-          <a:ea typeface="+mn-ea"/>
-          <a:cs typeface="+mn-cs"/>
+          <a:latin typeface="+mj-lt"/>
+          <a:ea typeface="+mj-ea"/>
+          <a:cs typeface="+mj-cs"/>
         </a:defRPr>
       </a:lvl4pPr>
-      <a:lvl5pPr marL="932688" indent="-182880" algn="l" defTabSz="914400" rtl="0" eaLnBrk="1" latinLnBrk="0" hangingPunct="1">
-        <a:lnSpc>
-          <a:spcPct val="90000"/>
-        </a:lnSpc>
+      <a:lvl5pPr marL="2057400" indent="-228600" algn="l" defTabSz="457200" rtl="0" eaLnBrk="1" latinLnBrk="0" hangingPunct="1">
         <a:spcBef>
-          <a:spcPts val="200"/>
+          <a:spcPts val="1000"/>
         </a:spcBef>
         <a:spcAft>
-          <a:spcPts val="400"/>
+          <a:spcPts val="0"/>
         </a:spcAft>
         <a:buClr>
-          <a:schemeClr val="accent1"/>
+          <a:schemeClr val="bg2">
+            <a:lumMod val="40000"/>
+            <a:lumOff val="60000"/>
+          </a:schemeClr>
         </a:buClr>
-        <a:buFont typeface="Calibri" pitchFamily="34" charset="0"/>
-        <a:buChar char="◦"/>
-        <a:defRPr sz="1400" kern="1200">
+        <a:buSzPct val="80000"/>
+        <a:buFont typeface="Wingdings 3" charset="2"/>
+        <a:buChar char=""/>
+        <a:defRPr sz="1400" b="0" i="0" kern="1200">
           <a:solidFill>
-            <a:schemeClr val="tx1">
-              <a:lumMod val="75000"/>
-              <a:lumOff val="25000"/>
-            </a:schemeClr>
+            <a:schemeClr val="tx1"/>
           </a:solidFill>
-          <a:latin typeface="+mn-lt"/>
-          <a:ea typeface="+mn-ea"/>
-          <a:cs typeface="+mn-cs"/>
+          <a:latin typeface="+mj-lt"/>
+          <a:ea typeface="+mj-ea"/>
+          <a:cs typeface="+mj-cs"/>
         </a:defRPr>
       </a:lvl5pPr>
-      <a:lvl6pPr marL="1100000" indent="-228600" algn="l" defTabSz="914400" rtl="0" eaLnBrk="1" latinLnBrk="0" hangingPunct="1">
-        <a:lnSpc>
-          <a:spcPct val="90000"/>
-        </a:lnSpc>
+      <a:lvl6pPr marL="2506000" indent="-228600" algn="l" defTabSz="457200" rtl="0" eaLnBrk="1" latinLnBrk="0" hangingPunct="1">
         <a:spcBef>
-          <a:spcPts val="200"/>
+          <a:spcPts val="1000"/>
         </a:spcBef>
         <a:spcAft>
-          <a:spcPts val="400"/>
+          <a:spcPts val="0"/>
         </a:spcAft>
         <a:buClr>
-          <a:schemeClr val="accent1"/>
+          <a:schemeClr val="bg2">
+            <a:lumMod val="40000"/>
+            <a:lumOff val="60000"/>
+          </a:schemeClr>
         </a:buClr>
-        <a:buFont typeface="Calibri" pitchFamily="34" charset="0"/>
-        <a:buChar char="◦"/>
-        <a:defRPr sz="1400" kern="1200">
+        <a:buSzPct val="80000"/>
+        <a:buFont typeface="Wingdings 3" charset="2"/>
+        <a:buChar char=""/>
+        <a:defRPr sz="1400" b="0" i="0" kern="1200">
           <a:solidFill>
-            <a:schemeClr val="tx1">
-              <a:lumMod val="75000"/>
-              <a:lumOff val="25000"/>
-            </a:schemeClr>
+            <a:schemeClr val="tx1"/>
           </a:solidFill>
-          <a:latin typeface="+mn-lt"/>
-          <a:ea typeface="+mn-ea"/>
-          <a:cs typeface="+mn-cs"/>
+          <a:latin typeface="+mj-lt"/>
+          <a:ea typeface="+mj-ea"/>
+          <a:cs typeface="+mj-cs"/>
         </a:defRPr>
       </a:lvl6pPr>
-      <a:lvl7pPr marL="1300000" indent="-228600" algn="l" defTabSz="914400" rtl="0" eaLnBrk="1" latinLnBrk="0" hangingPunct="1">
-        <a:lnSpc>
-          <a:spcPct val="90000"/>
-        </a:lnSpc>
+      <a:lvl7pPr marL="2971800" indent="-228600" algn="l" defTabSz="457200" rtl="0" eaLnBrk="1" latinLnBrk="0" hangingPunct="1">
         <a:spcBef>
-          <a:spcPts val="200"/>
+          <a:spcPts val="1000"/>
         </a:spcBef>
         <a:spcAft>
-          <a:spcPts val="400"/>
+          <a:spcPts val="0"/>
         </a:spcAft>
         <a:buClr>
-          <a:schemeClr val="accent1"/>
+          <a:schemeClr val="bg2">
+            <a:lumMod val="40000"/>
+            <a:lumOff val="60000"/>
+          </a:schemeClr>
         </a:buClr>
-        <a:buFont typeface="Calibri" pitchFamily="34" charset="0"/>
-        <a:buChar char="◦"/>
-        <a:defRPr sz="1400" kern="1200">
+        <a:buSzPct val="80000"/>
+        <a:buFont typeface="Wingdings 3" charset="2"/>
+        <a:buChar char=""/>
+        <a:defRPr sz="1400" b="0" i="0" kern="1200">
           <a:solidFill>
-            <a:schemeClr val="tx1">
-              <a:lumMod val="75000"/>
-              <a:lumOff val="25000"/>
-            </a:schemeClr>
+            <a:schemeClr val="tx1"/>
           </a:solidFill>
-          <a:latin typeface="+mn-lt"/>
-          <a:ea typeface="+mn-ea"/>
-          <a:cs typeface="+mn-cs"/>
+          <a:latin typeface="+mj-lt"/>
+          <a:ea typeface="+mj-ea"/>
+          <a:cs typeface="+mj-cs"/>
         </a:defRPr>
       </a:lvl7pPr>
-      <a:lvl8pPr marL="1500000" indent="-228600" algn="l" defTabSz="914400" rtl="0" eaLnBrk="1" latinLnBrk="0" hangingPunct="1">
-        <a:lnSpc>
-          <a:spcPct val="90000"/>
-        </a:lnSpc>
+      <a:lvl8pPr marL="3429000" indent="-228600" algn="l" defTabSz="457200" rtl="0" eaLnBrk="1" latinLnBrk="0" hangingPunct="1">
         <a:spcBef>
-          <a:spcPts val="200"/>
+          <a:spcPts val="1000"/>
         </a:spcBef>
         <a:spcAft>
-          <a:spcPts val="400"/>
+          <a:spcPts val="0"/>
         </a:spcAft>
         <a:buClr>
-          <a:schemeClr val="accent1"/>
+          <a:schemeClr val="bg2">
+            <a:lumMod val="40000"/>
+            <a:lumOff val="60000"/>
+          </a:schemeClr>
         </a:buClr>
-        <a:buFont typeface="Calibri" pitchFamily="34" charset="0"/>
-        <a:buChar char="◦"/>
-        <a:defRPr sz="1400" kern="1200">
+        <a:buSzPct val="80000"/>
+        <a:buFont typeface="Wingdings 3" charset="2"/>
+        <a:buChar char=""/>
+        <a:defRPr sz="1400" b="0" i="0" kern="1200">
           <a:solidFill>
-            <a:schemeClr val="tx1">
-              <a:lumMod val="75000"/>
-              <a:lumOff val="25000"/>
-            </a:schemeClr>
+            <a:schemeClr val="tx1"/>
           </a:solidFill>
-          <a:latin typeface="+mn-lt"/>
-          <a:ea typeface="+mn-ea"/>
-          <a:cs typeface="+mn-cs"/>
+          <a:latin typeface="+mj-lt"/>
+          <a:ea typeface="+mj-ea"/>
+          <a:cs typeface="+mj-cs"/>
         </a:defRPr>
       </a:lvl8pPr>
-      <a:lvl9pPr marL="1700000" indent="-228600" algn="l" defTabSz="914400" rtl="0" eaLnBrk="1" latinLnBrk="0" hangingPunct="1">
-        <a:lnSpc>
-          <a:spcPct val="90000"/>
-        </a:lnSpc>
+      <a:lvl9pPr marL="3886200" indent="-228600" algn="l" defTabSz="457200" rtl="0" eaLnBrk="1" latinLnBrk="0" hangingPunct="1">
         <a:spcBef>
-          <a:spcPts val="200"/>
+          <a:spcPts val="1000"/>
         </a:spcBef>
         <a:spcAft>
-          <a:spcPts val="400"/>
+          <a:spcPts val="0"/>
         </a:spcAft>
         <a:buClr>
-          <a:schemeClr val="accent1"/>
+          <a:schemeClr val="bg2">
+            <a:lumMod val="40000"/>
+            <a:lumOff val="60000"/>
+          </a:schemeClr>
         </a:buClr>
-        <a:buFont typeface="Calibri" pitchFamily="34" charset="0"/>
-        <a:buChar char="◦"/>
-        <a:defRPr sz="1400" kern="1200">
+        <a:buSzPct val="80000"/>
+        <a:buFont typeface="Wingdings 3" charset="2"/>
+        <a:buChar char=""/>
+        <a:defRPr sz="1400" b="0" i="0" kern="1200">
           <a:solidFill>
-            <a:schemeClr val="tx1">
-              <a:lumMod val="75000"/>
-              <a:lumOff val="25000"/>
-            </a:schemeClr>
+            <a:schemeClr val="tx1"/>
           </a:solidFill>
-          <a:latin typeface="+mn-lt"/>
-          <a:ea typeface="+mn-ea"/>
-          <a:cs typeface="+mn-cs"/>
+          <a:latin typeface="+mj-lt"/>
+          <a:ea typeface="+mj-ea"/>
+          <a:cs typeface="+mj-cs"/>
         </a:defRPr>
       </a:lvl9pPr>
     </p:bodyStyle>
@@ -3705,7 +5987,7 @@
       <a:defPPr>
         <a:defRPr lang="en-US"/>
       </a:defPPr>
-      <a:lvl1pPr marL="0" algn="l" defTabSz="914400" rtl="0" eaLnBrk="1" latinLnBrk="0" hangingPunct="1">
+      <a:lvl1pPr marL="0" algn="l" defTabSz="457200" rtl="0" eaLnBrk="1" latinLnBrk="0" hangingPunct="1">
         <a:defRPr sz="1800" kern="1200">
           <a:solidFill>
             <a:schemeClr val="tx1"/>
@@ -3715,7 +5997,7 @@
           <a:cs typeface="+mn-cs"/>
         </a:defRPr>
       </a:lvl1pPr>
-      <a:lvl2pPr marL="457200" algn="l" defTabSz="914400" rtl="0" eaLnBrk="1" latinLnBrk="0" hangingPunct="1">
+      <a:lvl2pPr marL="457200" algn="l" defTabSz="457200" rtl="0" eaLnBrk="1" latinLnBrk="0" hangingPunct="1">
         <a:defRPr sz="1800" kern="1200">
           <a:solidFill>
             <a:schemeClr val="tx1"/>
@@ -3725,7 +6007,7 @@
           <a:cs typeface="+mn-cs"/>
         </a:defRPr>
       </a:lvl2pPr>
-      <a:lvl3pPr marL="914400" algn="l" defTabSz="914400" rtl="0" eaLnBrk="1" latinLnBrk="0" hangingPunct="1">
+      <a:lvl3pPr marL="914400" algn="l" defTabSz="457200" rtl="0" eaLnBrk="1" latinLnBrk="0" hangingPunct="1">
         <a:defRPr sz="1800" kern="1200">
           <a:solidFill>
             <a:schemeClr val="tx1"/>
@@ -3735,7 +6017,7 @@
           <a:cs typeface="+mn-cs"/>
         </a:defRPr>
       </a:lvl3pPr>
-      <a:lvl4pPr marL="1371600" algn="l" defTabSz="914400" rtl="0" eaLnBrk="1" latinLnBrk="0" hangingPunct="1">
+      <a:lvl4pPr marL="1371600" algn="l" defTabSz="457200" rtl="0" eaLnBrk="1" latinLnBrk="0" hangingPunct="1">
         <a:defRPr sz="1800" kern="1200">
           <a:solidFill>
             <a:schemeClr val="tx1"/>
@@ -3745,7 +6027,7 @@
           <a:cs typeface="+mn-cs"/>
         </a:defRPr>
       </a:lvl4pPr>
-      <a:lvl5pPr marL="1828800" algn="l" defTabSz="914400" rtl="0" eaLnBrk="1" latinLnBrk="0" hangingPunct="1">
+      <a:lvl5pPr marL="1828800" algn="l" defTabSz="457200" rtl="0" eaLnBrk="1" latinLnBrk="0" hangingPunct="1">
         <a:defRPr sz="1800" kern="1200">
           <a:solidFill>
             <a:schemeClr val="tx1"/>
@@ -3755,7 +6037,7 @@
           <a:cs typeface="+mn-cs"/>
         </a:defRPr>
       </a:lvl5pPr>
-      <a:lvl6pPr marL="2286000" algn="l" defTabSz="914400" rtl="0" eaLnBrk="1" latinLnBrk="0" hangingPunct="1">
+      <a:lvl6pPr marL="2286000" algn="l" defTabSz="457200" rtl="0" eaLnBrk="1" latinLnBrk="0" hangingPunct="1">
         <a:defRPr sz="1800" kern="1200">
           <a:solidFill>
             <a:schemeClr val="tx1"/>
@@ -3765,7 +6047,7 @@
           <a:cs typeface="+mn-cs"/>
         </a:defRPr>
       </a:lvl6pPr>
-      <a:lvl7pPr marL="2743200" algn="l" defTabSz="914400" rtl="0" eaLnBrk="1" latinLnBrk="0" hangingPunct="1">
+      <a:lvl7pPr marL="2743200" algn="l" defTabSz="457200" rtl="0" eaLnBrk="1" latinLnBrk="0" hangingPunct="1">
         <a:defRPr sz="1800" kern="1200">
           <a:solidFill>
             <a:schemeClr val="tx1"/>
@@ -3775,7 +6057,7 @@
           <a:cs typeface="+mn-cs"/>
         </a:defRPr>
       </a:lvl7pPr>
-      <a:lvl8pPr marL="3200400" algn="l" defTabSz="914400" rtl="0" eaLnBrk="1" latinLnBrk="0" hangingPunct="1">
+      <a:lvl8pPr marL="3200400" algn="l" defTabSz="457200" rtl="0" eaLnBrk="1" latinLnBrk="0" hangingPunct="1">
         <a:defRPr sz="1800" kern="1200">
           <a:solidFill>
             <a:schemeClr val="tx1"/>
@@ -3785,7 +6067,7 @@
           <a:cs typeface="+mn-cs"/>
         </a:defRPr>
       </a:lvl8pPr>
-      <a:lvl9pPr marL="3657600" algn="l" defTabSz="914400" rtl="0" eaLnBrk="1" latinLnBrk="0" hangingPunct="1">
+      <a:lvl9pPr marL="3657600" algn="l" defTabSz="457200" rtl="0" eaLnBrk="1" latinLnBrk="0" hangingPunct="1">
         <a:defRPr sz="1800" kern="1200">
           <a:solidFill>
             <a:schemeClr val="tx1"/>
@@ -4270,6 +6552,9 @@
           <a:prstGeom prst="rect">
             <a:avLst/>
           </a:prstGeom>
+          <a:solidFill>
+            <a:schemeClr val="tx1"/>
+          </a:solidFill>
         </p:spPr>
       </p:pic>
     </p:spTree>
@@ -4409,6 +6694,9 @@
           <a:prstGeom prst="rect">
             <a:avLst/>
           </a:prstGeom>
+          <a:solidFill>
+            <a:schemeClr val="tx1"/>
+          </a:solidFill>
         </p:spPr>
       </p:pic>
     </p:spTree>
@@ -4504,7 +6792,6 @@
               <a:rPr lang="en-US" dirty="0" smtClean="0"/>
               <a:t> </a:t>
             </a:r>
-            <a:endParaRPr lang="en-US" dirty="0" smtClean="0"/>
           </a:p>
           <a:p>
             <a:r>
@@ -4529,52 +6816,52 @@
 </file>
 
 <file path=ppt/theme/theme1.xml><?xml version="1.0" encoding="utf-8"?>
-<a:theme xmlns:a="http://schemas.openxmlformats.org/drawingml/2006/main" name="Retrospect">
+<a:theme xmlns:a="http://schemas.openxmlformats.org/drawingml/2006/main" name="Ion">
   <a:themeElements>
-    <a:clrScheme name="Retrospect">
+    <a:clrScheme name="Ion">
       <a:dk1>
-        <a:srgbClr val="000000"/>
+        <a:sysClr val="windowText" lastClr="000000"/>
       </a:dk1>
       <a:lt1>
         <a:sysClr val="window" lastClr="FFFFFF"/>
       </a:lt1>
       <a:dk2>
-        <a:srgbClr val="637052"/>
+        <a:srgbClr val="1E5155"/>
       </a:dk2>
       <a:lt2>
-        <a:srgbClr val="CCDDEA"/>
+        <a:srgbClr val="EBEBEB"/>
       </a:lt2>
       <a:accent1>
-        <a:srgbClr val="E48312"/>
+        <a:srgbClr val="B01513"/>
       </a:accent1>
       <a:accent2>
-        <a:srgbClr val="BD582C"/>
+        <a:srgbClr val="EA6312"/>
       </a:accent2>
       <a:accent3>
-        <a:srgbClr val="865640"/>
+        <a:srgbClr val="E6B729"/>
       </a:accent3>
       <a:accent4>
-        <a:srgbClr val="9B8357"/>
+        <a:srgbClr val="6AAC90"/>
       </a:accent4>
       <a:accent5>
-        <a:srgbClr val="C2BC80"/>
+        <a:srgbClr val="54849A"/>
       </a:accent5>
       <a:accent6>
-        <a:srgbClr val="94A088"/>
+        <a:srgbClr val="9E5E9B"/>
       </a:accent6>
       <a:hlink>
-        <a:srgbClr val="2998E3"/>
+        <a:srgbClr val="58C1BA"/>
       </a:hlink>
       <a:folHlink>
-        <a:srgbClr val="8C8C8C"/>
+        <a:srgbClr val="9DFFCB"/>
       </a:folHlink>
     </a:clrScheme>
-    <a:fontScheme name="Retrospect">
+    <a:fontScheme name="Ion">
       <a:majorFont>
-        <a:latin typeface="Calibri Light" panose="020F0302020204030204"/>
+        <a:latin typeface="Century Gothic" panose="020B0502020202020204"/>
         <a:ea typeface=""/>
         <a:cs typeface=""/>
-        <a:font script="Jpan" typeface="ＭＳ Ｐゴシック"/>
+        <a:font script="Jpan" typeface="メイリオ"/>
         <a:font script="Hang" typeface="맑은 고딕"/>
         <a:font script="Hans" typeface="宋体"/>
         <a:font script="Hant" typeface="新細明體"/>
@@ -4606,10 +6893,10 @@
         <a:font script="Geor" typeface="Sylfaen"/>
       </a:majorFont>
       <a:minorFont>
-        <a:latin typeface="Calibri" panose="020F0502020204030204"/>
+        <a:latin typeface="Century Gothic" panose="020B0502020202020204"/>
         <a:ea typeface=""/>
         <a:cs typeface=""/>
-        <a:font script="Jpan" typeface="ＭＳ Ｐゴシック"/>
+        <a:font script="Jpan" typeface="メイリオ"/>
         <a:font script="Hang" typeface="맑은 고딕"/>
         <a:font script="Hans" typeface="宋体"/>
         <a:font script="Hant" typeface="新細明體"/>
@@ -4641,7 +6928,7 @@
         <a:font script="Geor" typeface="Sylfaen"/>
       </a:minorFont>
     </a:fontScheme>
-    <a:fmtScheme name="Retrospect">
+    <a:fmtScheme name="Ion">
       <a:fillStyleLst>
         <a:solidFill>
           <a:schemeClr val="phClr"/>
@@ -4650,77 +6937,52 @@
           <a:gsLst>
             <a:gs pos="0">
               <a:schemeClr val="phClr">
-                <a:tint val="65000"/>
-                <a:shade val="92000"/>
-                <a:satMod val="130000"/>
-              </a:schemeClr>
-            </a:gs>
-            <a:gs pos="45000">
-              <a:schemeClr val="phClr">
-                <a:tint val="60000"/>
-                <a:shade val="99000"/>
-                <a:satMod val="120000"/>
+                <a:tint val="64000"/>
+                <a:lumMod val="118000"/>
               </a:schemeClr>
             </a:gs>
             <a:gs pos="100000">
               <a:schemeClr val="phClr">
-                <a:tint val="55000"/>
-                <a:satMod val="140000"/>
+                <a:tint val="92000"/>
+                <a:alpha val="100000"/>
+                <a:lumMod val="110000"/>
               </a:schemeClr>
             </a:gs>
           </a:gsLst>
-          <a:path path="circle">
-            <a:fillToRect l="100000" t="100000" r="100000" b="100000"/>
-          </a:path>
+          <a:lin ang="5400000" scaled="0"/>
         </a:gradFill>
         <a:gradFill rotWithShape="1">
           <a:gsLst>
             <a:gs pos="0">
               <a:schemeClr val="phClr">
-                <a:shade val="85000"/>
-                <a:satMod val="130000"/>
-              </a:schemeClr>
-            </a:gs>
-            <a:gs pos="34000">
-              <a:schemeClr val="phClr">
-                <a:shade val="87000"/>
-                <a:satMod val="125000"/>
-              </a:schemeClr>
-            </a:gs>
-            <a:gs pos="70000">
-              <a:schemeClr val="phClr">
-                <a:tint val="100000"/>
-                <a:shade val="90000"/>
-                <a:satMod val="130000"/>
+                <a:tint val="98000"/>
+                <a:lumMod val="114000"/>
               </a:schemeClr>
             </a:gs>
             <a:gs pos="100000">
               <a:schemeClr val="phClr">
-                <a:tint val="100000"/>
-                <a:shade val="100000"/>
-                <a:satMod val="110000"/>
+                <a:shade val="90000"/>
+                <a:lumMod val="84000"/>
               </a:schemeClr>
             </a:gs>
           </a:gsLst>
-          <a:path path="circle">
-            <a:fillToRect l="100000" t="100000" r="100000" b="100000"/>
-          </a:path>
+          <a:lin ang="5400000" scaled="0"/>
         </a:gradFill>
       </a:fillStyleLst>
       <a:lnStyleLst>
-        <a:ln w="12700" cap="flat" cmpd="sng" algn="ctr">
+        <a:ln w="9525" cap="rnd" cmpd="sng" algn="ctr">
           <a:solidFill>
             <a:schemeClr val="phClr"/>
           </a:solidFill>
           <a:prstDash val="solid"/>
         </a:ln>
-        <a:ln w="15875" cap="flat" cmpd="sng" algn="ctr">
+        <a:ln w="19050" cap="rnd" cmpd="sng" algn="ctr">
           <a:solidFill>
             <a:schemeClr val="phClr"/>
           </a:solidFill>
           <a:prstDash val="solid"/>
         </a:ln>
-        <a:ln w="25400" cap="flat" cmpd="sng" algn="ctr">
+        <a:ln w="28575" cap="rnd" cmpd="sng" algn="ctr">
           <a:solidFill>
             <a:schemeClr val="phClr"/>
           </a:solidFill>
@@ -4733,16 +6995,16 @@
         </a:effectStyle>
         <a:effectStyle>
           <a:effectLst>
-            <a:outerShdw blurRad="38100" dist="25400" dir="2700000" algn="br" rotWithShape="0">
+            <a:outerShdw blurRad="38100" dist="25400" dir="5400000" rotWithShape="0">
               <a:srgbClr val="000000">
-                <a:alpha val="60000"/>
+                <a:alpha val="45000"/>
               </a:srgbClr>
             </a:outerShdw>
           </a:effectLst>
         </a:effectStyle>
         <a:effectStyle>
           <a:effectLst>
-            <a:outerShdw blurRad="44450" dist="25400" dir="2700000" algn="br" rotWithShape="0">
+            <a:outerShdw blurRad="63500" dist="38100" dir="5400000" rotWithShape="0">
               <a:srgbClr val="000000">
                 <a:alpha val="60000"/>
               </a:srgbClr>
@@ -4752,12 +7014,10 @@
             <a:camera prst="orthographicFront">
               <a:rot lat="0" lon="0" rev="0"/>
             </a:camera>
-            <a:lightRig rig="threePt" dir="t">
-              <a:rot lat="0" lon="0" rev="19800000"/>
-            </a:lightRig>
+            <a:lightRig rig="threePt" dir="tl"/>
           </a:scene3d>
-          <a:sp3d prstMaterial="flat">
-            <a:bevelT w="25400" h="31750"/>
+          <a:sp3d prstMaterial="plastic">
+            <a:bevelT w="0" h="0"/>
           </a:sp3d>
         </a:effectStyle>
       </a:effectStyleLst>
@@ -4765,39 +7025,49 @@
         <a:solidFill>
           <a:schemeClr val="phClr"/>
         </a:solidFill>
-        <a:solidFill>
-          <a:schemeClr val="phClr">
-            <a:tint val="90000"/>
-            <a:shade val="97000"/>
-            <a:satMod val="130000"/>
-          </a:schemeClr>
-        </a:solidFill>
         <a:gradFill rotWithShape="1">
           <a:gsLst>
             <a:gs pos="0">
               <a:schemeClr val="phClr">
-                <a:tint val="96000"/>
-                <a:shade val="99000"/>
-                <a:satMod val="140000"/>
-              </a:schemeClr>
-            </a:gs>
-            <a:gs pos="65000">
-              <a:schemeClr val="phClr">
-                <a:tint val="100000"/>
-                <a:shade val="80000"/>
+                <a:tint val="97000"/>
+                <a:hueMod val="88000"/>
                 <a:satMod val="130000"/>
+                <a:lumMod val="124000"/>
               </a:schemeClr>
             </a:gs>
             <a:gs pos="100000">
               <a:schemeClr val="phClr">
-                <a:tint val="100000"/>
-                <a:shade val="48000"/>
-                <a:satMod val="120000"/>
+                <a:tint val="96000"/>
+                <a:shade val="88000"/>
+                <a:hueMod val="108000"/>
+                <a:satMod val="164000"/>
+                <a:lumMod val="76000"/>
               </a:schemeClr>
             </a:gs>
           </a:gsLst>
-          <a:lin ang="16200000" scaled="0"/>
+          <a:path path="circle">
+            <a:fillToRect l="45000" t="65000" r="125000" b="100000"/>
+          </a:path>
         </a:gradFill>
+        <a:blipFill rotWithShape="1">
+          <a:blip xmlns:r="http://schemas.openxmlformats.org/officeDocument/2006/relationships" r:embed="rId1">
+            <a:duotone>
+              <a:schemeClr val="phClr">
+                <a:shade val="69000"/>
+                <a:hueMod val="108000"/>
+                <a:satMod val="164000"/>
+                <a:lumMod val="74000"/>
+              </a:schemeClr>
+              <a:schemeClr val="phClr">
+                <a:tint val="96000"/>
+                <a:hueMod val="88000"/>
+                <a:satMod val="140000"/>
+                <a:lumMod val="132000"/>
+              </a:schemeClr>
+            </a:duotone>
+          </a:blip>
+          <a:stretch/>
+        </a:blipFill>
       </a:bgFillStyleLst>
     </a:fmtScheme>
   </a:themeElements>
@@ -4805,7 +7075,7 @@
   <a:extraClrSchemeLst/>
   <a:extLst>
     <a:ext uri="{05A4C25C-085E-4340-85A3-A5531E510DB2}">
-      <thm15:themeFamily xmlns:thm15="http://schemas.microsoft.com/office/thememl/2012/main" name="Retrospect" id="{5F128B03-DCCA-4EEB-AB3B-CF2899314A46}" vid="{3F1AAB62-24C6-49D2-8E01-B56FAC9A3DCD}"/>
+      <thm15:themeFamily xmlns:thm15="http://schemas.microsoft.com/office/thememl/2012/main" name="Ion" id="{B8441ADB-2E43-4AF7-B97A-BD870242C6A8}" vid="{292E63A9-BB86-4E3D-B92A-7223C6510D2E}"/>
     </a:ext>
   </a:extLst>
 </a:theme>
